--- a/presentation/NuFi-Vortrag.pptx
+++ b/presentation/NuFi-Vortrag.pptx
@@ -5,7 +5,7 @@
     <p:sldMasterId id="2147483648" r:id="rId1"/>
   </p:sldMasterIdLst>
   <p:notesMasterIdLst>
-    <p:notesMasterId r:id="rId34"/>
+    <p:notesMasterId r:id="rId41"/>
   </p:notesMasterIdLst>
   <p:sldIdLst>
     <p:sldId id="256" r:id="rId2"/>
@@ -38,8 +38,15 @@
     <p:sldId id="287" r:id="rId29"/>
     <p:sldId id="288" r:id="rId30"/>
     <p:sldId id="289" r:id="rId31"/>
-    <p:sldId id="261" r:id="rId32"/>
-    <p:sldId id="262" r:id="rId33"/>
+    <p:sldId id="290" r:id="rId32"/>
+    <p:sldId id="291" r:id="rId33"/>
+    <p:sldId id="292" r:id="rId34"/>
+    <p:sldId id="293" r:id="rId35"/>
+    <p:sldId id="294" r:id="rId36"/>
+    <p:sldId id="295" r:id="rId37"/>
+    <p:sldId id="296" r:id="rId38"/>
+    <p:sldId id="261" r:id="rId39"/>
+    <p:sldId id="262" r:id="rId40"/>
   </p:sldIdLst>
   <p:sldSz cx="9144000" cy="6858000" type="screen4x3"/>
   <p:notesSz cx="6858000" cy="9144000"/>
@@ -2604,6 +2611,615 @@
     <p:extLst>
       <p:ext uri="{BB962C8B-B14F-4D97-AF65-F5344CB8AC3E}">
         <p14:creationId xmlns:p14="http://schemas.microsoft.com/office/powerpoint/2010/main" val="3822452324"/>
+      </p:ext>
+    </p:extLst>
+  </p:cSld>
+  <p:clrMapOvr>
+    <a:masterClrMapping/>
+  </p:clrMapOvr>
+</p:notes>
+</file>
+
+<file path=ppt/notesSlides/notesSlide31.xml><?xml version="1.0" encoding="utf-8"?>
+<p:notes xmlns:a="http://schemas.openxmlformats.org/drawingml/2006/main" xmlns:r="http://schemas.openxmlformats.org/officeDocument/2006/relationships" xmlns:p="http://schemas.openxmlformats.org/presentationml/2006/main">
+  <p:cSld>
+    <p:spTree>
+      <p:nvGrpSpPr>
+        <p:cNvPr id="1" name=""/>
+        <p:cNvGrpSpPr/>
+        <p:nvPr/>
+      </p:nvGrpSpPr>
+      <p:grpSpPr>
+        <a:xfrm>
+          <a:off x="0" y="0"/>
+          <a:ext cx="0" cy="0"/>
+          <a:chOff x="0" y="0"/>
+          <a:chExt cx="0" cy="0"/>
+        </a:xfrm>
+      </p:grpSpPr>
+      <p:sp>
+        <p:nvSpPr>
+          <p:cNvPr id="2" name="Folienbildplatzhalter 1"/>
+          <p:cNvSpPr>
+            <a:spLocks noGrp="1" noRot="1" noChangeAspect="1"/>
+          </p:cNvSpPr>
+          <p:nvPr>
+            <p:ph type="sldImg"/>
+          </p:nvPr>
+        </p:nvSpPr>
+        <p:spPr/>
+      </p:sp>
+      <p:sp>
+        <p:nvSpPr>
+          <p:cNvPr id="3" name="Notizenplatzhalter 2"/>
+          <p:cNvSpPr>
+            <a:spLocks noGrp="1"/>
+          </p:cNvSpPr>
+          <p:nvPr>
+            <p:ph type="body" idx="1"/>
+          </p:nvPr>
+        </p:nvSpPr>
+        <p:spPr/>
+        <p:txBody>
+          <a:bodyPr>
+            <a:normAutofit/>
+          </a:bodyPr>
+          <a:lstStyle/>
+          <a:p>
+            <a:endParaRPr lang="de-DE" sz="3200" dirty="0"/>
+          </a:p>
+        </p:txBody>
+      </p:sp>
+      <p:sp>
+        <p:nvSpPr>
+          <p:cNvPr id="4" name="Foliennummernplatzhalter 3"/>
+          <p:cNvSpPr>
+            <a:spLocks noGrp="1"/>
+          </p:cNvSpPr>
+          <p:nvPr>
+            <p:ph type="sldNum" sz="quarter" idx="10"/>
+          </p:nvPr>
+        </p:nvSpPr>
+        <p:spPr/>
+        <p:txBody>
+          <a:bodyPr/>
+          <a:lstStyle/>
+          <a:p>
+            <a:fld id="{A0D2953E-03D2-4348-B200-7BA66D897179}" type="slidenum">
+              <a:rPr lang="de-DE" smtClean="0"/>
+              <a:pPr/>
+              <a:t>31</a:t>
+            </a:fld>
+            <a:endParaRPr lang="de-DE"/>
+          </a:p>
+        </p:txBody>
+      </p:sp>
+    </p:spTree>
+    <p:extLst>
+      <p:ext uri="{BB962C8B-B14F-4D97-AF65-F5344CB8AC3E}">
+        <p14:creationId xmlns:p14="http://schemas.microsoft.com/office/powerpoint/2010/main" val="3831185243"/>
+      </p:ext>
+    </p:extLst>
+  </p:cSld>
+  <p:clrMapOvr>
+    <a:masterClrMapping/>
+  </p:clrMapOvr>
+</p:notes>
+</file>
+
+<file path=ppt/notesSlides/notesSlide32.xml><?xml version="1.0" encoding="utf-8"?>
+<p:notes xmlns:a="http://schemas.openxmlformats.org/drawingml/2006/main" xmlns:r="http://schemas.openxmlformats.org/officeDocument/2006/relationships" xmlns:p="http://schemas.openxmlformats.org/presentationml/2006/main">
+  <p:cSld>
+    <p:spTree>
+      <p:nvGrpSpPr>
+        <p:cNvPr id="1" name=""/>
+        <p:cNvGrpSpPr/>
+        <p:nvPr/>
+      </p:nvGrpSpPr>
+      <p:grpSpPr>
+        <a:xfrm>
+          <a:off x="0" y="0"/>
+          <a:ext cx="0" cy="0"/>
+          <a:chOff x="0" y="0"/>
+          <a:chExt cx="0" cy="0"/>
+        </a:xfrm>
+      </p:grpSpPr>
+      <p:sp>
+        <p:nvSpPr>
+          <p:cNvPr id="2" name="Folienbildplatzhalter 1"/>
+          <p:cNvSpPr>
+            <a:spLocks noGrp="1" noRot="1" noChangeAspect="1"/>
+          </p:cNvSpPr>
+          <p:nvPr>
+            <p:ph type="sldImg"/>
+          </p:nvPr>
+        </p:nvSpPr>
+        <p:spPr/>
+      </p:sp>
+      <p:sp>
+        <p:nvSpPr>
+          <p:cNvPr id="3" name="Notizenplatzhalter 2"/>
+          <p:cNvSpPr>
+            <a:spLocks noGrp="1"/>
+          </p:cNvSpPr>
+          <p:nvPr>
+            <p:ph type="body" idx="1"/>
+          </p:nvPr>
+        </p:nvSpPr>
+        <p:spPr/>
+        <p:txBody>
+          <a:bodyPr>
+            <a:normAutofit/>
+          </a:bodyPr>
+          <a:lstStyle/>
+          <a:p>
+            <a:endParaRPr lang="de-DE" sz="3200" dirty="0"/>
+          </a:p>
+        </p:txBody>
+      </p:sp>
+      <p:sp>
+        <p:nvSpPr>
+          <p:cNvPr id="4" name="Foliennummernplatzhalter 3"/>
+          <p:cNvSpPr>
+            <a:spLocks noGrp="1"/>
+          </p:cNvSpPr>
+          <p:nvPr>
+            <p:ph type="sldNum" sz="quarter" idx="10"/>
+          </p:nvPr>
+        </p:nvSpPr>
+        <p:spPr/>
+        <p:txBody>
+          <a:bodyPr/>
+          <a:lstStyle/>
+          <a:p>
+            <a:fld id="{A0D2953E-03D2-4348-B200-7BA66D897179}" type="slidenum">
+              <a:rPr lang="de-DE" smtClean="0"/>
+              <a:pPr/>
+              <a:t>32</a:t>
+            </a:fld>
+            <a:endParaRPr lang="de-DE"/>
+          </a:p>
+        </p:txBody>
+      </p:sp>
+    </p:spTree>
+    <p:extLst>
+      <p:ext uri="{BB962C8B-B14F-4D97-AF65-F5344CB8AC3E}">
+        <p14:creationId xmlns:p14="http://schemas.microsoft.com/office/powerpoint/2010/main" val="3841468126"/>
+      </p:ext>
+    </p:extLst>
+  </p:cSld>
+  <p:clrMapOvr>
+    <a:masterClrMapping/>
+  </p:clrMapOvr>
+</p:notes>
+</file>
+
+<file path=ppt/notesSlides/notesSlide33.xml><?xml version="1.0" encoding="utf-8"?>
+<p:notes xmlns:a="http://schemas.openxmlformats.org/drawingml/2006/main" xmlns:r="http://schemas.openxmlformats.org/officeDocument/2006/relationships" xmlns:p="http://schemas.openxmlformats.org/presentationml/2006/main">
+  <p:cSld>
+    <p:spTree>
+      <p:nvGrpSpPr>
+        <p:cNvPr id="1" name=""/>
+        <p:cNvGrpSpPr/>
+        <p:nvPr/>
+      </p:nvGrpSpPr>
+      <p:grpSpPr>
+        <a:xfrm>
+          <a:off x="0" y="0"/>
+          <a:ext cx="0" cy="0"/>
+          <a:chOff x="0" y="0"/>
+          <a:chExt cx="0" cy="0"/>
+        </a:xfrm>
+      </p:grpSpPr>
+      <p:sp>
+        <p:nvSpPr>
+          <p:cNvPr id="2" name="Folienbildplatzhalter 1"/>
+          <p:cNvSpPr>
+            <a:spLocks noGrp="1" noRot="1" noChangeAspect="1"/>
+          </p:cNvSpPr>
+          <p:nvPr>
+            <p:ph type="sldImg"/>
+          </p:nvPr>
+        </p:nvSpPr>
+        <p:spPr/>
+      </p:sp>
+      <p:sp>
+        <p:nvSpPr>
+          <p:cNvPr id="3" name="Notizenplatzhalter 2"/>
+          <p:cNvSpPr>
+            <a:spLocks noGrp="1"/>
+          </p:cNvSpPr>
+          <p:nvPr>
+            <p:ph type="body" idx="1"/>
+          </p:nvPr>
+        </p:nvSpPr>
+        <p:spPr/>
+        <p:txBody>
+          <a:bodyPr>
+            <a:normAutofit/>
+          </a:bodyPr>
+          <a:lstStyle/>
+          <a:p>
+            <a:endParaRPr lang="de-DE" sz="3200" dirty="0"/>
+          </a:p>
+        </p:txBody>
+      </p:sp>
+      <p:sp>
+        <p:nvSpPr>
+          <p:cNvPr id="4" name="Foliennummernplatzhalter 3"/>
+          <p:cNvSpPr>
+            <a:spLocks noGrp="1"/>
+          </p:cNvSpPr>
+          <p:nvPr>
+            <p:ph type="sldNum" sz="quarter" idx="10"/>
+          </p:nvPr>
+        </p:nvSpPr>
+        <p:spPr/>
+        <p:txBody>
+          <a:bodyPr/>
+          <a:lstStyle/>
+          <a:p>
+            <a:fld id="{A0D2953E-03D2-4348-B200-7BA66D897179}" type="slidenum">
+              <a:rPr lang="de-DE" smtClean="0"/>
+              <a:pPr/>
+              <a:t>33</a:t>
+            </a:fld>
+            <a:endParaRPr lang="de-DE"/>
+          </a:p>
+        </p:txBody>
+      </p:sp>
+    </p:spTree>
+    <p:extLst>
+      <p:ext uri="{BB962C8B-B14F-4D97-AF65-F5344CB8AC3E}">
+        <p14:creationId xmlns:p14="http://schemas.microsoft.com/office/powerpoint/2010/main" val="4147217390"/>
+      </p:ext>
+    </p:extLst>
+  </p:cSld>
+  <p:clrMapOvr>
+    <a:masterClrMapping/>
+  </p:clrMapOvr>
+</p:notes>
+</file>
+
+<file path=ppt/notesSlides/notesSlide34.xml><?xml version="1.0" encoding="utf-8"?>
+<p:notes xmlns:a="http://schemas.openxmlformats.org/drawingml/2006/main" xmlns:r="http://schemas.openxmlformats.org/officeDocument/2006/relationships" xmlns:p="http://schemas.openxmlformats.org/presentationml/2006/main">
+  <p:cSld>
+    <p:spTree>
+      <p:nvGrpSpPr>
+        <p:cNvPr id="1" name=""/>
+        <p:cNvGrpSpPr/>
+        <p:nvPr/>
+      </p:nvGrpSpPr>
+      <p:grpSpPr>
+        <a:xfrm>
+          <a:off x="0" y="0"/>
+          <a:ext cx="0" cy="0"/>
+          <a:chOff x="0" y="0"/>
+          <a:chExt cx="0" cy="0"/>
+        </a:xfrm>
+      </p:grpSpPr>
+      <p:sp>
+        <p:nvSpPr>
+          <p:cNvPr id="2" name="Folienbildplatzhalter 1"/>
+          <p:cNvSpPr>
+            <a:spLocks noGrp="1" noRot="1" noChangeAspect="1"/>
+          </p:cNvSpPr>
+          <p:nvPr>
+            <p:ph type="sldImg"/>
+          </p:nvPr>
+        </p:nvSpPr>
+        <p:spPr/>
+      </p:sp>
+      <p:sp>
+        <p:nvSpPr>
+          <p:cNvPr id="3" name="Notizenplatzhalter 2"/>
+          <p:cNvSpPr>
+            <a:spLocks noGrp="1"/>
+          </p:cNvSpPr>
+          <p:nvPr>
+            <p:ph type="body" idx="1"/>
+          </p:nvPr>
+        </p:nvSpPr>
+        <p:spPr/>
+        <p:txBody>
+          <a:bodyPr>
+            <a:normAutofit/>
+          </a:bodyPr>
+          <a:lstStyle/>
+          <a:p>
+            <a:endParaRPr lang="de-DE" sz="3200" dirty="0"/>
+          </a:p>
+        </p:txBody>
+      </p:sp>
+      <p:sp>
+        <p:nvSpPr>
+          <p:cNvPr id="4" name="Foliennummernplatzhalter 3"/>
+          <p:cNvSpPr>
+            <a:spLocks noGrp="1"/>
+          </p:cNvSpPr>
+          <p:nvPr>
+            <p:ph type="sldNum" sz="quarter" idx="10"/>
+          </p:nvPr>
+        </p:nvSpPr>
+        <p:spPr/>
+        <p:txBody>
+          <a:bodyPr/>
+          <a:lstStyle/>
+          <a:p>
+            <a:fld id="{A0D2953E-03D2-4348-B200-7BA66D897179}" type="slidenum">
+              <a:rPr lang="de-DE" smtClean="0"/>
+              <a:pPr/>
+              <a:t>34</a:t>
+            </a:fld>
+            <a:endParaRPr lang="de-DE"/>
+          </a:p>
+        </p:txBody>
+      </p:sp>
+    </p:spTree>
+    <p:extLst>
+      <p:ext uri="{BB962C8B-B14F-4D97-AF65-F5344CB8AC3E}">
+        <p14:creationId xmlns:p14="http://schemas.microsoft.com/office/powerpoint/2010/main" val="2937661346"/>
+      </p:ext>
+    </p:extLst>
+  </p:cSld>
+  <p:clrMapOvr>
+    <a:masterClrMapping/>
+  </p:clrMapOvr>
+</p:notes>
+</file>
+
+<file path=ppt/notesSlides/notesSlide35.xml><?xml version="1.0" encoding="utf-8"?>
+<p:notes xmlns:a="http://schemas.openxmlformats.org/drawingml/2006/main" xmlns:r="http://schemas.openxmlformats.org/officeDocument/2006/relationships" xmlns:p="http://schemas.openxmlformats.org/presentationml/2006/main">
+  <p:cSld>
+    <p:spTree>
+      <p:nvGrpSpPr>
+        <p:cNvPr id="1" name=""/>
+        <p:cNvGrpSpPr/>
+        <p:nvPr/>
+      </p:nvGrpSpPr>
+      <p:grpSpPr>
+        <a:xfrm>
+          <a:off x="0" y="0"/>
+          <a:ext cx="0" cy="0"/>
+          <a:chOff x="0" y="0"/>
+          <a:chExt cx="0" cy="0"/>
+        </a:xfrm>
+      </p:grpSpPr>
+      <p:sp>
+        <p:nvSpPr>
+          <p:cNvPr id="2" name="Folienbildplatzhalter 1"/>
+          <p:cNvSpPr>
+            <a:spLocks noGrp="1" noRot="1" noChangeAspect="1"/>
+          </p:cNvSpPr>
+          <p:nvPr>
+            <p:ph type="sldImg"/>
+          </p:nvPr>
+        </p:nvSpPr>
+        <p:spPr/>
+      </p:sp>
+      <p:sp>
+        <p:nvSpPr>
+          <p:cNvPr id="3" name="Notizenplatzhalter 2"/>
+          <p:cNvSpPr>
+            <a:spLocks noGrp="1"/>
+          </p:cNvSpPr>
+          <p:nvPr>
+            <p:ph type="body" idx="1"/>
+          </p:nvPr>
+        </p:nvSpPr>
+        <p:spPr/>
+        <p:txBody>
+          <a:bodyPr>
+            <a:normAutofit/>
+          </a:bodyPr>
+          <a:lstStyle/>
+          <a:p>
+            <a:endParaRPr lang="de-DE" sz="3200" dirty="0"/>
+          </a:p>
+        </p:txBody>
+      </p:sp>
+      <p:sp>
+        <p:nvSpPr>
+          <p:cNvPr id="4" name="Foliennummernplatzhalter 3"/>
+          <p:cNvSpPr>
+            <a:spLocks noGrp="1"/>
+          </p:cNvSpPr>
+          <p:nvPr>
+            <p:ph type="sldNum" sz="quarter" idx="10"/>
+          </p:nvPr>
+        </p:nvSpPr>
+        <p:spPr/>
+        <p:txBody>
+          <a:bodyPr/>
+          <a:lstStyle/>
+          <a:p>
+            <a:fld id="{A0D2953E-03D2-4348-B200-7BA66D897179}" type="slidenum">
+              <a:rPr lang="de-DE" smtClean="0"/>
+              <a:pPr/>
+              <a:t>35</a:t>
+            </a:fld>
+            <a:endParaRPr lang="de-DE"/>
+          </a:p>
+        </p:txBody>
+      </p:sp>
+    </p:spTree>
+    <p:extLst>
+      <p:ext uri="{BB962C8B-B14F-4D97-AF65-F5344CB8AC3E}">
+        <p14:creationId xmlns:p14="http://schemas.microsoft.com/office/powerpoint/2010/main" val="417582579"/>
+      </p:ext>
+    </p:extLst>
+  </p:cSld>
+  <p:clrMapOvr>
+    <a:masterClrMapping/>
+  </p:clrMapOvr>
+</p:notes>
+</file>
+
+<file path=ppt/notesSlides/notesSlide36.xml><?xml version="1.0" encoding="utf-8"?>
+<p:notes xmlns:a="http://schemas.openxmlformats.org/drawingml/2006/main" xmlns:r="http://schemas.openxmlformats.org/officeDocument/2006/relationships" xmlns:p="http://schemas.openxmlformats.org/presentationml/2006/main">
+  <p:cSld>
+    <p:spTree>
+      <p:nvGrpSpPr>
+        <p:cNvPr id="1" name=""/>
+        <p:cNvGrpSpPr/>
+        <p:nvPr/>
+      </p:nvGrpSpPr>
+      <p:grpSpPr>
+        <a:xfrm>
+          <a:off x="0" y="0"/>
+          <a:ext cx="0" cy="0"/>
+          <a:chOff x="0" y="0"/>
+          <a:chExt cx="0" cy="0"/>
+        </a:xfrm>
+      </p:grpSpPr>
+      <p:sp>
+        <p:nvSpPr>
+          <p:cNvPr id="2" name="Folienbildplatzhalter 1"/>
+          <p:cNvSpPr>
+            <a:spLocks noGrp="1" noRot="1" noChangeAspect="1"/>
+          </p:cNvSpPr>
+          <p:nvPr>
+            <p:ph type="sldImg"/>
+          </p:nvPr>
+        </p:nvSpPr>
+        <p:spPr/>
+      </p:sp>
+      <p:sp>
+        <p:nvSpPr>
+          <p:cNvPr id="3" name="Notizenplatzhalter 2"/>
+          <p:cNvSpPr>
+            <a:spLocks noGrp="1"/>
+          </p:cNvSpPr>
+          <p:nvPr>
+            <p:ph type="body" idx="1"/>
+          </p:nvPr>
+        </p:nvSpPr>
+        <p:spPr/>
+        <p:txBody>
+          <a:bodyPr>
+            <a:normAutofit/>
+          </a:bodyPr>
+          <a:lstStyle/>
+          <a:p>
+            <a:endParaRPr lang="de-DE" sz="3200" dirty="0"/>
+          </a:p>
+        </p:txBody>
+      </p:sp>
+      <p:sp>
+        <p:nvSpPr>
+          <p:cNvPr id="4" name="Foliennummernplatzhalter 3"/>
+          <p:cNvSpPr>
+            <a:spLocks noGrp="1"/>
+          </p:cNvSpPr>
+          <p:nvPr>
+            <p:ph type="sldNum" sz="quarter" idx="10"/>
+          </p:nvPr>
+        </p:nvSpPr>
+        <p:spPr/>
+        <p:txBody>
+          <a:bodyPr/>
+          <a:lstStyle/>
+          <a:p>
+            <a:fld id="{A0D2953E-03D2-4348-B200-7BA66D897179}" type="slidenum">
+              <a:rPr lang="de-DE" smtClean="0"/>
+              <a:pPr/>
+              <a:t>36</a:t>
+            </a:fld>
+            <a:endParaRPr lang="de-DE"/>
+          </a:p>
+        </p:txBody>
+      </p:sp>
+    </p:spTree>
+    <p:extLst>
+      <p:ext uri="{BB962C8B-B14F-4D97-AF65-F5344CB8AC3E}">
+        <p14:creationId xmlns:p14="http://schemas.microsoft.com/office/powerpoint/2010/main" val="249781847"/>
+      </p:ext>
+    </p:extLst>
+  </p:cSld>
+  <p:clrMapOvr>
+    <a:masterClrMapping/>
+  </p:clrMapOvr>
+</p:notes>
+</file>
+
+<file path=ppt/notesSlides/notesSlide37.xml><?xml version="1.0" encoding="utf-8"?>
+<p:notes xmlns:a="http://schemas.openxmlformats.org/drawingml/2006/main" xmlns:r="http://schemas.openxmlformats.org/officeDocument/2006/relationships" xmlns:p="http://schemas.openxmlformats.org/presentationml/2006/main">
+  <p:cSld>
+    <p:spTree>
+      <p:nvGrpSpPr>
+        <p:cNvPr id="1" name=""/>
+        <p:cNvGrpSpPr/>
+        <p:nvPr/>
+      </p:nvGrpSpPr>
+      <p:grpSpPr>
+        <a:xfrm>
+          <a:off x="0" y="0"/>
+          <a:ext cx="0" cy="0"/>
+          <a:chOff x="0" y="0"/>
+          <a:chExt cx="0" cy="0"/>
+        </a:xfrm>
+      </p:grpSpPr>
+      <p:sp>
+        <p:nvSpPr>
+          <p:cNvPr id="2" name="Folienbildplatzhalter 1"/>
+          <p:cNvSpPr>
+            <a:spLocks noGrp="1" noRot="1" noChangeAspect="1"/>
+          </p:cNvSpPr>
+          <p:nvPr>
+            <p:ph type="sldImg"/>
+          </p:nvPr>
+        </p:nvSpPr>
+        <p:spPr/>
+      </p:sp>
+      <p:sp>
+        <p:nvSpPr>
+          <p:cNvPr id="3" name="Notizenplatzhalter 2"/>
+          <p:cNvSpPr>
+            <a:spLocks noGrp="1"/>
+          </p:cNvSpPr>
+          <p:nvPr>
+            <p:ph type="body" idx="1"/>
+          </p:nvPr>
+        </p:nvSpPr>
+        <p:spPr/>
+        <p:txBody>
+          <a:bodyPr>
+            <a:normAutofit/>
+          </a:bodyPr>
+          <a:lstStyle/>
+          <a:p>
+            <a:endParaRPr lang="de-DE" sz="3200" dirty="0"/>
+          </a:p>
+        </p:txBody>
+      </p:sp>
+      <p:sp>
+        <p:nvSpPr>
+          <p:cNvPr id="4" name="Foliennummernplatzhalter 3"/>
+          <p:cNvSpPr>
+            <a:spLocks noGrp="1"/>
+          </p:cNvSpPr>
+          <p:nvPr>
+            <p:ph type="sldNum" sz="quarter" idx="10"/>
+          </p:nvPr>
+        </p:nvSpPr>
+        <p:spPr/>
+        <p:txBody>
+          <a:bodyPr/>
+          <a:lstStyle/>
+          <a:p>
+            <a:fld id="{A0D2953E-03D2-4348-B200-7BA66D897179}" type="slidenum">
+              <a:rPr lang="de-DE" smtClean="0"/>
+              <a:pPr/>
+              <a:t>37</a:t>
+            </a:fld>
+            <a:endParaRPr lang="de-DE"/>
+          </a:p>
+        </p:txBody>
+      </p:sp>
+    </p:spTree>
+    <p:extLst>
+      <p:ext uri="{BB962C8B-B14F-4D97-AF65-F5344CB8AC3E}">
+        <p14:creationId xmlns:p14="http://schemas.microsoft.com/office/powerpoint/2010/main" val="2919683119"/>
       </p:ext>
     </p:extLst>
   </p:cSld>
@@ -13644,8 +14260,12 @@
               <a:buNone/>
             </a:pPr>
             <a:r>
+              <a:rPr lang="de-DE" dirty="0" err="1" smtClean="0"/>
+              <a:t>Thresholding</a:t>
+            </a:r>
+            <a:r>
               <a:rPr lang="de-DE" dirty="0" smtClean="0"/>
-              <a:t>Pixel zusammenfassen</a:t>
+              <a:t>: Pixel zusammenfassen</a:t>
             </a:r>
           </a:p>
           <a:p>
@@ -17698,7 +18318,7 @@
             </a:r>
             <a:r>
               <a:rPr lang="de-DE" dirty="0" smtClean="0"/>
-              <a:t> – Schwellenwerte II</a:t>
+              <a:t> – Schwellenwerte III</a:t>
             </a:r>
             <a:endParaRPr lang="de-DE" dirty="0"/>
           </a:p>
@@ -18665,25 +19285,6 @@
       </p:grpSpPr>
       <p:sp>
         <p:nvSpPr>
-          <p:cNvPr id="2" name="Titel 1"/>
-          <p:cNvSpPr>
-            <a:spLocks noGrp="1"/>
-          </p:cNvSpPr>
-          <p:nvPr>
-            <p:ph type="title"/>
-          </p:nvPr>
-        </p:nvSpPr>
-        <p:spPr/>
-        <p:txBody>
-          <a:bodyPr/>
-          <a:lstStyle/>
-          <a:p>
-            <a:endParaRPr lang="de-DE"/>
-          </a:p>
-        </p:txBody>
-      </p:sp>
-      <p:sp>
-        <p:nvSpPr>
           <p:cNvPr id="3" name="Inhaltsplatzhalter 2"/>
           <p:cNvSpPr>
             <a:spLocks noGrp="1"/>
@@ -18692,26 +19293,120 @@
             <p:ph idx="1"/>
           </p:nvPr>
         </p:nvSpPr>
-        <p:spPr>
-          <a:xfrm>
-            <a:off x="457200" y="1000108"/>
-            <a:ext cx="8229600" cy="4929222"/>
-          </a:xfrm>
-        </p:spPr>
-        <p:txBody>
-          <a:bodyPr anchor="ctr">
+        <p:spPr/>
+        <p:txBody>
+          <a:bodyPr>
             <a:normAutofit/>
           </a:bodyPr>
           <a:lstStyle/>
           <a:p>
-            <a:pPr marL="0" indent="0" algn="ctr">
+            <a:pPr indent="0">
+              <a:lnSpc>
+                <a:spcPct val="110000"/>
+              </a:lnSpc>
+              <a:spcBef>
+                <a:spcPts val="0"/>
+              </a:spcBef>
               <a:buNone/>
             </a:pPr>
             <a:r>
-              <a:rPr lang="de-DE" sz="4800" dirty="0" smtClean="0"/>
-              <a:t>Vielen Dank für die Aufmerksamkeit.</a:t>
-            </a:r>
-            <a:endParaRPr lang="de-DE" sz="4800" dirty="0"/>
+              <a:rPr lang="de-DE" dirty="0" smtClean="0"/>
+              <a:t>Objekte in Bildern erkennen</a:t>
+            </a:r>
+            <a:endParaRPr lang="de-DE" dirty="0" smtClean="0"/>
+          </a:p>
+          <a:p>
+            <a:pPr indent="0">
+              <a:lnSpc>
+                <a:spcPct val="150000"/>
+              </a:lnSpc>
+              <a:spcBef>
+                <a:spcPts val="0"/>
+              </a:spcBef>
+              <a:buNone/>
+            </a:pPr>
+            <a:endParaRPr lang="de-DE" sz="1200" dirty="0" smtClean="0"/>
+          </a:p>
+          <a:p>
+            <a:pPr indent="0">
+              <a:lnSpc>
+                <a:spcPct val="150000"/>
+              </a:lnSpc>
+              <a:buNone/>
+            </a:pPr>
+            <a:r>
+              <a:rPr lang="de-DE" sz="2800" dirty="0" smtClean="0"/>
+              <a:t>Ansätze</a:t>
+            </a:r>
+            <a:r>
+              <a:rPr lang="de-DE" sz="2800" dirty="0" smtClean="0"/>
+              <a:t>:</a:t>
+            </a:r>
+            <a:endParaRPr lang="de-DE" sz="2800" dirty="0" smtClean="0"/>
+          </a:p>
+          <a:p>
+            <a:pPr lvl="1">
+              <a:lnSpc>
+                <a:spcPct val="150000"/>
+              </a:lnSpc>
+              <a:buFont typeface="Arial" pitchFamily="34" charset="0"/>
+              <a:buChar char="•"/>
+            </a:pPr>
+            <a:r>
+              <a:rPr lang="de-DE" sz="2400" dirty="0" smtClean="0"/>
+              <a:t>Erkennen von Kanten</a:t>
+            </a:r>
+          </a:p>
+          <a:p>
+            <a:pPr lvl="1">
+              <a:lnSpc>
+                <a:spcPct val="150000"/>
+              </a:lnSpc>
+              <a:buFont typeface="Arial" pitchFamily="34" charset="0"/>
+              <a:buChar char="•"/>
+            </a:pPr>
+            <a:r>
+              <a:rPr lang="de-DE" sz="2400" dirty="0" smtClean="0"/>
+              <a:t>Erkennen von Kreisen</a:t>
+            </a:r>
+          </a:p>
+          <a:p>
+            <a:pPr marL="685800">
+              <a:lnSpc>
+                <a:spcPct val="150000"/>
+              </a:lnSpc>
+              <a:spcBef>
+                <a:spcPts val="0"/>
+              </a:spcBef>
+            </a:pPr>
+            <a:r>
+              <a:rPr lang="de-DE" sz="2400" dirty="0" smtClean="0"/>
+              <a:t>Erkennen von beliebigen Formen</a:t>
+            </a:r>
+            <a:endParaRPr lang="de-DE" sz="1200" dirty="0"/>
+          </a:p>
+        </p:txBody>
+      </p:sp>
+      <p:sp>
+        <p:nvSpPr>
+          <p:cNvPr id="2" name="Titel 1"/>
+          <p:cNvSpPr>
+            <a:spLocks noGrp="1"/>
+          </p:cNvSpPr>
+          <p:nvPr>
+            <p:ph type="title"/>
+          </p:nvPr>
+        </p:nvSpPr>
+        <p:spPr/>
+        <p:txBody>
+          <a:bodyPr/>
+          <a:lstStyle/>
+          <a:p>
+            <a:r>
+              <a:rPr lang="de-DE" dirty="0" smtClean="0"/>
+              <a:t>Partikelanalyse – Grundlagen</a:t>
+            </a:r>
+            <a:endParaRPr lang="de-DE" dirty="0"/>
           </a:p>
         </p:txBody>
       </p:sp>
@@ -18730,7 +19425,7 @@
           <a:bodyPr/>
           <a:lstStyle/>
           <a:p>
-            <a:fld id="{66690F48-87A2-4AB1-B702-764A68417DA3}" type="datetime1">
+            <a:fld id="{5EF832D8-AAC1-4B74-8AAA-E367E2E248BB}" type="datetime1">
               <a:rPr lang="de-DE" smtClean="0"/>
               <a:t>27.11.2014</a:t>
             </a:fld>
@@ -18794,6 +19489,11 @@
         </p:txBody>
       </p:sp>
     </p:spTree>
+    <p:extLst>
+      <p:ext uri="{BB962C8B-B14F-4D97-AF65-F5344CB8AC3E}">
+        <p14:creationId xmlns:p14="http://schemas.microsoft.com/office/powerpoint/2010/main" val="3950469697"/>
+      </p:ext>
+    </p:extLst>
   </p:cSld>
   <p:clrMapOvr>
     <a:masterClrMapping/>
@@ -18804,7 +19504,220 @@
   <p:timing>
     <p:tnLst>
       <p:par>
-        <p:cTn id="1" dur="indefinite" restart="never" nodeType="tmRoot"/>
+        <p:cTn id="1" dur="indefinite" restart="never" nodeType="tmRoot">
+          <p:childTnLst>
+            <p:seq concurrent="1" nextAc="seek">
+              <p:cTn id="2" dur="indefinite" nodeType="mainSeq">
+                <p:childTnLst>
+                  <p:par>
+                    <p:cTn id="3" fill="hold">
+                      <p:stCondLst>
+                        <p:cond delay="indefinite"/>
+                      </p:stCondLst>
+                      <p:childTnLst>
+                        <p:par>
+                          <p:cTn id="4" fill="hold">
+                            <p:stCondLst>
+                              <p:cond delay="0"/>
+                            </p:stCondLst>
+                            <p:childTnLst>
+                              <p:par>
+                                <p:cTn id="5" presetID="10" presetClass="entr" presetSubtype="0" fill="hold" nodeType="clickEffect">
+                                  <p:stCondLst>
+                                    <p:cond delay="0"/>
+                                  </p:stCondLst>
+                                  <p:childTnLst>
+                                    <p:set>
+                                      <p:cBhvr>
+                                        <p:cTn id="6" dur="1" fill="hold">
+                                          <p:stCondLst>
+                                            <p:cond delay="0"/>
+                                          </p:stCondLst>
+                                        </p:cTn>
+                                        <p:tgtEl>
+                                          <p:spTgt spid="3">
+                                            <p:txEl>
+                                              <p:pRg st="2" end="2"/>
+                                            </p:txEl>
+                                          </p:spTgt>
+                                        </p:tgtEl>
+                                        <p:attrNameLst>
+                                          <p:attrName>style.visibility</p:attrName>
+                                        </p:attrNameLst>
+                                      </p:cBhvr>
+                                      <p:to>
+                                        <p:strVal val="visible"/>
+                                      </p:to>
+                                    </p:set>
+                                    <p:animEffect transition="in" filter="fade">
+                                      <p:cBhvr>
+                                        <p:cTn id="7" dur="500"/>
+                                        <p:tgtEl>
+                                          <p:spTgt spid="3">
+                                            <p:txEl>
+                                              <p:pRg st="2" end="2"/>
+                                            </p:txEl>
+                                          </p:spTgt>
+                                        </p:tgtEl>
+                                      </p:cBhvr>
+                                    </p:animEffect>
+                                  </p:childTnLst>
+                                </p:cTn>
+                              </p:par>
+                              <p:par>
+                                <p:cTn id="8" presetID="10" presetClass="entr" presetSubtype="0" fill="hold" nodeType="withEffect">
+                                  <p:stCondLst>
+                                    <p:cond delay="0"/>
+                                  </p:stCondLst>
+                                  <p:childTnLst>
+                                    <p:set>
+                                      <p:cBhvr>
+                                        <p:cTn id="9" dur="1" fill="hold">
+                                          <p:stCondLst>
+                                            <p:cond delay="0"/>
+                                          </p:stCondLst>
+                                        </p:cTn>
+                                        <p:tgtEl>
+                                          <p:spTgt spid="3">
+                                            <p:txEl>
+                                              <p:pRg st="3" end="3"/>
+                                            </p:txEl>
+                                          </p:spTgt>
+                                        </p:tgtEl>
+                                        <p:attrNameLst>
+                                          <p:attrName>style.visibility</p:attrName>
+                                        </p:attrNameLst>
+                                      </p:cBhvr>
+                                      <p:to>
+                                        <p:strVal val="visible"/>
+                                      </p:to>
+                                    </p:set>
+                                    <p:animEffect transition="in" filter="fade">
+                                      <p:cBhvr>
+                                        <p:cTn id="10" dur="500"/>
+                                        <p:tgtEl>
+                                          <p:spTgt spid="3">
+                                            <p:txEl>
+                                              <p:pRg st="3" end="3"/>
+                                            </p:txEl>
+                                          </p:spTgt>
+                                        </p:tgtEl>
+                                      </p:cBhvr>
+                                    </p:animEffect>
+                                  </p:childTnLst>
+                                </p:cTn>
+                              </p:par>
+                              <p:par>
+                                <p:cTn id="11" presetID="10" presetClass="entr" presetSubtype="0" fill="hold" nodeType="withEffect">
+                                  <p:stCondLst>
+                                    <p:cond delay="0"/>
+                                  </p:stCondLst>
+                                  <p:childTnLst>
+                                    <p:set>
+                                      <p:cBhvr>
+                                        <p:cTn id="12" dur="1" fill="hold">
+                                          <p:stCondLst>
+                                            <p:cond delay="0"/>
+                                          </p:stCondLst>
+                                        </p:cTn>
+                                        <p:tgtEl>
+                                          <p:spTgt spid="3">
+                                            <p:txEl>
+                                              <p:pRg st="4" end="4"/>
+                                            </p:txEl>
+                                          </p:spTgt>
+                                        </p:tgtEl>
+                                        <p:attrNameLst>
+                                          <p:attrName>style.visibility</p:attrName>
+                                        </p:attrNameLst>
+                                      </p:cBhvr>
+                                      <p:to>
+                                        <p:strVal val="visible"/>
+                                      </p:to>
+                                    </p:set>
+                                    <p:animEffect transition="in" filter="fade">
+                                      <p:cBhvr>
+                                        <p:cTn id="13" dur="500"/>
+                                        <p:tgtEl>
+                                          <p:spTgt spid="3">
+                                            <p:txEl>
+                                              <p:pRg st="4" end="4"/>
+                                            </p:txEl>
+                                          </p:spTgt>
+                                        </p:tgtEl>
+                                      </p:cBhvr>
+                                    </p:animEffect>
+                                  </p:childTnLst>
+                                </p:cTn>
+                              </p:par>
+                              <p:par>
+                                <p:cTn id="14" presetID="10" presetClass="entr" presetSubtype="0" fill="hold" nodeType="withEffect">
+                                  <p:stCondLst>
+                                    <p:cond delay="0"/>
+                                  </p:stCondLst>
+                                  <p:childTnLst>
+                                    <p:set>
+                                      <p:cBhvr>
+                                        <p:cTn id="15" dur="1" fill="hold">
+                                          <p:stCondLst>
+                                            <p:cond delay="0"/>
+                                          </p:stCondLst>
+                                        </p:cTn>
+                                        <p:tgtEl>
+                                          <p:spTgt spid="3">
+                                            <p:txEl>
+                                              <p:pRg st="5" end="5"/>
+                                            </p:txEl>
+                                          </p:spTgt>
+                                        </p:tgtEl>
+                                        <p:attrNameLst>
+                                          <p:attrName>style.visibility</p:attrName>
+                                        </p:attrNameLst>
+                                      </p:cBhvr>
+                                      <p:to>
+                                        <p:strVal val="visible"/>
+                                      </p:to>
+                                    </p:set>
+                                    <p:animEffect transition="in" filter="fade">
+                                      <p:cBhvr>
+                                        <p:cTn id="16" dur="500"/>
+                                        <p:tgtEl>
+                                          <p:spTgt spid="3">
+                                            <p:txEl>
+                                              <p:pRg st="5" end="5"/>
+                                            </p:txEl>
+                                          </p:spTgt>
+                                        </p:tgtEl>
+                                      </p:cBhvr>
+                                    </p:animEffect>
+                                  </p:childTnLst>
+                                </p:cTn>
+                              </p:par>
+                            </p:childTnLst>
+                          </p:cTn>
+                        </p:par>
+                      </p:childTnLst>
+                    </p:cTn>
+                  </p:par>
+                </p:childTnLst>
+              </p:cTn>
+              <p:prevCondLst>
+                <p:cond evt="onPrev" delay="0">
+                  <p:tgtEl>
+                    <p:sldTgt/>
+                  </p:tgtEl>
+                </p:cond>
+              </p:prevCondLst>
+              <p:nextCondLst>
+                <p:cond evt="onNext" delay="0">
+                  <p:tgtEl>
+                    <p:sldTgt/>
+                  </p:tgtEl>
+                </p:cond>
+              </p:nextCondLst>
+            </p:seq>
+          </p:childTnLst>
+        </p:cTn>
       </p:par>
     </p:tnLst>
   </p:timing>
@@ -18830,6 +19743,5101 @@
       </p:grpSpPr>
       <p:sp>
         <p:nvSpPr>
+          <p:cNvPr id="3" name="Inhaltsplatzhalter 2"/>
+          <p:cNvSpPr>
+            <a:spLocks noGrp="1"/>
+          </p:cNvSpPr>
+          <p:nvPr>
+            <p:ph idx="1"/>
+          </p:nvPr>
+        </p:nvSpPr>
+        <p:spPr/>
+        <p:txBody>
+          <a:bodyPr>
+            <a:normAutofit/>
+          </a:bodyPr>
+          <a:lstStyle/>
+          <a:p>
+            <a:pPr indent="0">
+              <a:lnSpc>
+                <a:spcPct val="110000"/>
+              </a:lnSpc>
+              <a:spcBef>
+                <a:spcPts val="0"/>
+              </a:spcBef>
+              <a:buNone/>
+            </a:pPr>
+            <a:r>
+              <a:rPr lang="de-DE" dirty="0" smtClean="0"/>
+              <a:t>Einfache Form: Erkennen von Kanten</a:t>
+            </a:r>
+            <a:endParaRPr lang="de-DE" dirty="0" smtClean="0"/>
+          </a:p>
+          <a:p>
+            <a:pPr indent="0">
+              <a:lnSpc>
+                <a:spcPct val="150000"/>
+              </a:lnSpc>
+              <a:spcBef>
+                <a:spcPts val="0"/>
+              </a:spcBef>
+              <a:buNone/>
+            </a:pPr>
+            <a:endParaRPr lang="de-DE" sz="1200" dirty="0" smtClean="0"/>
+          </a:p>
+          <a:p>
+            <a:pPr indent="0">
+              <a:lnSpc>
+                <a:spcPct val="150000"/>
+              </a:lnSpc>
+              <a:buNone/>
+            </a:pPr>
+            <a:r>
+              <a:rPr lang="de-DE" sz="2800" dirty="0" smtClean="0"/>
+              <a:t>Dazu</a:t>
+            </a:r>
+            <a:r>
+              <a:rPr lang="de-DE" sz="2800" dirty="0" smtClean="0"/>
+              <a:t>:</a:t>
+            </a:r>
+            <a:endParaRPr lang="de-DE" sz="2800" dirty="0" smtClean="0"/>
+          </a:p>
+          <a:p>
+            <a:pPr lvl="1">
+              <a:lnSpc>
+                <a:spcPct val="150000"/>
+              </a:lnSpc>
+              <a:buFont typeface="Arial" pitchFamily="34" charset="0"/>
+              <a:buChar char="•"/>
+            </a:pPr>
+            <a:r>
+              <a:rPr lang="de-DE" sz="2400" dirty="0" smtClean="0"/>
+              <a:t>Gerade in x-y-Koordinatensystem</a:t>
+            </a:r>
+          </a:p>
+          <a:p>
+            <a:pPr lvl="1">
+              <a:lnSpc>
+                <a:spcPct val="150000"/>
+              </a:lnSpc>
+              <a:buFont typeface="Arial" pitchFamily="34" charset="0"/>
+              <a:buChar char="•"/>
+            </a:pPr>
+            <a:r>
+              <a:rPr lang="de-DE" sz="2400" dirty="0" smtClean="0"/>
+              <a:t>Hough-Raum: </a:t>
+            </a:r>
+          </a:p>
+          <a:p>
+            <a:pPr lvl="2">
+              <a:lnSpc>
+                <a:spcPct val="150000"/>
+              </a:lnSpc>
+            </a:pPr>
+            <a:r>
+              <a:rPr lang="de-DE" sz="2000" dirty="0" smtClean="0"/>
+              <a:t>Steigung und Schnittpunkt mit x-Achse als Koordinaten</a:t>
+            </a:r>
+            <a:endParaRPr lang="de-DE" sz="2000" dirty="0" smtClean="0"/>
+          </a:p>
+          <a:p>
+            <a:pPr lvl="2">
+              <a:lnSpc>
+                <a:spcPct val="150000"/>
+              </a:lnSpc>
+            </a:pPr>
+            <a:r>
+              <a:rPr lang="de-DE" sz="2000" dirty="0" smtClean="0"/>
+              <a:t>Allgemeiner: Winkel &amp; </a:t>
+            </a:r>
+            <a:r>
+              <a:rPr lang="de-DE" sz="2000" dirty="0"/>
+              <a:t>Entfernung als Koordinaten</a:t>
+            </a:r>
+            <a:endParaRPr lang="de-DE" sz="2000" dirty="0" smtClean="0"/>
+          </a:p>
+        </p:txBody>
+      </p:sp>
+      <p:sp>
+        <p:nvSpPr>
+          <p:cNvPr id="2" name="Titel 1"/>
+          <p:cNvSpPr>
+            <a:spLocks noGrp="1"/>
+          </p:cNvSpPr>
+          <p:nvPr>
+            <p:ph type="title"/>
+          </p:nvPr>
+        </p:nvSpPr>
+        <p:spPr/>
+        <p:txBody>
+          <a:bodyPr/>
+          <a:lstStyle/>
+          <a:p>
+            <a:r>
+              <a:rPr lang="de-DE" dirty="0" smtClean="0"/>
+              <a:t>Partikelanalyse – </a:t>
+            </a:r>
+            <a:r>
+              <a:rPr lang="de-DE" dirty="0" err="1" smtClean="0"/>
+              <a:t>Houghtransformation</a:t>
+            </a:r>
+            <a:endParaRPr lang="de-DE" dirty="0"/>
+          </a:p>
+        </p:txBody>
+      </p:sp>
+      <p:sp>
+        <p:nvSpPr>
+          <p:cNvPr id="4" name="Datumsplatzhalter 3"/>
+          <p:cNvSpPr>
+            <a:spLocks noGrp="1"/>
+          </p:cNvSpPr>
+          <p:nvPr>
+            <p:ph type="dt" sz="half" idx="10"/>
+          </p:nvPr>
+        </p:nvSpPr>
+        <p:spPr/>
+        <p:txBody>
+          <a:bodyPr/>
+          <a:lstStyle/>
+          <a:p>
+            <a:fld id="{5EF832D8-AAC1-4B74-8AAA-E367E2E248BB}" type="datetime1">
+              <a:rPr lang="de-DE" smtClean="0"/>
+              <a:t>27.11.2014</a:t>
+            </a:fld>
+            <a:endParaRPr lang="de-DE"/>
+          </a:p>
+        </p:txBody>
+      </p:sp>
+      <p:sp>
+        <p:nvSpPr>
+          <p:cNvPr id="5" name="Fußzeilenplatzhalter 4"/>
+          <p:cNvSpPr>
+            <a:spLocks noGrp="1"/>
+          </p:cNvSpPr>
+          <p:nvPr>
+            <p:ph type="ftr" sz="quarter" idx="11"/>
+          </p:nvPr>
+        </p:nvSpPr>
+        <p:spPr/>
+        <p:txBody>
+          <a:bodyPr/>
+          <a:lstStyle/>
+          <a:p>
+            <a:r>
+              <a:rPr lang="de-DE" dirty="0" err="1"/>
+              <a:t>NuFi</a:t>
+            </a:r>
+            <a:r>
+              <a:rPr lang="de-DE" dirty="0"/>
+              <a:t> - </a:t>
+            </a:r>
+            <a:r>
+              <a:rPr lang="de-DE" dirty="0" smtClean="0"/>
+              <a:t>Nico Hochberger</a:t>
+            </a:r>
+            <a:endParaRPr lang="de-DE" dirty="0"/>
+          </a:p>
+        </p:txBody>
+      </p:sp>
+      <p:sp>
+        <p:nvSpPr>
+          <p:cNvPr id="6" name="Foliennummernplatzhalter 5"/>
+          <p:cNvSpPr>
+            <a:spLocks noGrp="1"/>
+          </p:cNvSpPr>
+          <p:nvPr>
+            <p:ph type="sldNum" sz="quarter" idx="12"/>
+          </p:nvPr>
+        </p:nvSpPr>
+        <p:spPr/>
+        <p:txBody>
+          <a:bodyPr/>
+          <a:lstStyle/>
+          <a:p>
+            <a:fld id="{7B5D8AC1-C9A5-4804-AF36-173C8CE7FD45}" type="slidenum">
+              <a:rPr lang="de-DE" smtClean="0"/>
+              <a:pPr/>
+              <a:t>32</a:t>
+            </a:fld>
+            <a:endParaRPr lang="de-DE"/>
+          </a:p>
+        </p:txBody>
+      </p:sp>
+    </p:spTree>
+    <p:extLst>
+      <p:ext uri="{BB962C8B-B14F-4D97-AF65-F5344CB8AC3E}">
+        <p14:creationId xmlns:p14="http://schemas.microsoft.com/office/powerpoint/2010/main" val="2544620203"/>
+      </p:ext>
+    </p:extLst>
+  </p:cSld>
+  <p:clrMapOvr>
+    <a:masterClrMapping/>
+  </p:clrMapOvr>
+  <p:transition>
+    <p:fade/>
+  </p:transition>
+  <p:timing>
+    <p:tnLst>
+      <p:par>
+        <p:cTn id="1" dur="indefinite" restart="never" nodeType="tmRoot">
+          <p:childTnLst>
+            <p:seq concurrent="1" nextAc="seek">
+              <p:cTn id="2" dur="indefinite" nodeType="mainSeq">
+                <p:childTnLst>
+                  <p:par>
+                    <p:cTn id="3" fill="hold">
+                      <p:stCondLst>
+                        <p:cond delay="indefinite"/>
+                      </p:stCondLst>
+                      <p:childTnLst>
+                        <p:par>
+                          <p:cTn id="4" fill="hold">
+                            <p:stCondLst>
+                              <p:cond delay="0"/>
+                            </p:stCondLst>
+                            <p:childTnLst>
+                              <p:par>
+                                <p:cTn id="5" presetID="10" presetClass="entr" presetSubtype="0" fill="hold" nodeType="clickEffect">
+                                  <p:stCondLst>
+                                    <p:cond delay="0"/>
+                                  </p:stCondLst>
+                                  <p:childTnLst>
+                                    <p:set>
+                                      <p:cBhvr>
+                                        <p:cTn id="6" dur="1" fill="hold">
+                                          <p:stCondLst>
+                                            <p:cond delay="0"/>
+                                          </p:stCondLst>
+                                        </p:cTn>
+                                        <p:tgtEl>
+                                          <p:spTgt spid="3">
+                                            <p:txEl>
+                                              <p:pRg st="2" end="2"/>
+                                            </p:txEl>
+                                          </p:spTgt>
+                                        </p:tgtEl>
+                                        <p:attrNameLst>
+                                          <p:attrName>style.visibility</p:attrName>
+                                        </p:attrNameLst>
+                                      </p:cBhvr>
+                                      <p:to>
+                                        <p:strVal val="visible"/>
+                                      </p:to>
+                                    </p:set>
+                                    <p:animEffect transition="in" filter="fade">
+                                      <p:cBhvr>
+                                        <p:cTn id="7" dur="500"/>
+                                        <p:tgtEl>
+                                          <p:spTgt spid="3">
+                                            <p:txEl>
+                                              <p:pRg st="2" end="2"/>
+                                            </p:txEl>
+                                          </p:spTgt>
+                                        </p:tgtEl>
+                                      </p:cBhvr>
+                                    </p:animEffect>
+                                  </p:childTnLst>
+                                </p:cTn>
+                              </p:par>
+                              <p:par>
+                                <p:cTn id="8" presetID="10" presetClass="entr" presetSubtype="0" fill="hold" nodeType="withEffect">
+                                  <p:stCondLst>
+                                    <p:cond delay="0"/>
+                                  </p:stCondLst>
+                                  <p:childTnLst>
+                                    <p:set>
+                                      <p:cBhvr>
+                                        <p:cTn id="9" dur="1" fill="hold">
+                                          <p:stCondLst>
+                                            <p:cond delay="0"/>
+                                          </p:stCondLst>
+                                        </p:cTn>
+                                        <p:tgtEl>
+                                          <p:spTgt spid="3">
+                                            <p:txEl>
+                                              <p:pRg st="3" end="3"/>
+                                            </p:txEl>
+                                          </p:spTgt>
+                                        </p:tgtEl>
+                                        <p:attrNameLst>
+                                          <p:attrName>style.visibility</p:attrName>
+                                        </p:attrNameLst>
+                                      </p:cBhvr>
+                                      <p:to>
+                                        <p:strVal val="visible"/>
+                                      </p:to>
+                                    </p:set>
+                                    <p:animEffect transition="in" filter="fade">
+                                      <p:cBhvr>
+                                        <p:cTn id="10" dur="500"/>
+                                        <p:tgtEl>
+                                          <p:spTgt spid="3">
+                                            <p:txEl>
+                                              <p:pRg st="3" end="3"/>
+                                            </p:txEl>
+                                          </p:spTgt>
+                                        </p:tgtEl>
+                                      </p:cBhvr>
+                                    </p:animEffect>
+                                  </p:childTnLst>
+                                </p:cTn>
+                              </p:par>
+                              <p:par>
+                                <p:cTn id="11" presetID="10" presetClass="entr" presetSubtype="0" fill="hold" nodeType="withEffect">
+                                  <p:stCondLst>
+                                    <p:cond delay="0"/>
+                                  </p:stCondLst>
+                                  <p:childTnLst>
+                                    <p:set>
+                                      <p:cBhvr>
+                                        <p:cTn id="12" dur="1" fill="hold">
+                                          <p:stCondLst>
+                                            <p:cond delay="0"/>
+                                          </p:stCondLst>
+                                        </p:cTn>
+                                        <p:tgtEl>
+                                          <p:spTgt spid="3">
+                                            <p:txEl>
+                                              <p:pRg st="4" end="4"/>
+                                            </p:txEl>
+                                          </p:spTgt>
+                                        </p:tgtEl>
+                                        <p:attrNameLst>
+                                          <p:attrName>style.visibility</p:attrName>
+                                        </p:attrNameLst>
+                                      </p:cBhvr>
+                                      <p:to>
+                                        <p:strVal val="visible"/>
+                                      </p:to>
+                                    </p:set>
+                                    <p:animEffect transition="in" filter="fade">
+                                      <p:cBhvr>
+                                        <p:cTn id="13" dur="500"/>
+                                        <p:tgtEl>
+                                          <p:spTgt spid="3">
+                                            <p:txEl>
+                                              <p:pRg st="4" end="4"/>
+                                            </p:txEl>
+                                          </p:spTgt>
+                                        </p:tgtEl>
+                                      </p:cBhvr>
+                                    </p:animEffect>
+                                  </p:childTnLst>
+                                </p:cTn>
+                              </p:par>
+                              <p:par>
+                                <p:cTn id="14" presetID="10" presetClass="entr" presetSubtype="0" fill="hold" nodeType="withEffect">
+                                  <p:stCondLst>
+                                    <p:cond delay="0"/>
+                                  </p:stCondLst>
+                                  <p:childTnLst>
+                                    <p:set>
+                                      <p:cBhvr>
+                                        <p:cTn id="15" dur="1" fill="hold">
+                                          <p:stCondLst>
+                                            <p:cond delay="0"/>
+                                          </p:stCondLst>
+                                        </p:cTn>
+                                        <p:tgtEl>
+                                          <p:spTgt spid="3">
+                                            <p:txEl>
+                                              <p:pRg st="5" end="5"/>
+                                            </p:txEl>
+                                          </p:spTgt>
+                                        </p:tgtEl>
+                                        <p:attrNameLst>
+                                          <p:attrName>style.visibility</p:attrName>
+                                        </p:attrNameLst>
+                                      </p:cBhvr>
+                                      <p:to>
+                                        <p:strVal val="visible"/>
+                                      </p:to>
+                                    </p:set>
+                                    <p:animEffect transition="in" filter="fade">
+                                      <p:cBhvr>
+                                        <p:cTn id="16" dur="500"/>
+                                        <p:tgtEl>
+                                          <p:spTgt spid="3">
+                                            <p:txEl>
+                                              <p:pRg st="5" end="5"/>
+                                            </p:txEl>
+                                          </p:spTgt>
+                                        </p:tgtEl>
+                                      </p:cBhvr>
+                                    </p:animEffect>
+                                  </p:childTnLst>
+                                </p:cTn>
+                              </p:par>
+                              <p:par>
+                                <p:cTn id="17" presetID="10" presetClass="entr" presetSubtype="0" fill="hold" nodeType="withEffect">
+                                  <p:stCondLst>
+                                    <p:cond delay="0"/>
+                                  </p:stCondLst>
+                                  <p:childTnLst>
+                                    <p:set>
+                                      <p:cBhvr>
+                                        <p:cTn id="18" dur="1" fill="hold">
+                                          <p:stCondLst>
+                                            <p:cond delay="0"/>
+                                          </p:stCondLst>
+                                        </p:cTn>
+                                        <p:tgtEl>
+                                          <p:spTgt spid="3">
+                                            <p:txEl>
+                                              <p:pRg st="6" end="6"/>
+                                            </p:txEl>
+                                          </p:spTgt>
+                                        </p:tgtEl>
+                                        <p:attrNameLst>
+                                          <p:attrName>style.visibility</p:attrName>
+                                        </p:attrNameLst>
+                                      </p:cBhvr>
+                                      <p:to>
+                                        <p:strVal val="visible"/>
+                                      </p:to>
+                                    </p:set>
+                                    <p:animEffect transition="in" filter="fade">
+                                      <p:cBhvr>
+                                        <p:cTn id="19" dur="500"/>
+                                        <p:tgtEl>
+                                          <p:spTgt spid="3">
+                                            <p:txEl>
+                                              <p:pRg st="6" end="6"/>
+                                            </p:txEl>
+                                          </p:spTgt>
+                                        </p:tgtEl>
+                                      </p:cBhvr>
+                                    </p:animEffect>
+                                  </p:childTnLst>
+                                </p:cTn>
+                              </p:par>
+                            </p:childTnLst>
+                          </p:cTn>
+                        </p:par>
+                      </p:childTnLst>
+                    </p:cTn>
+                  </p:par>
+                </p:childTnLst>
+              </p:cTn>
+              <p:prevCondLst>
+                <p:cond evt="onPrev" delay="0">
+                  <p:tgtEl>
+                    <p:sldTgt/>
+                  </p:tgtEl>
+                </p:cond>
+              </p:prevCondLst>
+              <p:nextCondLst>
+                <p:cond evt="onNext" delay="0">
+                  <p:tgtEl>
+                    <p:sldTgt/>
+                  </p:tgtEl>
+                </p:cond>
+              </p:nextCondLst>
+            </p:seq>
+          </p:childTnLst>
+        </p:cTn>
+      </p:par>
+    </p:tnLst>
+  </p:timing>
+</p:sld>
+</file>
+
+<file path=ppt/slides/slide33.xml><?xml version="1.0" encoding="utf-8"?>
+<p:sld xmlns:a="http://schemas.openxmlformats.org/drawingml/2006/main" xmlns:r="http://schemas.openxmlformats.org/officeDocument/2006/relationships" xmlns:p="http://schemas.openxmlformats.org/presentationml/2006/main">
+  <p:cSld>
+    <p:spTree>
+      <p:nvGrpSpPr>
+        <p:cNvPr id="1" name=""/>
+        <p:cNvGrpSpPr/>
+        <p:nvPr/>
+      </p:nvGrpSpPr>
+      <p:grpSpPr>
+        <a:xfrm>
+          <a:off x="0" y="0"/>
+          <a:ext cx="0" cy="0"/>
+          <a:chOff x="0" y="0"/>
+          <a:chExt cx="0" cy="0"/>
+        </a:xfrm>
+      </p:grpSpPr>
+      <p:sp>
+        <p:nvSpPr>
+          <p:cNvPr id="3" name="Inhaltsplatzhalter 2"/>
+          <p:cNvSpPr>
+            <a:spLocks noGrp="1"/>
+          </p:cNvSpPr>
+          <p:nvPr>
+            <p:ph idx="1"/>
+          </p:nvPr>
+        </p:nvSpPr>
+        <p:spPr/>
+        <p:txBody>
+          <a:bodyPr>
+            <a:normAutofit/>
+          </a:bodyPr>
+          <a:lstStyle/>
+          <a:p>
+            <a:pPr indent="0">
+              <a:lnSpc>
+                <a:spcPct val="110000"/>
+              </a:lnSpc>
+              <a:spcBef>
+                <a:spcPts val="0"/>
+              </a:spcBef>
+              <a:buNone/>
+            </a:pPr>
+            <a:r>
+              <a:rPr lang="de-DE" dirty="0" smtClean="0"/>
+              <a:t>Beispiel: Zwei Kanten</a:t>
+            </a:r>
+            <a:endParaRPr lang="de-DE" dirty="0" smtClean="0"/>
+          </a:p>
+          <a:p>
+            <a:pPr indent="0">
+              <a:lnSpc>
+                <a:spcPct val="150000"/>
+              </a:lnSpc>
+              <a:spcBef>
+                <a:spcPts val="0"/>
+              </a:spcBef>
+              <a:buNone/>
+            </a:pPr>
+            <a:endParaRPr lang="de-DE" sz="1200" dirty="0" smtClean="0"/>
+          </a:p>
+          <a:p>
+            <a:pPr indent="0">
+              <a:lnSpc>
+                <a:spcPct val="150000"/>
+              </a:lnSpc>
+              <a:spcBef>
+                <a:spcPts val="0"/>
+              </a:spcBef>
+              <a:buNone/>
+            </a:pPr>
+            <a:endParaRPr lang="de-DE" sz="1200" dirty="0" smtClean="0"/>
+          </a:p>
+        </p:txBody>
+      </p:sp>
+      <p:sp>
+        <p:nvSpPr>
+          <p:cNvPr id="2" name="Titel 1"/>
+          <p:cNvSpPr>
+            <a:spLocks noGrp="1"/>
+          </p:cNvSpPr>
+          <p:nvPr>
+            <p:ph type="title"/>
+          </p:nvPr>
+        </p:nvSpPr>
+        <p:spPr/>
+        <p:txBody>
+          <a:bodyPr/>
+          <a:lstStyle/>
+          <a:p>
+            <a:r>
+              <a:rPr lang="de-DE" dirty="0" smtClean="0"/>
+              <a:t>Partikelanalyse – </a:t>
+            </a:r>
+            <a:r>
+              <a:rPr lang="de-DE" dirty="0" err="1" smtClean="0"/>
+              <a:t>Houghtransformation</a:t>
+            </a:r>
+            <a:r>
+              <a:rPr lang="de-DE" dirty="0" smtClean="0"/>
+              <a:t> II</a:t>
+            </a:r>
+            <a:endParaRPr lang="de-DE" dirty="0"/>
+          </a:p>
+        </p:txBody>
+      </p:sp>
+      <p:sp>
+        <p:nvSpPr>
+          <p:cNvPr id="4" name="Datumsplatzhalter 3"/>
+          <p:cNvSpPr>
+            <a:spLocks noGrp="1"/>
+          </p:cNvSpPr>
+          <p:nvPr>
+            <p:ph type="dt" sz="half" idx="10"/>
+          </p:nvPr>
+        </p:nvSpPr>
+        <p:spPr/>
+        <p:txBody>
+          <a:bodyPr/>
+          <a:lstStyle/>
+          <a:p>
+            <a:fld id="{5EF832D8-AAC1-4B74-8AAA-E367E2E248BB}" type="datetime1">
+              <a:rPr lang="de-DE" smtClean="0"/>
+              <a:t>27.11.2014</a:t>
+            </a:fld>
+            <a:endParaRPr lang="de-DE"/>
+          </a:p>
+        </p:txBody>
+      </p:sp>
+      <p:sp>
+        <p:nvSpPr>
+          <p:cNvPr id="5" name="Fußzeilenplatzhalter 4"/>
+          <p:cNvSpPr>
+            <a:spLocks noGrp="1"/>
+          </p:cNvSpPr>
+          <p:nvPr>
+            <p:ph type="ftr" sz="quarter" idx="11"/>
+          </p:nvPr>
+        </p:nvSpPr>
+        <p:spPr/>
+        <p:txBody>
+          <a:bodyPr/>
+          <a:lstStyle/>
+          <a:p>
+            <a:r>
+              <a:rPr lang="de-DE" dirty="0" err="1"/>
+              <a:t>NuFi</a:t>
+            </a:r>
+            <a:r>
+              <a:rPr lang="de-DE" dirty="0"/>
+              <a:t> - </a:t>
+            </a:r>
+            <a:r>
+              <a:rPr lang="de-DE" dirty="0" smtClean="0"/>
+              <a:t>Nico Hochberger</a:t>
+            </a:r>
+            <a:endParaRPr lang="de-DE" dirty="0"/>
+          </a:p>
+        </p:txBody>
+      </p:sp>
+      <p:sp>
+        <p:nvSpPr>
+          <p:cNvPr id="6" name="Foliennummernplatzhalter 5"/>
+          <p:cNvSpPr>
+            <a:spLocks noGrp="1"/>
+          </p:cNvSpPr>
+          <p:nvPr>
+            <p:ph type="sldNum" sz="quarter" idx="12"/>
+          </p:nvPr>
+        </p:nvSpPr>
+        <p:spPr/>
+        <p:txBody>
+          <a:bodyPr/>
+          <a:lstStyle/>
+          <a:p>
+            <a:fld id="{7B5D8AC1-C9A5-4804-AF36-173C8CE7FD45}" type="slidenum">
+              <a:rPr lang="de-DE" smtClean="0"/>
+              <a:pPr/>
+              <a:t>33</a:t>
+            </a:fld>
+            <a:endParaRPr lang="de-DE"/>
+          </a:p>
+        </p:txBody>
+      </p:sp>
+      <p:pic>
+        <p:nvPicPr>
+          <p:cNvPr id="1026" name="Picture 2" descr="http://upload.wikimedia.org/wikipedia/commons/7/73/Hough-example-result.png"/>
+          <p:cNvPicPr>
+            <a:picLocks noChangeAspect="1" noChangeArrowheads="1"/>
+          </p:cNvPicPr>
+          <p:nvPr/>
+        </p:nvPicPr>
+        <p:blipFill>
+          <a:blip r:embed="rId3" cstate="print">
+            <a:extLst>
+              <a:ext uri="{28A0092B-C50C-407E-A947-70E740481C1C}">
+                <a14:useLocalDpi xmlns:a14="http://schemas.microsoft.com/office/drawing/2010/main" val="0"/>
+              </a:ext>
+            </a:extLst>
+          </a:blip>
+          <a:srcRect/>
+          <a:stretch>
+            <a:fillRect/>
+          </a:stretch>
+        </p:blipFill>
+        <p:spPr bwMode="auto">
+          <a:xfrm>
+            <a:off x="689347" y="2060621"/>
+            <a:ext cx="7765305" cy="3937510"/>
+          </a:xfrm>
+          <a:prstGeom prst="rect">
+            <a:avLst/>
+          </a:prstGeom>
+          <a:noFill/>
+          <a:extLst>
+            <a:ext uri="{909E8E84-426E-40DD-AFC4-6F175D3DCCD1}">
+              <a14:hiddenFill xmlns:a14="http://schemas.microsoft.com/office/drawing/2010/main">
+                <a:solidFill>
+                  <a:srgbClr val="FFFFFF"/>
+                </a:solidFill>
+              </a14:hiddenFill>
+            </a:ext>
+          </a:extLst>
+        </p:spPr>
+      </p:pic>
+    </p:spTree>
+    <p:extLst>
+      <p:ext uri="{BB962C8B-B14F-4D97-AF65-F5344CB8AC3E}">
+        <p14:creationId xmlns:p14="http://schemas.microsoft.com/office/powerpoint/2010/main" val="1262879265"/>
+      </p:ext>
+    </p:extLst>
+  </p:cSld>
+  <p:clrMapOvr>
+    <a:masterClrMapping/>
+  </p:clrMapOvr>
+  <p:transition>
+    <p:fade/>
+  </p:transition>
+  <p:timing>
+    <p:tnLst>
+      <p:par>
+        <p:cTn id="1" dur="indefinite" restart="never" nodeType="tmRoot"/>
+      </p:par>
+    </p:tnLst>
+  </p:timing>
+</p:sld>
+</file>
+
+<file path=ppt/slides/slide34.xml><?xml version="1.0" encoding="utf-8"?>
+<p:sld xmlns:a="http://schemas.openxmlformats.org/drawingml/2006/main" xmlns:r="http://schemas.openxmlformats.org/officeDocument/2006/relationships" xmlns:p="http://schemas.openxmlformats.org/presentationml/2006/main">
+  <p:cSld>
+    <p:spTree>
+      <p:nvGrpSpPr>
+        <p:cNvPr id="1" name=""/>
+        <p:cNvGrpSpPr/>
+        <p:nvPr/>
+      </p:nvGrpSpPr>
+      <p:grpSpPr>
+        <a:xfrm>
+          <a:off x="0" y="0"/>
+          <a:ext cx="0" cy="0"/>
+          <a:chOff x="0" y="0"/>
+          <a:chExt cx="0" cy="0"/>
+        </a:xfrm>
+      </p:grpSpPr>
+      <p:sp>
+        <p:nvSpPr>
+          <p:cNvPr id="3" name="Inhaltsplatzhalter 2"/>
+          <p:cNvSpPr>
+            <a:spLocks noGrp="1"/>
+          </p:cNvSpPr>
+          <p:nvPr>
+            <p:ph idx="1"/>
+          </p:nvPr>
+        </p:nvSpPr>
+        <p:spPr/>
+        <p:txBody>
+          <a:bodyPr>
+            <a:normAutofit/>
+          </a:bodyPr>
+          <a:lstStyle/>
+          <a:p>
+            <a:pPr indent="0">
+              <a:lnSpc>
+                <a:spcPct val="110000"/>
+              </a:lnSpc>
+              <a:spcBef>
+                <a:spcPts val="0"/>
+              </a:spcBef>
+              <a:buNone/>
+            </a:pPr>
+            <a:r>
+              <a:rPr lang="de-DE" dirty="0" smtClean="0"/>
+              <a:t>Erweiterung: Erkennen von Kreisen</a:t>
+            </a:r>
+            <a:endParaRPr lang="de-DE" dirty="0" smtClean="0"/>
+          </a:p>
+          <a:p>
+            <a:pPr indent="0">
+              <a:lnSpc>
+                <a:spcPct val="150000"/>
+              </a:lnSpc>
+              <a:spcBef>
+                <a:spcPts val="0"/>
+              </a:spcBef>
+              <a:buNone/>
+            </a:pPr>
+            <a:endParaRPr lang="de-DE" sz="1200" dirty="0" smtClean="0"/>
+          </a:p>
+          <a:p>
+            <a:pPr indent="0">
+              <a:lnSpc>
+                <a:spcPct val="150000"/>
+              </a:lnSpc>
+              <a:buNone/>
+            </a:pPr>
+            <a:r>
+              <a:rPr lang="de-DE" sz="2800" dirty="0" smtClean="0"/>
+              <a:t>Dazu</a:t>
+            </a:r>
+            <a:r>
+              <a:rPr lang="de-DE" sz="2800" dirty="0" smtClean="0"/>
+              <a:t>:</a:t>
+            </a:r>
+            <a:endParaRPr lang="de-DE" sz="2800" dirty="0" smtClean="0"/>
+          </a:p>
+          <a:p>
+            <a:pPr lvl="1">
+              <a:lnSpc>
+                <a:spcPct val="150000"/>
+              </a:lnSpc>
+              <a:buFont typeface="Arial" pitchFamily="34" charset="0"/>
+              <a:buChar char="•"/>
+            </a:pPr>
+            <a:r>
+              <a:rPr lang="de-DE" sz="2400" dirty="0" smtClean="0"/>
+              <a:t>Kreis in x-y-Koordinatensystem</a:t>
+            </a:r>
+          </a:p>
+          <a:p>
+            <a:pPr lvl="1">
+              <a:lnSpc>
+                <a:spcPct val="150000"/>
+              </a:lnSpc>
+              <a:buFont typeface="Arial" pitchFamily="34" charset="0"/>
+              <a:buChar char="•"/>
+            </a:pPr>
+            <a:r>
+              <a:rPr lang="de-DE" sz="2400" dirty="0" smtClean="0"/>
+              <a:t>Hough-Raum: 3D</a:t>
+            </a:r>
+          </a:p>
+          <a:p>
+            <a:pPr lvl="2">
+              <a:lnSpc>
+                <a:spcPct val="150000"/>
+              </a:lnSpc>
+            </a:pPr>
+            <a:r>
+              <a:rPr lang="de-DE" sz="2000" dirty="0"/>
+              <a:t>Mittelpunkt (x, y) und Radius als Koordinaten</a:t>
+            </a:r>
+          </a:p>
+          <a:p>
+            <a:pPr lvl="1">
+              <a:lnSpc>
+                <a:spcPct val="150000"/>
+              </a:lnSpc>
+              <a:buFont typeface="Arial" pitchFamily="34" charset="0"/>
+              <a:buChar char="•"/>
+            </a:pPr>
+            <a:r>
+              <a:rPr lang="de-DE" sz="2400" dirty="0" smtClean="0"/>
+              <a:t>Jeder Pixel potentiell Randpixel eins Kreises</a:t>
+            </a:r>
+          </a:p>
+          <a:p>
+            <a:pPr lvl="1">
+              <a:lnSpc>
+                <a:spcPct val="150000"/>
+              </a:lnSpc>
+              <a:buFont typeface="Arial" pitchFamily="34" charset="0"/>
+              <a:buChar char="•"/>
+            </a:pPr>
+            <a:r>
+              <a:rPr lang="de-DE" sz="2400" dirty="0" smtClean="0"/>
+              <a:t>Berechnung folgt gleichen Prinzipien</a:t>
+            </a:r>
+            <a:endParaRPr lang="de-DE" sz="2400" dirty="0"/>
+          </a:p>
+          <a:p>
+            <a:pPr lvl="1">
+              <a:lnSpc>
+                <a:spcPct val="150000"/>
+              </a:lnSpc>
+              <a:buFont typeface="Arial" pitchFamily="34" charset="0"/>
+              <a:buChar char="•"/>
+            </a:pPr>
+            <a:endParaRPr lang="de-DE" sz="2400" dirty="0" smtClean="0"/>
+          </a:p>
+        </p:txBody>
+      </p:sp>
+      <p:sp>
+        <p:nvSpPr>
+          <p:cNvPr id="2" name="Titel 1"/>
+          <p:cNvSpPr>
+            <a:spLocks noGrp="1"/>
+          </p:cNvSpPr>
+          <p:nvPr>
+            <p:ph type="title"/>
+          </p:nvPr>
+        </p:nvSpPr>
+        <p:spPr/>
+        <p:txBody>
+          <a:bodyPr/>
+          <a:lstStyle/>
+          <a:p>
+            <a:r>
+              <a:rPr lang="de-DE" dirty="0" smtClean="0"/>
+              <a:t>Partikelanalyse – </a:t>
+            </a:r>
+            <a:r>
+              <a:rPr lang="de-DE" dirty="0" err="1" smtClean="0"/>
+              <a:t>Houghtransformation</a:t>
+            </a:r>
+            <a:r>
+              <a:rPr lang="de-DE" dirty="0" smtClean="0"/>
+              <a:t> III</a:t>
+            </a:r>
+            <a:endParaRPr lang="de-DE" dirty="0"/>
+          </a:p>
+        </p:txBody>
+      </p:sp>
+      <p:sp>
+        <p:nvSpPr>
+          <p:cNvPr id="4" name="Datumsplatzhalter 3"/>
+          <p:cNvSpPr>
+            <a:spLocks noGrp="1"/>
+          </p:cNvSpPr>
+          <p:nvPr>
+            <p:ph type="dt" sz="half" idx="10"/>
+          </p:nvPr>
+        </p:nvSpPr>
+        <p:spPr/>
+        <p:txBody>
+          <a:bodyPr/>
+          <a:lstStyle/>
+          <a:p>
+            <a:fld id="{5EF832D8-AAC1-4B74-8AAA-E367E2E248BB}" type="datetime1">
+              <a:rPr lang="de-DE" smtClean="0"/>
+              <a:t>27.11.2014</a:t>
+            </a:fld>
+            <a:endParaRPr lang="de-DE"/>
+          </a:p>
+        </p:txBody>
+      </p:sp>
+      <p:sp>
+        <p:nvSpPr>
+          <p:cNvPr id="5" name="Fußzeilenplatzhalter 4"/>
+          <p:cNvSpPr>
+            <a:spLocks noGrp="1"/>
+          </p:cNvSpPr>
+          <p:nvPr>
+            <p:ph type="ftr" sz="quarter" idx="11"/>
+          </p:nvPr>
+        </p:nvSpPr>
+        <p:spPr/>
+        <p:txBody>
+          <a:bodyPr/>
+          <a:lstStyle/>
+          <a:p>
+            <a:r>
+              <a:rPr lang="de-DE" dirty="0" err="1"/>
+              <a:t>NuFi</a:t>
+            </a:r>
+            <a:r>
+              <a:rPr lang="de-DE" dirty="0"/>
+              <a:t> - </a:t>
+            </a:r>
+            <a:r>
+              <a:rPr lang="de-DE" dirty="0" smtClean="0"/>
+              <a:t>Nico Hochberger</a:t>
+            </a:r>
+            <a:endParaRPr lang="de-DE" dirty="0"/>
+          </a:p>
+        </p:txBody>
+      </p:sp>
+      <p:sp>
+        <p:nvSpPr>
+          <p:cNvPr id="6" name="Foliennummernplatzhalter 5"/>
+          <p:cNvSpPr>
+            <a:spLocks noGrp="1"/>
+          </p:cNvSpPr>
+          <p:nvPr>
+            <p:ph type="sldNum" sz="quarter" idx="12"/>
+          </p:nvPr>
+        </p:nvSpPr>
+        <p:spPr/>
+        <p:txBody>
+          <a:bodyPr/>
+          <a:lstStyle/>
+          <a:p>
+            <a:fld id="{7B5D8AC1-C9A5-4804-AF36-173C8CE7FD45}" type="slidenum">
+              <a:rPr lang="de-DE" smtClean="0"/>
+              <a:pPr/>
+              <a:t>34</a:t>
+            </a:fld>
+            <a:endParaRPr lang="de-DE"/>
+          </a:p>
+        </p:txBody>
+      </p:sp>
+    </p:spTree>
+    <p:extLst>
+      <p:ext uri="{BB962C8B-B14F-4D97-AF65-F5344CB8AC3E}">
+        <p14:creationId xmlns:p14="http://schemas.microsoft.com/office/powerpoint/2010/main" val="836382836"/>
+      </p:ext>
+    </p:extLst>
+  </p:cSld>
+  <p:clrMapOvr>
+    <a:masterClrMapping/>
+  </p:clrMapOvr>
+  <p:transition>
+    <p:fade/>
+  </p:transition>
+  <p:timing>
+    <p:tnLst>
+      <p:par>
+        <p:cTn id="1" dur="indefinite" restart="never" nodeType="tmRoot">
+          <p:childTnLst>
+            <p:seq concurrent="1" nextAc="seek">
+              <p:cTn id="2" dur="indefinite" nodeType="mainSeq">
+                <p:childTnLst>
+                  <p:par>
+                    <p:cTn id="3" fill="hold">
+                      <p:stCondLst>
+                        <p:cond delay="indefinite"/>
+                      </p:stCondLst>
+                      <p:childTnLst>
+                        <p:par>
+                          <p:cTn id="4" fill="hold">
+                            <p:stCondLst>
+                              <p:cond delay="0"/>
+                            </p:stCondLst>
+                            <p:childTnLst>
+                              <p:par>
+                                <p:cTn id="5" presetID="10" presetClass="entr" presetSubtype="0" fill="hold" nodeType="clickEffect">
+                                  <p:stCondLst>
+                                    <p:cond delay="0"/>
+                                  </p:stCondLst>
+                                  <p:childTnLst>
+                                    <p:set>
+                                      <p:cBhvr>
+                                        <p:cTn id="6" dur="1" fill="hold">
+                                          <p:stCondLst>
+                                            <p:cond delay="0"/>
+                                          </p:stCondLst>
+                                        </p:cTn>
+                                        <p:tgtEl>
+                                          <p:spTgt spid="3">
+                                            <p:txEl>
+                                              <p:pRg st="2" end="2"/>
+                                            </p:txEl>
+                                          </p:spTgt>
+                                        </p:tgtEl>
+                                        <p:attrNameLst>
+                                          <p:attrName>style.visibility</p:attrName>
+                                        </p:attrNameLst>
+                                      </p:cBhvr>
+                                      <p:to>
+                                        <p:strVal val="visible"/>
+                                      </p:to>
+                                    </p:set>
+                                    <p:animEffect transition="in" filter="fade">
+                                      <p:cBhvr>
+                                        <p:cTn id="7" dur="500"/>
+                                        <p:tgtEl>
+                                          <p:spTgt spid="3">
+                                            <p:txEl>
+                                              <p:pRg st="2" end="2"/>
+                                            </p:txEl>
+                                          </p:spTgt>
+                                        </p:tgtEl>
+                                      </p:cBhvr>
+                                    </p:animEffect>
+                                  </p:childTnLst>
+                                </p:cTn>
+                              </p:par>
+                              <p:par>
+                                <p:cTn id="8" presetID="10" presetClass="entr" presetSubtype="0" fill="hold" nodeType="withEffect">
+                                  <p:stCondLst>
+                                    <p:cond delay="0"/>
+                                  </p:stCondLst>
+                                  <p:childTnLst>
+                                    <p:set>
+                                      <p:cBhvr>
+                                        <p:cTn id="9" dur="1" fill="hold">
+                                          <p:stCondLst>
+                                            <p:cond delay="0"/>
+                                          </p:stCondLst>
+                                        </p:cTn>
+                                        <p:tgtEl>
+                                          <p:spTgt spid="3">
+                                            <p:txEl>
+                                              <p:pRg st="3" end="3"/>
+                                            </p:txEl>
+                                          </p:spTgt>
+                                        </p:tgtEl>
+                                        <p:attrNameLst>
+                                          <p:attrName>style.visibility</p:attrName>
+                                        </p:attrNameLst>
+                                      </p:cBhvr>
+                                      <p:to>
+                                        <p:strVal val="visible"/>
+                                      </p:to>
+                                    </p:set>
+                                    <p:animEffect transition="in" filter="fade">
+                                      <p:cBhvr>
+                                        <p:cTn id="10" dur="500"/>
+                                        <p:tgtEl>
+                                          <p:spTgt spid="3">
+                                            <p:txEl>
+                                              <p:pRg st="3" end="3"/>
+                                            </p:txEl>
+                                          </p:spTgt>
+                                        </p:tgtEl>
+                                      </p:cBhvr>
+                                    </p:animEffect>
+                                  </p:childTnLst>
+                                </p:cTn>
+                              </p:par>
+                              <p:par>
+                                <p:cTn id="11" presetID="10" presetClass="entr" presetSubtype="0" fill="hold" nodeType="withEffect">
+                                  <p:stCondLst>
+                                    <p:cond delay="0"/>
+                                  </p:stCondLst>
+                                  <p:childTnLst>
+                                    <p:set>
+                                      <p:cBhvr>
+                                        <p:cTn id="12" dur="1" fill="hold">
+                                          <p:stCondLst>
+                                            <p:cond delay="0"/>
+                                          </p:stCondLst>
+                                        </p:cTn>
+                                        <p:tgtEl>
+                                          <p:spTgt spid="3">
+                                            <p:txEl>
+                                              <p:pRg st="4" end="4"/>
+                                            </p:txEl>
+                                          </p:spTgt>
+                                        </p:tgtEl>
+                                        <p:attrNameLst>
+                                          <p:attrName>style.visibility</p:attrName>
+                                        </p:attrNameLst>
+                                      </p:cBhvr>
+                                      <p:to>
+                                        <p:strVal val="visible"/>
+                                      </p:to>
+                                    </p:set>
+                                    <p:animEffect transition="in" filter="fade">
+                                      <p:cBhvr>
+                                        <p:cTn id="13" dur="500"/>
+                                        <p:tgtEl>
+                                          <p:spTgt spid="3">
+                                            <p:txEl>
+                                              <p:pRg st="4" end="4"/>
+                                            </p:txEl>
+                                          </p:spTgt>
+                                        </p:tgtEl>
+                                      </p:cBhvr>
+                                    </p:animEffect>
+                                  </p:childTnLst>
+                                </p:cTn>
+                              </p:par>
+                              <p:par>
+                                <p:cTn id="14" presetID="10" presetClass="entr" presetSubtype="0" fill="hold" nodeType="withEffect">
+                                  <p:stCondLst>
+                                    <p:cond delay="0"/>
+                                  </p:stCondLst>
+                                  <p:childTnLst>
+                                    <p:set>
+                                      <p:cBhvr>
+                                        <p:cTn id="15" dur="1" fill="hold">
+                                          <p:stCondLst>
+                                            <p:cond delay="0"/>
+                                          </p:stCondLst>
+                                        </p:cTn>
+                                        <p:tgtEl>
+                                          <p:spTgt spid="3">
+                                            <p:txEl>
+                                              <p:pRg st="5" end="5"/>
+                                            </p:txEl>
+                                          </p:spTgt>
+                                        </p:tgtEl>
+                                        <p:attrNameLst>
+                                          <p:attrName>style.visibility</p:attrName>
+                                        </p:attrNameLst>
+                                      </p:cBhvr>
+                                      <p:to>
+                                        <p:strVal val="visible"/>
+                                      </p:to>
+                                    </p:set>
+                                    <p:animEffect transition="in" filter="fade">
+                                      <p:cBhvr>
+                                        <p:cTn id="16" dur="500"/>
+                                        <p:tgtEl>
+                                          <p:spTgt spid="3">
+                                            <p:txEl>
+                                              <p:pRg st="5" end="5"/>
+                                            </p:txEl>
+                                          </p:spTgt>
+                                        </p:tgtEl>
+                                      </p:cBhvr>
+                                    </p:animEffect>
+                                  </p:childTnLst>
+                                </p:cTn>
+                              </p:par>
+                              <p:par>
+                                <p:cTn id="17" presetID="10" presetClass="entr" presetSubtype="0" fill="hold" nodeType="withEffect">
+                                  <p:stCondLst>
+                                    <p:cond delay="0"/>
+                                  </p:stCondLst>
+                                  <p:childTnLst>
+                                    <p:set>
+                                      <p:cBhvr>
+                                        <p:cTn id="18" dur="1" fill="hold">
+                                          <p:stCondLst>
+                                            <p:cond delay="0"/>
+                                          </p:stCondLst>
+                                        </p:cTn>
+                                        <p:tgtEl>
+                                          <p:spTgt spid="3">
+                                            <p:txEl>
+                                              <p:pRg st="6" end="6"/>
+                                            </p:txEl>
+                                          </p:spTgt>
+                                        </p:tgtEl>
+                                        <p:attrNameLst>
+                                          <p:attrName>style.visibility</p:attrName>
+                                        </p:attrNameLst>
+                                      </p:cBhvr>
+                                      <p:to>
+                                        <p:strVal val="visible"/>
+                                      </p:to>
+                                    </p:set>
+                                    <p:animEffect transition="in" filter="fade">
+                                      <p:cBhvr>
+                                        <p:cTn id="19" dur="500"/>
+                                        <p:tgtEl>
+                                          <p:spTgt spid="3">
+                                            <p:txEl>
+                                              <p:pRg st="6" end="6"/>
+                                            </p:txEl>
+                                          </p:spTgt>
+                                        </p:tgtEl>
+                                      </p:cBhvr>
+                                    </p:animEffect>
+                                  </p:childTnLst>
+                                </p:cTn>
+                              </p:par>
+                              <p:par>
+                                <p:cTn id="20" presetID="10" presetClass="entr" presetSubtype="0" fill="hold" nodeType="withEffect">
+                                  <p:stCondLst>
+                                    <p:cond delay="0"/>
+                                  </p:stCondLst>
+                                  <p:childTnLst>
+                                    <p:set>
+                                      <p:cBhvr>
+                                        <p:cTn id="21" dur="1" fill="hold">
+                                          <p:stCondLst>
+                                            <p:cond delay="0"/>
+                                          </p:stCondLst>
+                                        </p:cTn>
+                                        <p:tgtEl>
+                                          <p:spTgt spid="3">
+                                            <p:txEl>
+                                              <p:pRg st="7" end="7"/>
+                                            </p:txEl>
+                                          </p:spTgt>
+                                        </p:tgtEl>
+                                        <p:attrNameLst>
+                                          <p:attrName>style.visibility</p:attrName>
+                                        </p:attrNameLst>
+                                      </p:cBhvr>
+                                      <p:to>
+                                        <p:strVal val="visible"/>
+                                      </p:to>
+                                    </p:set>
+                                    <p:animEffect transition="in" filter="fade">
+                                      <p:cBhvr>
+                                        <p:cTn id="22" dur="500"/>
+                                        <p:tgtEl>
+                                          <p:spTgt spid="3">
+                                            <p:txEl>
+                                              <p:pRg st="7" end="7"/>
+                                            </p:txEl>
+                                          </p:spTgt>
+                                        </p:tgtEl>
+                                      </p:cBhvr>
+                                    </p:animEffect>
+                                  </p:childTnLst>
+                                </p:cTn>
+                              </p:par>
+                            </p:childTnLst>
+                          </p:cTn>
+                        </p:par>
+                      </p:childTnLst>
+                    </p:cTn>
+                  </p:par>
+                </p:childTnLst>
+              </p:cTn>
+              <p:prevCondLst>
+                <p:cond evt="onPrev" delay="0">
+                  <p:tgtEl>
+                    <p:sldTgt/>
+                  </p:tgtEl>
+                </p:cond>
+              </p:prevCondLst>
+              <p:nextCondLst>
+                <p:cond evt="onNext" delay="0">
+                  <p:tgtEl>
+                    <p:sldTgt/>
+                  </p:tgtEl>
+                </p:cond>
+              </p:nextCondLst>
+            </p:seq>
+          </p:childTnLst>
+        </p:cTn>
+      </p:par>
+    </p:tnLst>
+  </p:timing>
+</p:sld>
+</file>
+
+<file path=ppt/slides/slide35.xml><?xml version="1.0" encoding="utf-8"?>
+<p:sld xmlns:a="http://schemas.openxmlformats.org/drawingml/2006/main" xmlns:r="http://schemas.openxmlformats.org/officeDocument/2006/relationships" xmlns:p="http://schemas.openxmlformats.org/presentationml/2006/main">
+  <p:cSld>
+    <p:spTree>
+      <p:nvGrpSpPr>
+        <p:cNvPr id="1" name=""/>
+        <p:cNvGrpSpPr/>
+        <p:nvPr/>
+      </p:nvGrpSpPr>
+      <p:grpSpPr>
+        <a:xfrm>
+          <a:off x="0" y="0"/>
+          <a:ext cx="0" cy="0"/>
+          <a:chOff x="0" y="0"/>
+          <a:chExt cx="0" cy="0"/>
+        </a:xfrm>
+      </p:grpSpPr>
+      <p:sp>
+        <p:nvSpPr>
+          <p:cNvPr id="3" name="Inhaltsplatzhalter 2"/>
+          <p:cNvSpPr>
+            <a:spLocks noGrp="1"/>
+          </p:cNvSpPr>
+          <p:nvPr>
+            <p:ph idx="1"/>
+          </p:nvPr>
+        </p:nvSpPr>
+        <p:spPr/>
+        <p:txBody>
+          <a:bodyPr>
+            <a:normAutofit/>
+          </a:bodyPr>
+          <a:lstStyle/>
+          <a:p>
+            <a:pPr indent="0">
+              <a:lnSpc>
+                <a:spcPct val="110000"/>
+              </a:lnSpc>
+              <a:spcBef>
+                <a:spcPts val="0"/>
+              </a:spcBef>
+              <a:buNone/>
+            </a:pPr>
+            <a:r>
+              <a:rPr lang="de-DE" dirty="0" smtClean="0"/>
+              <a:t>Zahlen aus einigen Auswertungen</a:t>
+            </a:r>
+          </a:p>
+          <a:p>
+            <a:pPr indent="0">
+              <a:lnSpc>
+                <a:spcPct val="150000"/>
+              </a:lnSpc>
+              <a:spcBef>
+                <a:spcPts val="0"/>
+              </a:spcBef>
+              <a:buNone/>
+            </a:pPr>
+            <a:endParaRPr lang="de-DE" sz="1200" dirty="0" smtClean="0"/>
+          </a:p>
+          <a:p>
+            <a:pPr lvl="1">
+              <a:lnSpc>
+                <a:spcPct val="150000"/>
+              </a:lnSpc>
+              <a:buFont typeface="Arial" pitchFamily="34" charset="0"/>
+              <a:buChar char="•"/>
+            </a:pPr>
+            <a:endParaRPr lang="de-DE" sz="2400" dirty="0" smtClean="0"/>
+          </a:p>
+        </p:txBody>
+      </p:sp>
+      <p:sp>
+        <p:nvSpPr>
+          <p:cNvPr id="2" name="Titel 1"/>
+          <p:cNvSpPr>
+            <a:spLocks noGrp="1"/>
+          </p:cNvSpPr>
+          <p:nvPr>
+            <p:ph type="title"/>
+          </p:nvPr>
+        </p:nvSpPr>
+        <p:spPr/>
+        <p:txBody>
+          <a:bodyPr>
+            <a:normAutofit/>
+          </a:bodyPr>
+          <a:lstStyle/>
+          <a:p>
+            <a:r>
+              <a:rPr lang="de-DE" dirty="0" smtClean="0"/>
+              <a:t>Fazit &amp; Ausblick – Fazit</a:t>
+            </a:r>
+            <a:endParaRPr lang="de-DE" dirty="0"/>
+          </a:p>
+        </p:txBody>
+      </p:sp>
+      <p:sp>
+        <p:nvSpPr>
+          <p:cNvPr id="4" name="Datumsplatzhalter 3"/>
+          <p:cNvSpPr>
+            <a:spLocks noGrp="1"/>
+          </p:cNvSpPr>
+          <p:nvPr>
+            <p:ph type="dt" sz="half" idx="10"/>
+          </p:nvPr>
+        </p:nvSpPr>
+        <p:spPr/>
+        <p:txBody>
+          <a:bodyPr/>
+          <a:lstStyle/>
+          <a:p>
+            <a:fld id="{5EF832D8-AAC1-4B74-8AAA-E367E2E248BB}" type="datetime1">
+              <a:rPr lang="de-DE" smtClean="0"/>
+              <a:t>27.11.2014</a:t>
+            </a:fld>
+            <a:endParaRPr lang="de-DE"/>
+          </a:p>
+        </p:txBody>
+      </p:sp>
+      <p:sp>
+        <p:nvSpPr>
+          <p:cNvPr id="5" name="Fußzeilenplatzhalter 4"/>
+          <p:cNvSpPr>
+            <a:spLocks noGrp="1"/>
+          </p:cNvSpPr>
+          <p:nvPr>
+            <p:ph type="ftr" sz="quarter" idx="11"/>
+          </p:nvPr>
+        </p:nvSpPr>
+        <p:spPr/>
+        <p:txBody>
+          <a:bodyPr/>
+          <a:lstStyle/>
+          <a:p>
+            <a:r>
+              <a:rPr lang="de-DE" dirty="0" err="1"/>
+              <a:t>NuFi</a:t>
+            </a:r>
+            <a:r>
+              <a:rPr lang="de-DE" dirty="0"/>
+              <a:t> - </a:t>
+            </a:r>
+            <a:r>
+              <a:rPr lang="de-DE" dirty="0" smtClean="0"/>
+              <a:t>Nico Hochberger</a:t>
+            </a:r>
+            <a:endParaRPr lang="de-DE" dirty="0"/>
+          </a:p>
+        </p:txBody>
+      </p:sp>
+      <p:sp>
+        <p:nvSpPr>
+          <p:cNvPr id="6" name="Foliennummernplatzhalter 5"/>
+          <p:cNvSpPr>
+            <a:spLocks noGrp="1"/>
+          </p:cNvSpPr>
+          <p:nvPr>
+            <p:ph type="sldNum" sz="quarter" idx="12"/>
+          </p:nvPr>
+        </p:nvSpPr>
+        <p:spPr/>
+        <p:txBody>
+          <a:bodyPr/>
+          <a:lstStyle/>
+          <a:p>
+            <a:fld id="{7B5D8AC1-C9A5-4804-AF36-173C8CE7FD45}" type="slidenum">
+              <a:rPr lang="de-DE" smtClean="0"/>
+              <a:pPr/>
+              <a:t>35</a:t>
+            </a:fld>
+            <a:endParaRPr lang="de-DE"/>
+          </a:p>
+        </p:txBody>
+      </p:sp>
+      <p:graphicFrame>
+        <p:nvGraphicFramePr>
+          <p:cNvPr id="11" name="Tabelle 10"/>
+          <p:cNvGraphicFramePr>
+            <a:graphicFrameLocks noGrp="1"/>
+          </p:cNvGraphicFramePr>
+          <p:nvPr>
+            <p:extLst>
+              <p:ext uri="{D42A27DB-BD31-4B8C-83A1-F6EECF244321}">
+                <p14:modId xmlns:p14="http://schemas.microsoft.com/office/powerpoint/2010/main" val="1751252114"/>
+              </p:ext>
+            </p:extLst>
+          </p:nvPr>
+        </p:nvGraphicFramePr>
+        <p:xfrm>
+          <a:off x="1439652" y="1714083"/>
+          <a:ext cx="6264696" cy="4307205"/>
+        </p:xfrm>
+        <a:graphic>
+          <a:graphicData uri="http://schemas.openxmlformats.org/drawingml/2006/table">
+            <a:tbl>
+              <a:tblPr>
+                <a:effectLst>
+                  <a:outerShdw blurRad="63500" sx="102000" sy="102000" algn="ctr" rotWithShape="0">
+                    <a:prstClr val="black">
+                      <a:alpha val="40000"/>
+                    </a:prstClr>
+                  </a:outerShdw>
+                </a:effectLst>
+                <a:tableStyleId>{5C22544A-7EE6-4342-B048-85BDC9FD1C3A}</a:tableStyleId>
+              </a:tblPr>
+              <a:tblGrid>
+                <a:gridCol w="970643"/>
+                <a:gridCol w="922112"/>
+                <a:gridCol w="1164773"/>
+                <a:gridCol w="974919"/>
+                <a:gridCol w="1080120"/>
+                <a:gridCol w="1152129"/>
+              </a:tblGrid>
+              <a:tr h="190500">
+                <a:tc>
+                  <a:txBody>
+                    <a:bodyPr/>
+                    <a:lstStyle/>
+                    <a:p>
+                      <a:pPr algn="ctr" fontAlgn="b"/>
+                      <a:r>
+                        <a:rPr lang="de-DE" sz="1600" u="none" strike="noStrike" dirty="0" smtClean="0">
+                          <a:effectLst/>
+                        </a:rPr>
+                        <a:t>Probe</a:t>
+                      </a:r>
+                      <a:endParaRPr lang="de-DE" sz="1600" b="1" i="0" u="none" strike="noStrike" dirty="0">
+                        <a:solidFill>
+                          <a:srgbClr val="000000"/>
+                        </a:solidFill>
+                        <a:effectLst/>
+                        <a:latin typeface="Calibri" panose="020F0502020204030204" pitchFamily="34" charset="0"/>
+                      </a:endParaRPr>
+                    </a:p>
+                  </a:txBody>
+                  <a:tcPr marL="9525" marR="9525" marT="9525" marB="0" anchor="b">
+                    <a:lnR w="12700" cap="flat" cmpd="sng" algn="ctr">
+                      <a:solidFill>
+                        <a:schemeClr val="tx1"/>
+                      </a:solidFill>
+                      <a:prstDash val="solid"/>
+                      <a:round/>
+                      <a:headEnd type="none" w="med" len="med"/>
+                      <a:tailEnd type="none" w="med" len="med"/>
+                    </a:lnR>
+                    <a:lnB w="12700" cap="flat" cmpd="sng" algn="ctr">
+                      <a:solidFill>
+                        <a:schemeClr val="tx1"/>
+                      </a:solidFill>
+                      <a:prstDash val="solid"/>
+                      <a:round/>
+                      <a:headEnd type="none" w="med" len="med"/>
+                      <a:tailEnd type="none" w="med" len="med"/>
+                    </a:lnB>
+                  </a:tcPr>
+                </a:tc>
+                <a:tc>
+                  <a:txBody>
+                    <a:bodyPr/>
+                    <a:lstStyle/>
+                    <a:p>
+                      <a:pPr algn="ctr" fontAlgn="b"/>
+                      <a:r>
+                        <a:rPr lang="de-DE" sz="1600" u="none" strike="noStrike" dirty="0" smtClean="0">
+                          <a:effectLst/>
+                        </a:rPr>
+                        <a:t>Ziele</a:t>
+                      </a:r>
+                      <a:endParaRPr lang="de-DE" sz="1600" b="1" i="0" u="none" strike="noStrike" dirty="0">
+                        <a:solidFill>
+                          <a:srgbClr val="000000"/>
+                        </a:solidFill>
+                        <a:effectLst/>
+                        <a:latin typeface="Calibri" panose="020F0502020204030204" pitchFamily="34" charset="0"/>
+                      </a:endParaRPr>
+                    </a:p>
+                  </a:txBody>
+                  <a:tcPr marL="9525" marR="9525" marT="9525" marB="0" anchor="b">
+                    <a:lnL w="12700" cap="flat" cmpd="sng" algn="ctr">
+                      <a:solidFill>
+                        <a:schemeClr val="tx1"/>
+                      </a:solidFill>
+                      <a:prstDash val="solid"/>
+                      <a:round/>
+                      <a:headEnd type="none" w="med" len="med"/>
+                      <a:tailEnd type="none" w="med" len="med"/>
+                    </a:lnL>
+                    <a:lnB w="12700" cap="flat" cmpd="sng" algn="ctr">
+                      <a:solidFill>
+                        <a:schemeClr val="tx1"/>
+                      </a:solidFill>
+                      <a:prstDash val="solid"/>
+                      <a:round/>
+                      <a:headEnd type="none" w="med" len="med"/>
+                      <a:tailEnd type="none" w="med" len="med"/>
+                    </a:lnB>
+                  </a:tcPr>
+                </a:tc>
+                <a:tc>
+                  <a:txBody>
+                    <a:bodyPr/>
+                    <a:lstStyle/>
+                    <a:p>
+                      <a:pPr algn="ctr" fontAlgn="b"/>
+                      <a:r>
+                        <a:rPr lang="de-DE" sz="1600" u="none" strike="noStrike" dirty="0" smtClean="0">
+                          <a:effectLst/>
+                        </a:rPr>
+                        <a:t>Davon falsch</a:t>
+                      </a:r>
+                      <a:endParaRPr lang="de-DE" sz="1600" b="1" i="0" u="none" strike="noStrike" dirty="0">
+                        <a:solidFill>
+                          <a:srgbClr val="000000"/>
+                        </a:solidFill>
+                        <a:effectLst/>
+                        <a:latin typeface="Calibri" panose="020F0502020204030204" pitchFamily="34" charset="0"/>
+                      </a:endParaRPr>
+                    </a:p>
+                  </a:txBody>
+                  <a:tcPr marL="9525" marR="9525" marT="9525" marB="0" anchor="b">
+                    <a:lnB w="12700" cap="flat" cmpd="sng" algn="ctr">
+                      <a:solidFill>
+                        <a:schemeClr val="tx1"/>
+                      </a:solidFill>
+                      <a:prstDash val="solid"/>
+                      <a:round/>
+                      <a:headEnd type="none" w="med" len="med"/>
+                      <a:tailEnd type="none" w="med" len="med"/>
+                    </a:lnB>
+                  </a:tcPr>
+                </a:tc>
+                <a:tc>
+                  <a:txBody>
+                    <a:bodyPr/>
+                    <a:lstStyle/>
+                    <a:p>
+                      <a:pPr algn="ctr" fontAlgn="b"/>
+                      <a:r>
+                        <a:rPr lang="de-DE" sz="1600" u="none" strike="noStrike" dirty="0" smtClean="0">
+                          <a:effectLst/>
+                        </a:rPr>
+                        <a:t>Fehlend</a:t>
+                      </a:r>
+                      <a:endParaRPr lang="de-DE" sz="1600" b="1" i="0" u="none" strike="noStrike" dirty="0">
+                        <a:solidFill>
+                          <a:srgbClr val="000000"/>
+                        </a:solidFill>
+                        <a:effectLst/>
+                        <a:latin typeface="Calibri" panose="020F0502020204030204" pitchFamily="34" charset="0"/>
+                      </a:endParaRPr>
+                    </a:p>
+                  </a:txBody>
+                  <a:tcPr marL="9525" marR="9525" marT="9525" marB="0" anchor="b">
+                    <a:lnB w="12700" cap="flat" cmpd="sng" algn="ctr">
+                      <a:solidFill>
+                        <a:schemeClr val="tx1"/>
+                      </a:solidFill>
+                      <a:prstDash val="solid"/>
+                      <a:round/>
+                      <a:headEnd type="none" w="med" len="med"/>
+                      <a:tailEnd type="none" w="med" len="med"/>
+                    </a:lnB>
+                  </a:tcPr>
+                </a:tc>
+                <a:tc>
+                  <a:txBody>
+                    <a:bodyPr/>
+                    <a:lstStyle/>
+                    <a:p>
+                      <a:pPr algn="ctr" fontAlgn="b"/>
+                      <a:r>
+                        <a:rPr lang="de-DE" sz="1600" u="none" strike="noStrike" dirty="0" smtClean="0">
+                          <a:effectLst/>
+                        </a:rPr>
+                        <a:t>Erfolg</a:t>
+                      </a:r>
+                      <a:endParaRPr lang="de-DE" sz="1600" b="1" i="0" u="none" strike="noStrike" dirty="0">
+                        <a:solidFill>
+                          <a:srgbClr val="000000"/>
+                        </a:solidFill>
+                        <a:effectLst/>
+                        <a:latin typeface="Calibri" panose="020F0502020204030204" pitchFamily="34" charset="0"/>
+                      </a:endParaRPr>
+                    </a:p>
+                  </a:txBody>
+                  <a:tcPr marL="9525" marR="9525" marT="9525" marB="0" anchor="b">
+                    <a:lnB w="12700" cap="flat" cmpd="sng" algn="ctr">
+                      <a:solidFill>
+                        <a:schemeClr val="tx1"/>
+                      </a:solidFill>
+                      <a:prstDash val="solid"/>
+                      <a:round/>
+                      <a:headEnd type="none" w="med" len="med"/>
+                      <a:tailEnd type="none" w="med" len="med"/>
+                    </a:lnB>
+                  </a:tcPr>
+                </a:tc>
+                <a:tc>
+                  <a:txBody>
+                    <a:bodyPr/>
+                    <a:lstStyle/>
+                    <a:p>
+                      <a:pPr algn="ctr" fontAlgn="b"/>
+                      <a:r>
+                        <a:rPr lang="de-DE" sz="1600" u="none" strike="noStrike" dirty="0" smtClean="0">
+                          <a:effectLst/>
+                        </a:rPr>
+                        <a:t>Zeit </a:t>
+                      </a:r>
+                      <a:r>
+                        <a:rPr lang="de-DE" sz="1600" u="none" strike="noStrike" dirty="0">
+                          <a:effectLst/>
+                        </a:rPr>
+                        <a:t>[</a:t>
+                      </a:r>
+                      <a:r>
+                        <a:rPr lang="de-DE" sz="1600" u="none" strike="noStrike" dirty="0" err="1">
+                          <a:effectLst/>
+                        </a:rPr>
+                        <a:t>ms</a:t>
+                      </a:r>
+                      <a:r>
+                        <a:rPr lang="de-DE" sz="1600" u="none" strike="noStrike" dirty="0">
+                          <a:effectLst/>
+                        </a:rPr>
+                        <a:t>]</a:t>
+                      </a:r>
+                      <a:endParaRPr lang="de-DE" sz="1600" b="1" i="0" u="none" strike="noStrike" dirty="0">
+                        <a:solidFill>
+                          <a:srgbClr val="000000"/>
+                        </a:solidFill>
+                        <a:effectLst/>
+                        <a:latin typeface="Calibri" panose="020F0502020204030204" pitchFamily="34" charset="0"/>
+                      </a:endParaRPr>
+                    </a:p>
+                  </a:txBody>
+                  <a:tcPr marL="9525" marR="9525" marT="9525" marB="0" anchor="b">
+                    <a:lnB w="12700" cap="flat" cmpd="sng" algn="ctr">
+                      <a:solidFill>
+                        <a:schemeClr val="tx1"/>
+                      </a:solidFill>
+                      <a:prstDash val="solid"/>
+                      <a:round/>
+                      <a:headEnd type="none" w="med" len="med"/>
+                      <a:tailEnd type="none" w="med" len="med"/>
+                    </a:lnB>
+                  </a:tcPr>
+                </a:tc>
+              </a:tr>
+              <a:tr h="190500">
+                <a:tc>
+                  <a:txBody>
+                    <a:bodyPr/>
+                    <a:lstStyle/>
+                    <a:p>
+                      <a:pPr algn="r" fontAlgn="b"/>
+                      <a:r>
+                        <a:rPr lang="de-DE" sz="1600" u="none" strike="noStrike" dirty="0">
+                          <a:effectLst/>
+                        </a:rPr>
+                        <a:t>1</a:t>
+                      </a:r>
+                      <a:endParaRPr lang="de-DE" sz="1600" b="0" i="0" u="none" strike="noStrike" dirty="0">
+                        <a:solidFill>
+                          <a:srgbClr val="000000"/>
+                        </a:solidFill>
+                        <a:effectLst/>
+                        <a:latin typeface="Calibri" panose="020F0502020204030204" pitchFamily="34" charset="0"/>
+                      </a:endParaRPr>
+                    </a:p>
+                  </a:txBody>
+                  <a:tcPr marL="9525" marR="9525" marT="9525" marB="0" anchor="b">
+                    <a:lnR w="12700" cap="flat" cmpd="sng" algn="ctr">
+                      <a:solidFill>
+                        <a:schemeClr val="tx1"/>
+                      </a:solidFill>
+                      <a:prstDash val="solid"/>
+                      <a:round/>
+                      <a:headEnd type="none" w="med" len="med"/>
+                      <a:tailEnd type="none" w="med" len="med"/>
+                    </a:lnR>
+                    <a:lnT w="12700" cap="flat" cmpd="sng" algn="ctr">
+                      <a:solidFill>
+                        <a:schemeClr val="tx1"/>
+                      </a:solidFill>
+                      <a:prstDash val="solid"/>
+                      <a:round/>
+                      <a:headEnd type="none" w="med" len="med"/>
+                      <a:tailEnd type="none" w="med" len="med"/>
+                    </a:lnT>
+                  </a:tcPr>
+                </a:tc>
+                <a:tc>
+                  <a:txBody>
+                    <a:bodyPr/>
+                    <a:lstStyle/>
+                    <a:p>
+                      <a:pPr algn="r" fontAlgn="b"/>
+                      <a:r>
+                        <a:rPr lang="de-DE" sz="1600" u="none" strike="noStrike">
+                          <a:effectLst/>
+                        </a:rPr>
+                        <a:t>15</a:t>
+                      </a:r>
+                      <a:endParaRPr lang="de-DE" sz="1600" b="0" i="0" u="none" strike="noStrike">
+                        <a:solidFill>
+                          <a:srgbClr val="000000"/>
+                        </a:solidFill>
+                        <a:effectLst/>
+                        <a:latin typeface="Calibri" panose="020F0502020204030204" pitchFamily="34" charset="0"/>
+                      </a:endParaRPr>
+                    </a:p>
+                  </a:txBody>
+                  <a:tcPr marL="9525" marR="9525" marT="9525" marB="0" anchor="b">
+                    <a:lnL w="12700" cap="flat" cmpd="sng" algn="ctr">
+                      <a:solidFill>
+                        <a:schemeClr val="tx1"/>
+                      </a:solidFill>
+                      <a:prstDash val="solid"/>
+                      <a:round/>
+                      <a:headEnd type="none" w="med" len="med"/>
+                      <a:tailEnd type="none" w="med" len="med"/>
+                    </a:lnL>
+                    <a:lnT w="12700" cap="flat" cmpd="sng" algn="ctr">
+                      <a:solidFill>
+                        <a:schemeClr val="tx1"/>
+                      </a:solidFill>
+                      <a:prstDash val="solid"/>
+                      <a:round/>
+                      <a:headEnd type="none" w="med" len="med"/>
+                      <a:tailEnd type="none" w="med" len="med"/>
+                    </a:lnT>
+                  </a:tcPr>
+                </a:tc>
+                <a:tc>
+                  <a:txBody>
+                    <a:bodyPr/>
+                    <a:lstStyle/>
+                    <a:p>
+                      <a:pPr algn="r" fontAlgn="b"/>
+                      <a:r>
+                        <a:rPr lang="de-DE" sz="1600" u="none" strike="noStrike">
+                          <a:effectLst/>
+                        </a:rPr>
+                        <a:t>0</a:t>
+                      </a:r>
+                      <a:endParaRPr lang="de-DE" sz="1600" b="0" i="0" u="none" strike="noStrike">
+                        <a:solidFill>
+                          <a:srgbClr val="000000"/>
+                        </a:solidFill>
+                        <a:effectLst/>
+                        <a:latin typeface="Calibri" panose="020F0502020204030204" pitchFamily="34" charset="0"/>
+                      </a:endParaRPr>
+                    </a:p>
+                  </a:txBody>
+                  <a:tcPr marL="9525" marR="9525" marT="9525" marB="0" anchor="b">
+                    <a:lnT w="12700" cap="flat" cmpd="sng" algn="ctr">
+                      <a:solidFill>
+                        <a:schemeClr val="tx1"/>
+                      </a:solidFill>
+                      <a:prstDash val="solid"/>
+                      <a:round/>
+                      <a:headEnd type="none" w="med" len="med"/>
+                      <a:tailEnd type="none" w="med" len="med"/>
+                    </a:lnT>
+                  </a:tcPr>
+                </a:tc>
+                <a:tc>
+                  <a:txBody>
+                    <a:bodyPr/>
+                    <a:lstStyle/>
+                    <a:p>
+                      <a:pPr algn="r" fontAlgn="b"/>
+                      <a:r>
+                        <a:rPr lang="de-DE" sz="1600" u="none" strike="noStrike" dirty="0">
+                          <a:effectLst/>
+                        </a:rPr>
+                        <a:t>2</a:t>
+                      </a:r>
+                      <a:endParaRPr lang="de-DE" sz="1600" b="0" i="0" u="none" strike="noStrike" dirty="0">
+                        <a:solidFill>
+                          <a:srgbClr val="000000"/>
+                        </a:solidFill>
+                        <a:effectLst/>
+                        <a:latin typeface="Calibri" panose="020F0502020204030204" pitchFamily="34" charset="0"/>
+                      </a:endParaRPr>
+                    </a:p>
+                  </a:txBody>
+                  <a:tcPr marL="9525" marR="9525" marT="9525" marB="0" anchor="b">
+                    <a:lnT w="12700" cap="flat" cmpd="sng" algn="ctr">
+                      <a:solidFill>
+                        <a:schemeClr val="tx1"/>
+                      </a:solidFill>
+                      <a:prstDash val="solid"/>
+                      <a:round/>
+                      <a:headEnd type="none" w="med" len="med"/>
+                      <a:tailEnd type="none" w="med" len="med"/>
+                    </a:lnT>
+                  </a:tcPr>
+                </a:tc>
+                <a:tc>
+                  <a:txBody>
+                    <a:bodyPr/>
+                    <a:lstStyle/>
+                    <a:p>
+                      <a:pPr algn="r" fontAlgn="b"/>
+                      <a:r>
+                        <a:rPr lang="de-DE" sz="1600" u="none" strike="noStrike" dirty="0">
+                          <a:effectLst/>
+                        </a:rPr>
+                        <a:t>88,24%</a:t>
+                      </a:r>
+                      <a:endParaRPr lang="de-DE" sz="1600" b="0" i="0" u="none" strike="noStrike" dirty="0">
+                        <a:solidFill>
+                          <a:srgbClr val="000000"/>
+                        </a:solidFill>
+                        <a:effectLst/>
+                        <a:latin typeface="Calibri" panose="020F0502020204030204" pitchFamily="34" charset="0"/>
+                      </a:endParaRPr>
+                    </a:p>
+                  </a:txBody>
+                  <a:tcPr marL="9525" marR="9525" marT="9525" marB="0" anchor="b">
+                    <a:lnT w="12700" cap="flat" cmpd="sng" algn="ctr">
+                      <a:solidFill>
+                        <a:schemeClr val="tx1"/>
+                      </a:solidFill>
+                      <a:prstDash val="solid"/>
+                      <a:round/>
+                      <a:headEnd type="none" w="med" len="med"/>
+                      <a:tailEnd type="none" w="med" len="med"/>
+                    </a:lnT>
+                  </a:tcPr>
+                </a:tc>
+                <a:tc>
+                  <a:txBody>
+                    <a:bodyPr/>
+                    <a:lstStyle/>
+                    <a:p>
+                      <a:pPr algn="r" fontAlgn="b"/>
+                      <a:r>
+                        <a:rPr lang="de-DE" sz="1600" u="none" strike="noStrike" dirty="0">
+                          <a:effectLst/>
+                        </a:rPr>
+                        <a:t>3149</a:t>
+                      </a:r>
+                      <a:endParaRPr lang="de-DE" sz="1600" b="0" i="0" u="none" strike="noStrike" dirty="0">
+                        <a:solidFill>
+                          <a:srgbClr val="000000"/>
+                        </a:solidFill>
+                        <a:effectLst/>
+                        <a:latin typeface="Calibri" panose="020F0502020204030204" pitchFamily="34" charset="0"/>
+                      </a:endParaRPr>
+                    </a:p>
+                  </a:txBody>
+                  <a:tcPr marL="9525" marR="9525" marT="9525" marB="0" anchor="b">
+                    <a:lnT w="12700" cap="flat" cmpd="sng" algn="ctr">
+                      <a:solidFill>
+                        <a:schemeClr val="tx1"/>
+                      </a:solidFill>
+                      <a:prstDash val="solid"/>
+                      <a:round/>
+                      <a:headEnd type="none" w="med" len="med"/>
+                      <a:tailEnd type="none" w="med" len="med"/>
+                    </a:lnT>
+                  </a:tcPr>
+                </a:tc>
+              </a:tr>
+              <a:tr h="190500">
+                <a:tc>
+                  <a:txBody>
+                    <a:bodyPr/>
+                    <a:lstStyle/>
+                    <a:p>
+                      <a:pPr algn="r" fontAlgn="b"/>
+                      <a:r>
+                        <a:rPr lang="de-DE" sz="1600" u="none" strike="noStrike" dirty="0">
+                          <a:effectLst/>
+                        </a:rPr>
+                        <a:t>2</a:t>
+                      </a:r>
+                      <a:endParaRPr lang="de-DE" sz="1600" b="0" i="0" u="none" strike="noStrike" dirty="0">
+                        <a:solidFill>
+                          <a:srgbClr val="000000"/>
+                        </a:solidFill>
+                        <a:effectLst/>
+                        <a:latin typeface="Calibri" panose="020F0502020204030204" pitchFamily="34" charset="0"/>
+                      </a:endParaRPr>
+                    </a:p>
+                  </a:txBody>
+                  <a:tcPr marL="9525" marR="9525" marT="9525" marB="0" anchor="b">
+                    <a:lnR w="12700" cap="flat" cmpd="sng" algn="ctr">
+                      <a:solidFill>
+                        <a:schemeClr val="tx1"/>
+                      </a:solidFill>
+                      <a:prstDash val="solid"/>
+                      <a:round/>
+                      <a:headEnd type="none" w="med" len="med"/>
+                      <a:tailEnd type="none" w="med" len="med"/>
+                    </a:lnR>
+                  </a:tcPr>
+                </a:tc>
+                <a:tc>
+                  <a:txBody>
+                    <a:bodyPr/>
+                    <a:lstStyle/>
+                    <a:p>
+                      <a:pPr algn="r" fontAlgn="b"/>
+                      <a:r>
+                        <a:rPr lang="de-DE" sz="1600" u="none" strike="noStrike">
+                          <a:effectLst/>
+                        </a:rPr>
+                        <a:t>15</a:t>
+                      </a:r>
+                      <a:endParaRPr lang="de-DE" sz="1600" b="0" i="0" u="none" strike="noStrike">
+                        <a:solidFill>
+                          <a:srgbClr val="000000"/>
+                        </a:solidFill>
+                        <a:effectLst/>
+                        <a:latin typeface="Calibri" panose="020F0502020204030204" pitchFamily="34" charset="0"/>
+                      </a:endParaRPr>
+                    </a:p>
+                  </a:txBody>
+                  <a:tcPr marL="9525" marR="9525" marT="9525" marB="0" anchor="b">
+                    <a:lnL w="12700" cap="flat" cmpd="sng" algn="ctr">
+                      <a:solidFill>
+                        <a:schemeClr val="tx1"/>
+                      </a:solidFill>
+                      <a:prstDash val="solid"/>
+                      <a:round/>
+                      <a:headEnd type="none" w="med" len="med"/>
+                      <a:tailEnd type="none" w="med" len="med"/>
+                    </a:lnL>
+                  </a:tcPr>
+                </a:tc>
+                <a:tc>
+                  <a:txBody>
+                    <a:bodyPr/>
+                    <a:lstStyle/>
+                    <a:p>
+                      <a:pPr algn="r" fontAlgn="b"/>
+                      <a:r>
+                        <a:rPr lang="de-DE" sz="1600" u="none" strike="noStrike">
+                          <a:effectLst/>
+                        </a:rPr>
+                        <a:t>0</a:t>
+                      </a:r>
+                      <a:endParaRPr lang="de-DE" sz="1600" b="0" i="0" u="none" strike="noStrike">
+                        <a:solidFill>
+                          <a:srgbClr val="000000"/>
+                        </a:solidFill>
+                        <a:effectLst/>
+                        <a:latin typeface="Calibri" panose="020F0502020204030204" pitchFamily="34" charset="0"/>
+                      </a:endParaRPr>
+                    </a:p>
+                  </a:txBody>
+                  <a:tcPr marL="9525" marR="9525" marT="9525" marB="0" anchor="b"/>
+                </a:tc>
+                <a:tc>
+                  <a:txBody>
+                    <a:bodyPr/>
+                    <a:lstStyle/>
+                    <a:p>
+                      <a:pPr algn="r" fontAlgn="b"/>
+                      <a:r>
+                        <a:rPr lang="de-DE" sz="1600" u="none" strike="noStrike">
+                          <a:effectLst/>
+                        </a:rPr>
+                        <a:t>3</a:t>
+                      </a:r>
+                      <a:endParaRPr lang="de-DE" sz="1600" b="0" i="0" u="none" strike="noStrike">
+                        <a:solidFill>
+                          <a:srgbClr val="000000"/>
+                        </a:solidFill>
+                        <a:effectLst/>
+                        <a:latin typeface="Calibri" panose="020F0502020204030204" pitchFamily="34" charset="0"/>
+                      </a:endParaRPr>
+                    </a:p>
+                  </a:txBody>
+                  <a:tcPr marL="9525" marR="9525" marT="9525" marB="0" anchor="b"/>
+                </a:tc>
+                <a:tc>
+                  <a:txBody>
+                    <a:bodyPr/>
+                    <a:lstStyle/>
+                    <a:p>
+                      <a:pPr algn="r" fontAlgn="b"/>
+                      <a:r>
+                        <a:rPr lang="de-DE" sz="1600" u="none" strike="noStrike">
+                          <a:effectLst/>
+                        </a:rPr>
+                        <a:t>83,33%</a:t>
+                      </a:r>
+                      <a:endParaRPr lang="de-DE" sz="1600" b="0" i="0" u="none" strike="noStrike">
+                        <a:solidFill>
+                          <a:srgbClr val="000000"/>
+                        </a:solidFill>
+                        <a:effectLst/>
+                        <a:latin typeface="Calibri" panose="020F0502020204030204" pitchFamily="34" charset="0"/>
+                      </a:endParaRPr>
+                    </a:p>
+                  </a:txBody>
+                  <a:tcPr marL="9525" marR="9525" marT="9525" marB="0" anchor="b"/>
+                </a:tc>
+                <a:tc>
+                  <a:txBody>
+                    <a:bodyPr/>
+                    <a:lstStyle/>
+                    <a:p>
+                      <a:pPr algn="r" fontAlgn="b"/>
+                      <a:r>
+                        <a:rPr lang="de-DE" sz="1600" u="none" strike="noStrike">
+                          <a:effectLst/>
+                        </a:rPr>
+                        <a:t>3193</a:t>
+                      </a:r>
+                      <a:endParaRPr lang="de-DE" sz="1600" b="0" i="0" u="none" strike="noStrike">
+                        <a:solidFill>
+                          <a:srgbClr val="000000"/>
+                        </a:solidFill>
+                        <a:effectLst/>
+                        <a:latin typeface="Calibri" panose="020F0502020204030204" pitchFamily="34" charset="0"/>
+                      </a:endParaRPr>
+                    </a:p>
+                  </a:txBody>
+                  <a:tcPr marL="9525" marR="9525" marT="9525" marB="0" anchor="b"/>
+                </a:tc>
+              </a:tr>
+              <a:tr h="190500">
+                <a:tc>
+                  <a:txBody>
+                    <a:bodyPr/>
+                    <a:lstStyle/>
+                    <a:p>
+                      <a:pPr algn="r" fontAlgn="b"/>
+                      <a:r>
+                        <a:rPr lang="de-DE" sz="1600" u="none" strike="noStrike" dirty="0">
+                          <a:effectLst/>
+                        </a:rPr>
+                        <a:t>3</a:t>
+                      </a:r>
+                      <a:endParaRPr lang="de-DE" sz="1600" b="0" i="0" u="none" strike="noStrike" dirty="0">
+                        <a:solidFill>
+                          <a:srgbClr val="000000"/>
+                        </a:solidFill>
+                        <a:effectLst/>
+                        <a:latin typeface="Calibri" panose="020F0502020204030204" pitchFamily="34" charset="0"/>
+                      </a:endParaRPr>
+                    </a:p>
+                  </a:txBody>
+                  <a:tcPr marL="9525" marR="9525" marT="9525" marB="0" anchor="b">
+                    <a:lnR w="12700" cap="flat" cmpd="sng" algn="ctr">
+                      <a:solidFill>
+                        <a:schemeClr val="tx1"/>
+                      </a:solidFill>
+                      <a:prstDash val="solid"/>
+                      <a:round/>
+                      <a:headEnd type="none" w="med" len="med"/>
+                      <a:tailEnd type="none" w="med" len="med"/>
+                    </a:lnR>
+                  </a:tcPr>
+                </a:tc>
+                <a:tc>
+                  <a:txBody>
+                    <a:bodyPr/>
+                    <a:lstStyle/>
+                    <a:p>
+                      <a:pPr algn="r" fontAlgn="b"/>
+                      <a:r>
+                        <a:rPr lang="de-DE" sz="1600" u="none" strike="noStrike" dirty="0">
+                          <a:effectLst/>
+                        </a:rPr>
+                        <a:t>12</a:t>
+                      </a:r>
+                      <a:endParaRPr lang="de-DE" sz="1600" b="0" i="0" u="none" strike="noStrike" dirty="0">
+                        <a:solidFill>
+                          <a:srgbClr val="000000"/>
+                        </a:solidFill>
+                        <a:effectLst/>
+                        <a:latin typeface="Calibri" panose="020F0502020204030204" pitchFamily="34" charset="0"/>
+                      </a:endParaRPr>
+                    </a:p>
+                  </a:txBody>
+                  <a:tcPr marL="9525" marR="9525" marT="9525" marB="0" anchor="b">
+                    <a:lnL w="12700" cap="flat" cmpd="sng" algn="ctr">
+                      <a:solidFill>
+                        <a:schemeClr val="tx1"/>
+                      </a:solidFill>
+                      <a:prstDash val="solid"/>
+                      <a:round/>
+                      <a:headEnd type="none" w="med" len="med"/>
+                      <a:tailEnd type="none" w="med" len="med"/>
+                    </a:lnL>
+                  </a:tcPr>
+                </a:tc>
+                <a:tc>
+                  <a:txBody>
+                    <a:bodyPr/>
+                    <a:lstStyle/>
+                    <a:p>
+                      <a:pPr algn="r" fontAlgn="b"/>
+                      <a:r>
+                        <a:rPr lang="de-DE" sz="1600" u="none" strike="noStrike">
+                          <a:effectLst/>
+                        </a:rPr>
+                        <a:t>1</a:t>
+                      </a:r>
+                      <a:endParaRPr lang="de-DE" sz="1600" b="0" i="0" u="none" strike="noStrike">
+                        <a:solidFill>
+                          <a:srgbClr val="000000"/>
+                        </a:solidFill>
+                        <a:effectLst/>
+                        <a:latin typeface="Calibri" panose="020F0502020204030204" pitchFamily="34" charset="0"/>
+                      </a:endParaRPr>
+                    </a:p>
+                  </a:txBody>
+                  <a:tcPr marL="9525" marR="9525" marT="9525" marB="0" anchor="b"/>
+                </a:tc>
+                <a:tc>
+                  <a:txBody>
+                    <a:bodyPr/>
+                    <a:lstStyle/>
+                    <a:p>
+                      <a:pPr algn="r" fontAlgn="b"/>
+                      <a:r>
+                        <a:rPr lang="de-DE" sz="1600" u="none" strike="noStrike">
+                          <a:effectLst/>
+                        </a:rPr>
+                        <a:t>2</a:t>
+                      </a:r>
+                      <a:endParaRPr lang="de-DE" sz="1600" b="0" i="0" u="none" strike="noStrike">
+                        <a:solidFill>
+                          <a:srgbClr val="000000"/>
+                        </a:solidFill>
+                        <a:effectLst/>
+                        <a:latin typeface="Calibri" panose="020F0502020204030204" pitchFamily="34" charset="0"/>
+                      </a:endParaRPr>
+                    </a:p>
+                  </a:txBody>
+                  <a:tcPr marL="9525" marR="9525" marT="9525" marB="0" anchor="b"/>
+                </a:tc>
+                <a:tc>
+                  <a:txBody>
+                    <a:bodyPr/>
+                    <a:lstStyle/>
+                    <a:p>
+                      <a:pPr algn="r" fontAlgn="b"/>
+                      <a:r>
+                        <a:rPr lang="de-DE" sz="1600" u="none" strike="noStrike">
+                          <a:effectLst/>
+                        </a:rPr>
+                        <a:t>84,62%</a:t>
+                      </a:r>
+                      <a:endParaRPr lang="de-DE" sz="1600" b="0" i="0" u="none" strike="noStrike">
+                        <a:solidFill>
+                          <a:srgbClr val="000000"/>
+                        </a:solidFill>
+                        <a:effectLst/>
+                        <a:latin typeface="Calibri" panose="020F0502020204030204" pitchFamily="34" charset="0"/>
+                      </a:endParaRPr>
+                    </a:p>
+                  </a:txBody>
+                  <a:tcPr marL="9525" marR="9525" marT="9525" marB="0" anchor="b"/>
+                </a:tc>
+                <a:tc>
+                  <a:txBody>
+                    <a:bodyPr/>
+                    <a:lstStyle/>
+                    <a:p>
+                      <a:pPr algn="r" fontAlgn="b"/>
+                      <a:r>
+                        <a:rPr lang="de-DE" sz="1600" u="none" strike="noStrike">
+                          <a:effectLst/>
+                        </a:rPr>
+                        <a:t>2763</a:t>
+                      </a:r>
+                      <a:endParaRPr lang="de-DE" sz="1600" b="0" i="0" u="none" strike="noStrike">
+                        <a:solidFill>
+                          <a:srgbClr val="000000"/>
+                        </a:solidFill>
+                        <a:effectLst/>
+                        <a:latin typeface="Calibri" panose="020F0502020204030204" pitchFamily="34" charset="0"/>
+                      </a:endParaRPr>
+                    </a:p>
+                  </a:txBody>
+                  <a:tcPr marL="9525" marR="9525" marT="9525" marB="0" anchor="b"/>
+                </a:tc>
+              </a:tr>
+              <a:tr h="190500">
+                <a:tc>
+                  <a:txBody>
+                    <a:bodyPr/>
+                    <a:lstStyle/>
+                    <a:p>
+                      <a:pPr algn="r" fontAlgn="b"/>
+                      <a:r>
+                        <a:rPr lang="de-DE" sz="1600" u="none" strike="noStrike" dirty="0">
+                          <a:effectLst/>
+                        </a:rPr>
+                        <a:t>4</a:t>
+                      </a:r>
+                      <a:endParaRPr lang="de-DE" sz="1600" b="0" i="0" u="none" strike="noStrike" dirty="0">
+                        <a:solidFill>
+                          <a:srgbClr val="000000"/>
+                        </a:solidFill>
+                        <a:effectLst/>
+                        <a:latin typeface="Calibri" panose="020F0502020204030204" pitchFamily="34" charset="0"/>
+                      </a:endParaRPr>
+                    </a:p>
+                  </a:txBody>
+                  <a:tcPr marL="9525" marR="9525" marT="9525" marB="0" anchor="b">
+                    <a:lnR w="12700" cap="flat" cmpd="sng" algn="ctr">
+                      <a:solidFill>
+                        <a:schemeClr val="tx1"/>
+                      </a:solidFill>
+                      <a:prstDash val="solid"/>
+                      <a:round/>
+                      <a:headEnd type="none" w="med" len="med"/>
+                      <a:tailEnd type="none" w="med" len="med"/>
+                    </a:lnR>
+                  </a:tcPr>
+                </a:tc>
+                <a:tc>
+                  <a:txBody>
+                    <a:bodyPr/>
+                    <a:lstStyle/>
+                    <a:p>
+                      <a:pPr algn="r" fontAlgn="b"/>
+                      <a:r>
+                        <a:rPr lang="de-DE" sz="1600" u="none" strike="noStrike" dirty="0">
+                          <a:effectLst/>
+                        </a:rPr>
+                        <a:t>9</a:t>
+                      </a:r>
+                      <a:endParaRPr lang="de-DE" sz="1600" b="0" i="0" u="none" strike="noStrike" dirty="0">
+                        <a:solidFill>
+                          <a:srgbClr val="000000"/>
+                        </a:solidFill>
+                        <a:effectLst/>
+                        <a:latin typeface="Calibri" panose="020F0502020204030204" pitchFamily="34" charset="0"/>
+                      </a:endParaRPr>
+                    </a:p>
+                  </a:txBody>
+                  <a:tcPr marL="9525" marR="9525" marT="9525" marB="0" anchor="b">
+                    <a:lnL w="12700" cap="flat" cmpd="sng" algn="ctr">
+                      <a:solidFill>
+                        <a:schemeClr val="tx1"/>
+                      </a:solidFill>
+                      <a:prstDash val="solid"/>
+                      <a:round/>
+                      <a:headEnd type="none" w="med" len="med"/>
+                      <a:tailEnd type="none" w="med" len="med"/>
+                    </a:lnL>
+                  </a:tcPr>
+                </a:tc>
+                <a:tc>
+                  <a:txBody>
+                    <a:bodyPr/>
+                    <a:lstStyle/>
+                    <a:p>
+                      <a:pPr algn="r" fontAlgn="b"/>
+                      <a:r>
+                        <a:rPr lang="de-DE" sz="1600" u="none" strike="noStrike">
+                          <a:effectLst/>
+                        </a:rPr>
+                        <a:t>0</a:t>
+                      </a:r>
+                      <a:endParaRPr lang="de-DE" sz="1600" b="0" i="0" u="none" strike="noStrike">
+                        <a:solidFill>
+                          <a:srgbClr val="000000"/>
+                        </a:solidFill>
+                        <a:effectLst/>
+                        <a:latin typeface="Calibri" panose="020F0502020204030204" pitchFamily="34" charset="0"/>
+                      </a:endParaRPr>
+                    </a:p>
+                  </a:txBody>
+                  <a:tcPr marL="9525" marR="9525" marT="9525" marB="0" anchor="b"/>
+                </a:tc>
+                <a:tc>
+                  <a:txBody>
+                    <a:bodyPr/>
+                    <a:lstStyle/>
+                    <a:p>
+                      <a:pPr algn="r" fontAlgn="b"/>
+                      <a:r>
+                        <a:rPr lang="de-DE" sz="1600" u="none" strike="noStrike">
+                          <a:effectLst/>
+                        </a:rPr>
+                        <a:t>2</a:t>
+                      </a:r>
+                      <a:endParaRPr lang="de-DE" sz="1600" b="0" i="0" u="none" strike="noStrike">
+                        <a:solidFill>
+                          <a:srgbClr val="000000"/>
+                        </a:solidFill>
+                        <a:effectLst/>
+                        <a:latin typeface="Calibri" panose="020F0502020204030204" pitchFamily="34" charset="0"/>
+                      </a:endParaRPr>
+                    </a:p>
+                  </a:txBody>
+                  <a:tcPr marL="9525" marR="9525" marT="9525" marB="0" anchor="b"/>
+                </a:tc>
+                <a:tc>
+                  <a:txBody>
+                    <a:bodyPr/>
+                    <a:lstStyle/>
+                    <a:p>
+                      <a:pPr algn="r" fontAlgn="b"/>
+                      <a:r>
+                        <a:rPr lang="de-DE" sz="1600" u="none" strike="noStrike">
+                          <a:effectLst/>
+                        </a:rPr>
+                        <a:t>81,82%</a:t>
+                      </a:r>
+                      <a:endParaRPr lang="de-DE" sz="1600" b="0" i="0" u="none" strike="noStrike">
+                        <a:solidFill>
+                          <a:srgbClr val="000000"/>
+                        </a:solidFill>
+                        <a:effectLst/>
+                        <a:latin typeface="Calibri" panose="020F0502020204030204" pitchFamily="34" charset="0"/>
+                      </a:endParaRPr>
+                    </a:p>
+                  </a:txBody>
+                  <a:tcPr marL="9525" marR="9525" marT="9525" marB="0" anchor="b"/>
+                </a:tc>
+                <a:tc>
+                  <a:txBody>
+                    <a:bodyPr/>
+                    <a:lstStyle/>
+                    <a:p>
+                      <a:pPr algn="r" fontAlgn="b"/>
+                      <a:r>
+                        <a:rPr lang="de-DE" sz="1600" u="none" strike="noStrike">
+                          <a:effectLst/>
+                        </a:rPr>
+                        <a:t>2956</a:t>
+                      </a:r>
+                      <a:endParaRPr lang="de-DE" sz="1600" b="0" i="0" u="none" strike="noStrike">
+                        <a:solidFill>
+                          <a:srgbClr val="000000"/>
+                        </a:solidFill>
+                        <a:effectLst/>
+                        <a:latin typeface="Calibri" panose="020F0502020204030204" pitchFamily="34" charset="0"/>
+                      </a:endParaRPr>
+                    </a:p>
+                  </a:txBody>
+                  <a:tcPr marL="9525" marR="9525" marT="9525" marB="0" anchor="b"/>
+                </a:tc>
+              </a:tr>
+              <a:tr h="190500">
+                <a:tc>
+                  <a:txBody>
+                    <a:bodyPr/>
+                    <a:lstStyle/>
+                    <a:p>
+                      <a:pPr algn="r" fontAlgn="b"/>
+                      <a:r>
+                        <a:rPr lang="de-DE" sz="1600" u="none" strike="noStrike" dirty="0">
+                          <a:effectLst/>
+                        </a:rPr>
+                        <a:t>5</a:t>
+                      </a:r>
+                      <a:endParaRPr lang="de-DE" sz="1600" b="0" i="0" u="none" strike="noStrike" dirty="0">
+                        <a:solidFill>
+                          <a:srgbClr val="000000"/>
+                        </a:solidFill>
+                        <a:effectLst/>
+                        <a:latin typeface="Calibri" panose="020F0502020204030204" pitchFamily="34" charset="0"/>
+                      </a:endParaRPr>
+                    </a:p>
+                  </a:txBody>
+                  <a:tcPr marL="9525" marR="9525" marT="9525" marB="0" anchor="b">
+                    <a:lnR w="12700" cap="flat" cmpd="sng" algn="ctr">
+                      <a:solidFill>
+                        <a:schemeClr val="tx1"/>
+                      </a:solidFill>
+                      <a:prstDash val="solid"/>
+                      <a:round/>
+                      <a:headEnd type="none" w="med" len="med"/>
+                      <a:tailEnd type="none" w="med" len="med"/>
+                    </a:lnR>
+                  </a:tcPr>
+                </a:tc>
+                <a:tc>
+                  <a:txBody>
+                    <a:bodyPr/>
+                    <a:lstStyle/>
+                    <a:p>
+                      <a:pPr algn="r" fontAlgn="b"/>
+                      <a:r>
+                        <a:rPr lang="de-DE" sz="1600" u="none" strike="noStrike" dirty="0">
+                          <a:effectLst/>
+                        </a:rPr>
+                        <a:t>10</a:t>
+                      </a:r>
+                      <a:endParaRPr lang="de-DE" sz="1600" b="0" i="0" u="none" strike="noStrike" dirty="0">
+                        <a:solidFill>
+                          <a:srgbClr val="000000"/>
+                        </a:solidFill>
+                        <a:effectLst/>
+                        <a:latin typeface="Calibri" panose="020F0502020204030204" pitchFamily="34" charset="0"/>
+                      </a:endParaRPr>
+                    </a:p>
+                  </a:txBody>
+                  <a:tcPr marL="9525" marR="9525" marT="9525" marB="0" anchor="b">
+                    <a:lnL w="12700" cap="flat" cmpd="sng" algn="ctr">
+                      <a:solidFill>
+                        <a:schemeClr val="tx1"/>
+                      </a:solidFill>
+                      <a:prstDash val="solid"/>
+                      <a:round/>
+                      <a:headEnd type="none" w="med" len="med"/>
+                      <a:tailEnd type="none" w="med" len="med"/>
+                    </a:lnL>
+                  </a:tcPr>
+                </a:tc>
+                <a:tc>
+                  <a:txBody>
+                    <a:bodyPr/>
+                    <a:lstStyle/>
+                    <a:p>
+                      <a:pPr algn="r" fontAlgn="b"/>
+                      <a:r>
+                        <a:rPr lang="de-DE" sz="1600" u="none" strike="noStrike">
+                          <a:effectLst/>
+                        </a:rPr>
+                        <a:t>2</a:t>
+                      </a:r>
+                      <a:endParaRPr lang="de-DE" sz="1600" b="0" i="0" u="none" strike="noStrike">
+                        <a:solidFill>
+                          <a:srgbClr val="000000"/>
+                        </a:solidFill>
+                        <a:effectLst/>
+                        <a:latin typeface="Calibri" panose="020F0502020204030204" pitchFamily="34" charset="0"/>
+                      </a:endParaRPr>
+                    </a:p>
+                  </a:txBody>
+                  <a:tcPr marL="9525" marR="9525" marT="9525" marB="0" anchor="b"/>
+                </a:tc>
+                <a:tc>
+                  <a:txBody>
+                    <a:bodyPr/>
+                    <a:lstStyle/>
+                    <a:p>
+                      <a:pPr algn="r" fontAlgn="b"/>
+                      <a:r>
+                        <a:rPr lang="de-DE" sz="1600" u="none" strike="noStrike">
+                          <a:effectLst/>
+                        </a:rPr>
+                        <a:t>2</a:t>
+                      </a:r>
+                      <a:endParaRPr lang="de-DE" sz="1600" b="0" i="0" u="none" strike="noStrike">
+                        <a:solidFill>
+                          <a:srgbClr val="000000"/>
+                        </a:solidFill>
+                        <a:effectLst/>
+                        <a:latin typeface="Calibri" panose="020F0502020204030204" pitchFamily="34" charset="0"/>
+                      </a:endParaRPr>
+                    </a:p>
+                  </a:txBody>
+                  <a:tcPr marL="9525" marR="9525" marT="9525" marB="0" anchor="b"/>
+                </a:tc>
+                <a:tc>
+                  <a:txBody>
+                    <a:bodyPr/>
+                    <a:lstStyle/>
+                    <a:p>
+                      <a:pPr algn="r" fontAlgn="b"/>
+                      <a:r>
+                        <a:rPr lang="de-DE" sz="1600" u="none" strike="noStrike">
+                          <a:effectLst/>
+                        </a:rPr>
+                        <a:t>80,00%</a:t>
+                      </a:r>
+                      <a:endParaRPr lang="de-DE" sz="1600" b="0" i="0" u="none" strike="noStrike">
+                        <a:solidFill>
+                          <a:srgbClr val="000000"/>
+                        </a:solidFill>
+                        <a:effectLst/>
+                        <a:latin typeface="Calibri" panose="020F0502020204030204" pitchFamily="34" charset="0"/>
+                      </a:endParaRPr>
+                    </a:p>
+                  </a:txBody>
+                  <a:tcPr marL="9525" marR="9525" marT="9525" marB="0" anchor="b"/>
+                </a:tc>
+                <a:tc>
+                  <a:txBody>
+                    <a:bodyPr/>
+                    <a:lstStyle/>
+                    <a:p>
+                      <a:pPr algn="r" fontAlgn="b"/>
+                      <a:r>
+                        <a:rPr lang="de-DE" sz="1600" u="none" strike="noStrike">
+                          <a:effectLst/>
+                        </a:rPr>
+                        <a:t>2949</a:t>
+                      </a:r>
+                      <a:endParaRPr lang="de-DE" sz="1600" b="0" i="0" u="none" strike="noStrike">
+                        <a:solidFill>
+                          <a:srgbClr val="000000"/>
+                        </a:solidFill>
+                        <a:effectLst/>
+                        <a:latin typeface="Calibri" panose="020F0502020204030204" pitchFamily="34" charset="0"/>
+                      </a:endParaRPr>
+                    </a:p>
+                  </a:txBody>
+                  <a:tcPr marL="9525" marR="9525" marT="9525" marB="0" anchor="b"/>
+                </a:tc>
+              </a:tr>
+              <a:tr h="190500">
+                <a:tc>
+                  <a:txBody>
+                    <a:bodyPr/>
+                    <a:lstStyle/>
+                    <a:p>
+                      <a:pPr algn="r" fontAlgn="b"/>
+                      <a:r>
+                        <a:rPr lang="de-DE" sz="1600" u="none" strike="noStrike" dirty="0">
+                          <a:effectLst/>
+                        </a:rPr>
+                        <a:t>6</a:t>
+                      </a:r>
+                      <a:endParaRPr lang="de-DE" sz="1600" b="0" i="0" u="none" strike="noStrike" dirty="0">
+                        <a:solidFill>
+                          <a:srgbClr val="000000"/>
+                        </a:solidFill>
+                        <a:effectLst/>
+                        <a:latin typeface="Calibri" panose="020F0502020204030204" pitchFamily="34" charset="0"/>
+                      </a:endParaRPr>
+                    </a:p>
+                  </a:txBody>
+                  <a:tcPr marL="9525" marR="9525" marT="9525" marB="0" anchor="b">
+                    <a:lnR w="12700" cap="flat" cmpd="sng" algn="ctr">
+                      <a:solidFill>
+                        <a:schemeClr val="tx1"/>
+                      </a:solidFill>
+                      <a:prstDash val="solid"/>
+                      <a:round/>
+                      <a:headEnd type="none" w="med" len="med"/>
+                      <a:tailEnd type="none" w="med" len="med"/>
+                    </a:lnR>
+                  </a:tcPr>
+                </a:tc>
+                <a:tc>
+                  <a:txBody>
+                    <a:bodyPr/>
+                    <a:lstStyle/>
+                    <a:p>
+                      <a:pPr algn="r" fontAlgn="b"/>
+                      <a:r>
+                        <a:rPr lang="de-DE" sz="1600" u="none" strike="noStrike" dirty="0">
+                          <a:effectLst/>
+                        </a:rPr>
+                        <a:t>10</a:t>
+                      </a:r>
+                      <a:endParaRPr lang="de-DE" sz="1600" b="0" i="0" u="none" strike="noStrike" dirty="0">
+                        <a:solidFill>
+                          <a:srgbClr val="000000"/>
+                        </a:solidFill>
+                        <a:effectLst/>
+                        <a:latin typeface="Calibri" panose="020F0502020204030204" pitchFamily="34" charset="0"/>
+                      </a:endParaRPr>
+                    </a:p>
+                  </a:txBody>
+                  <a:tcPr marL="9525" marR="9525" marT="9525" marB="0" anchor="b">
+                    <a:lnL w="12700" cap="flat" cmpd="sng" algn="ctr">
+                      <a:solidFill>
+                        <a:schemeClr val="tx1"/>
+                      </a:solidFill>
+                      <a:prstDash val="solid"/>
+                      <a:round/>
+                      <a:headEnd type="none" w="med" len="med"/>
+                      <a:tailEnd type="none" w="med" len="med"/>
+                    </a:lnL>
+                  </a:tcPr>
+                </a:tc>
+                <a:tc>
+                  <a:txBody>
+                    <a:bodyPr/>
+                    <a:lstStyle/>
+                    <a:p>
+                      <a:pPr algn="r" fontAlgn="b"/>
+                      <a:r>
+                        <a:rPr lang="de-DE" sz="1600" u="none" strike="noStrike" dirty="0">
+                          <a:effectLst/>
+                        </a:rPr>
+                        <a:t>0</a:t>
+                      </a:r>
+                      <a:endParaRPr lang="de-DE" sz="1600" b="0" i="0" u="none" strike="noStrike" dirty="0">
+                        <a:solidFill>
+                          <a:srgbClr val="000000"/>
+                        </a:solidFill>
+                        <a:effectLst/>
+                        <a:latin typeface="Calibri" panose="020F0502020204030204" pitchFamily="34" charset="0"/>
+                      </a:endParaRPr>
+                    </a:p>
+                  </a:txBody>
+                  <a:tcPr marL="9525" marR="9525" marT="9525" marB="0" anchor="b"/>
+                </a:tc>
+                <a:tc>
+                  <a:txBody>
+                    <a:bodyPr/>
+                    <a:lstStyle/>
+                    <a:p>
+                      <a:pPr algn="r" fontAlgn="b"/>
+                      <a:r>
+                        <a:rPr lang="de-DE" sz="1600" u="none" strike="noStrike">
+                          <a:effectLst/>
+                        </a:rPr>
+                        <a:t>3</a:t>
+                      </a:r>
+                      <a:endParaRPr lang="de-DE" sz="1600" b="0" i="0" u="none" strike="noStrike">
+                        <a:solidFill>
+                          <a:srgbClr val="000000"/>
+                        </a:solidFill>
+                        <a:effectLst/>
+                        <a:latin typeface="Calibri" panose="020F0502020204030204" pitchFamily="34" charset="0"/>
+                      </a:endParaRPr>
+                    </a:p>
+                  </a:txBody>
+                  <a:tcPr marL="9525" marR="9525" marT="9525" marB="0" anchor="b"/>
+                </a:tc>
+                <a:tc>
+                  <a:txBody>
+                    <a:bodyPr/>
+                    <a:lstStyle/>
+                    <a:p>
+                      <a:pPr algn="r" fontAlgn="b"/>
+                      <a:r>
+                        <a:rPr lang="de-DE" sz="1600" u="none" strike="noStrike">
+                          <a:effectLst/>
+                        </a:rPr>
+                        <a:t>76,92%</a:t>
+                      </a:r>
+                      <a:endParaRPr lang="de-DE" sz="1600" b="0" i="0" u="none" strike="noStrike">
+                        <a:solidFill>
+                          <a:srgbClr val="000000"/>
+                        </a:solidFill>
+                        <a:effectLst/>
+                        <a:latin typeface="Calibri" panose="020F0502020204030204" pitchFamily="34" charset="0"/>
+                      </a:endParaRPr>
+                    </a:p>
+                  </a:txBody>
+                  <a:tcPr marL="9525" marR="9525" marT="9525" marB="0" anchor="b"/>
+                </a:tc>
+                <a:tc>
+                  <a:txBody>
+                    <a:bodyPr/>
+                    <a:lstStyle/>
+                    <a:p>
+                      <a:pPr algn="r" fontAlgn="b"/>
+                      <a:r>
+                        <a:rPr lang="de-DE" sz="1600" u="none" strike="noStrike">
+                          <a:effectLst/>
+                        </a:rPr>
+                        <a:t>3246</a:t>
+                      </a:r>
+                      <a:endParaRPr lang="de-DE" sz="1600" b="0" i="0" u="none" strike="noStrike">
+                        <a:solidFill>
+                          <a:srgbClr val="000000"/>
+                        </a:solidFill>
+                        <a:effectLst/>
+                        <a:latin typeface="Calibri" panose="020F0502020204030204" pitchFamily="34" charset="0"/>
+                      </a:endParaRPr>
+                    </a:p>
+                  </a:txBody>
+                  <a:tcPr marL="9525" marR="9525" marT="9525" marB="0" anchor="b"/>
+                </a:tc>
+              </a:tr>
+              <a:tr h="190500">
+                <a:tc>
+                  <a:txBody>
+                    <a:bodyPr/>
+                    <a:lstStyle/>
+                    <a:p>
+                      <a:pPr algn="r" fontAlgn="b"/>
+                      <a:r>
+                        <a:rPr lang="de-DE" sz="1600" u="none" strike="noStrike" dirty="0">
+                          <a:effectLst/>
+                        </a:rPr>
+                        <a:t>7</a:t>
+                      </a:r>
+                      <a:endParaRPr lang="de-DE" sz="1600" b="0" i="0" u="none" strike="noStrike" dirty="0">
+                        <a:solidFill>
+                          <a:srgbClr val="000000"/>
+                        </a:solidFill>
+                        <a:effectLst/>
+                        <a:latin typeface="Calibri" panose="020F0502020204030204" pitchFamily="34" charset="0"/>
+                      </a:endParaRPr>
+                    </a:p>
+                  </a:txBody>
+                  <a:tcPr marL="9525" marR="9525" marT="9525" marB="0" anchor="b">
+                    <a:lnR w="12700" cap="flat" cmpd="sng" algn="ctr">
+                      <a:solidFill>
+                        <a:schemeClr val="tx1"/>
+                      </a:solidFill>
+                      <a:prstDash val="solid"/>
+                      <a:round/>
+                      <a:headEnd type="none" w="med" len="med"/>
+                      <a:tailEnd type="none" w="med" len="med"/>
+                    </a:lnR>
+                  </a:tcPr>
+                </a:tc>
+                <a:tc>
+                  <a:txBody>
+                    <a:bodyPr/>
+                    <a:lstStyle/>
+                    <a:p>
+                      <a:pPr algn="r" fontAlgn="b"/>
+                      <a:r>
+                        <a:rPr lang="de-DE" sz="1600" u="none" strike="noStrike">
+                          <a:effectLst/>
+                        </a:rPr>
+                        <a:t>10</a:t>
+                      </a:r>
+                      <a:endParaRPr lang="de-DE" sz="1600" b="0" i="0" u="none" strike="noStrike">
+                        <a:solidFill>
+                          <a:srgbClr val="000000"/>
+                        </a:solidFill>
+                        <a:effectLst/>
+                        <a:latin typeface="Calibri" panose="020F0502020204030204" pitchFamily="34" charset="0"/>
+                      </a:endParaRPr>
+                    </a:p>
+                  </a:txBody>
+                  <a:tcPr marL="9525" marR="9525" marT="9525" marB="0" anchor="b">
+                    <a:lnL w="12700" cap="flat" cmpd="sng" algn="ctr">
+                      <a:solidFill>
+                        <a:schemeClr val="tx1"/>
+                      </a:solidFill>
+                      <a:prstDash val="solid"/>
+                      <a:round/>
+                      <a:headEnd type="none" w="med" len="med"/>
+                      <a:tailEnd type="none" w="med" len="med"/>
+                    </a:lnL>
+                  </a:tcPr>
+                </a:tc>
+                <a:tc>
+                  <a:txBody>
+                    <a:bodyPr/>
+                    <a:lstStyle/>
+                    <a:p>
+                      <a:pPr algn="r" fontAlgn="b"/>
+                      <a:r>
+                        <a:rPr lang="de-DE" sz="1600" u="none" strike="noStrike" dirty="0">
+                          <a:effectLst/>
+                        </a:rPr>
+                        <a:t>0</a:t>
+                      </a:r>
+                      <a:endParaRPr lang="de-DE" sz="1600" b="0" i="0" u="none" strike="noStrike" dirty="0">
+                        <a:solidFill>
+                          <a:srgbClr val="000000"/>
+                        </a:solidFill>
+                        <a:effectLst/>
+                        <a:latin typeface="Calibri" panose="020F0502020204030204" pitchFamily="34" charset="0"/>
+                      </a:endParaRPr>
+                    </a:p>
+                  </a:txBody>
+                  <a:tcPr marL="9525" marR="9525" marT="9525" marB="0" anchor="b"/>
+                </a:tc>
+                <a:tc>
+                  <a:txBody>
+                    <a:bodyPr/>
+                    <a:lstStyle/>
+                    <a:p>
+                      <a:pPr algn="r" fontAlgn="b"/>
+                      <a:r>
+                        <a:rPr lang="de-DE" sz="1600" u="none" strike="noStrike">
+                          <a:effectLst/>
+                        </a:rPr>
+                        <a:t>1</a:t>
+                      </a:r>
+                      <a:endParaRPr lang="de-DE" sz="1600" b="0" i="0" u="none" strike="noStrike">
+                        <a:solidFill>
+                          <a:srgbClr val="000000"/>
+                        </a:solidFill>
+                        <a:effectLst/>
+                        <a:latin typeface="Calibri" panose="020F0502020204030204" pitchFamily="34" charset="0"/>
+                      </a:endParaRPr>
+                    </a:p>
+                  </a:txBody>
+                  <a:tcPr marL="9525" marR="9525" marT="9525" marB="0" anchor="b"/>
+                </a:tc>
+                <a:tc>
+                  <a:txBody>
+                    <a:bodyPr/>
+                    <a:lstStyle/>
+                    <a:p>
+                      <a:pPr algn="r" fontAlgn="b"/>
+                      <a:r>
+                        <a:rPr lang="de-DE" sz="1600" u="none" strike="noStrike">
+                          <a:effectLst/>
+                        </a:rPr>
+                        <a:t>90,91%</a:t>
+                      </a:r>
+                      <a:endParaRPr lang="de-DE" sz="1600" b="0" i="0" u="none" strike="noStrike">
+                        <a:solidFill>
+                          <a:srgbClr val="000000"/>
+                        </a:solidFill>
+                        <a:effectLst/>
+                        <a:latin typeface="Calibri" panose="020F0502020204030204" pitchFamily="34" charset="0"/>
+                      </a:endParaRPr>
+                    </a:p>
+                  </a:txBody>
+                  <a:tcPr marL="9525" marR="9525" marT="9525" marB="0" anchor="b"/>
+                </a:tc>
+                <a:tc>
+                  <a:txBody>
+                    <a:bodyPr/>
+                    <a:lstStyle/>
+                    <a:p>
+                      <a:pPr algn="r" fontAlgn="b"/>
+                      <a:r>
+                        <a:rPr lang="de-DE" sz="1600" u="none" strike="noStrike">
+                          <a:effectLst/>
+                        </a:rPr>
+                        <a:t>2831</a:t>
+                      </a:r>
+                      <a:endParaRPr lang="de-DE" sz="1600" b="0" i="0" u="none" strike="noStrike">
+                        <a:solidFill>
+                          <a:srgbClr val="000000"/>
+                        </a:solidFill>
+                        <a:effectLst/>
+                        <a:latin typeface="Calibri" panose="020F0502020204030204" pitchFamily="34" charset="0"/>
+                      </a:endParaRPr>
+                    </a:p>
+                  </a:txBody>
+                  <a:tcPr marL="9525" marR="9525" marT="9525" marB="0" anchor="b"/>
+                </a:tc>
+              </a:tr>
+              <a:tr h="190500">
+                <a:tc>
+                  <a:txBody>
+                    <a:bodyPr/>
+                    <a:lstStyle/>
+                    <a:p>
+                      <a:pPr algn="r" fontAlgn="b"/>
+                      <a:r>
+                        <a:rPr lang="de-DE" sz="1600" u="none" strike="noStrike" dirty="0">
+                          <a:effectLst/>
+                        </a:rPr>
+                        <a:t>8</a:t>
+                      </a:r>
+                      <a:endParaRPr lang="de-DE" sz="1600" b="0" i="0" u="none" strike="noStrike" dirty="0">
+                        <a:solidFill>
+                          <a:srgbClr val="000000"/>
+                        </a:solidFill>
+                        <a:effectLst/>
+                        <a:latin typeface="Calibri" panose="020F0502020204030204" pitchFamily="34" charset="0"/>
+                      </a:endParaRPr>
+                    </a:p>
+                  </a:txBody>
+                  <a:tcPr marL="9525" marR="9525" marT="9525" marB="0" anchor="b">
+                    <a:lnR w="12700" cap="flat" cmpd="sng" algn="ctr">
+                      <a:solidFill>
+                        <a:schemeClr val="tx1"/>
+                      </a:solidFill>
+                      <a:prstDash val="solid"/>
+                      <a:round/>
+                      <a:headEnd type="none" w="med" len="med"/>
+                      <a:tailEnd type="none" w="med" len="med"/>
+                    </a:lnR>
+                  </a:tcPr>
+                </a:tc>
+                <a:tc>
+                  <a:txBody>
+                    <a:bodyPr/>
+                    <a:lstStyle/>
+                    <a:p>
+                      <a:pPr algn="r" fontAlgn="b"/>
+                      <a:r>
+                        <a:rPr lang="de-DE" sz="1600" u="none" strike="noStrike">
+                          <a:effectLst/>
+                        </a:rPr>
+                        <a:t>11</a:t>
+                      </a:r>
+                      <a:endParaRPr lang="de-DE" sz="1600" b="0" i="0" u="none" strike="noStrike">
+                        <a:solidFill>
+                          <a:srgbClr val="000000"/>
+                        </a:solidFill>
+                        <a:effectLst/>
+                        <a:latin typeface="Calibri" panose="020F0502020204030204" pitchFamily="34" charset="0"/>
+                      </a:endParaRPr>
+                    </a:p>
+                  </a:txBody>
+                  <a:tcPr marL="9525" marR="9525" marT="9525" marB="0" anchor="b">
+                    <a:lnL w="12700" cap="flat" cmpd="sng" algn="ctr">
+                      <a:solidFill>
+                        <a:schemeClr val="tx1"/>
+                      </a:solidFill>
+                      <a:prstDash val="solid"/>
+                      <a:round/>
+                      <a:headEnd type="none" w="med" len="med"/>
+                      <a:tailEnd type="none" w="med" len="med"/>
+                    </a:lnL>
+                  </a:tcPr>
+                </a:tc>
+                <a:tc>
+                  <a:txBody>
+                    <a:bodyPr/>
+                    <a:lstStyle/>
+                    <a:p>
+                      <a:pPr algn="r" fontAlgn="b"/>
+                      <a:r>
+                        <a:rPr lang="de-DE" sz="1600" u="none" strike="noStrike" dirty="0">
+                          <a:effectLst/>
+                        </a:rPr>
+                        <a:t>0</a:t>
+                      </a:r>
+                      <a:endParaRPr lang="de-DE" sz="1600" b="0" i="0" u="none" strike="noStrike" dirty="0">
+                        <a:solidFill>
+                          <a:srgbClr val="000000"/>
+                        </a:solidFill>
+                        <a:effectLst/>
+                        <a:latin typeface="Calibri" panose="020F0502020204030204" pitchFamily="34" charset="0"/>
+                      </a:endParaRPr>
+                    </a:p>
+                  </a:txBody>
+                  <a:tcPr marL="9525" marR="9525" marT="9525" marB="0" anchor="b"/>
+                </a:tc>
+                <a:tc>
+                  <a:txBody>
+                    <a:bodyPr/>
+                    <a:lstStyle/>
+                    <a:p>
+                      <a:pPr algn="r" fontAlgn="b"/>
+                      <a:r>
+                        <a:rPr lang="de-DE" sz="1600" u="none" strike="noStrike">
+                          <a:effectLst/>
+                        </a:rPr>
+                        <a:t>8</a:t>
+                      </a:r>
+                      <a:endParaRPr lang="de-DE" sz="1600" b="0" i="0" u="none" strike="noStrike">
+                        <a:solidFill>
+                          <a:srgbClr val="000000"/>
+                        </a:solidFill>
+                        <a:effectLst/>
+                        <a:latin typeface="Calibri" panose="020F0502020204030204" pitchFamily="34" charset="0"/>
+                      </a:endParaRPr>
+                    </a:p>
+                  </a:txBody>
+                  <a:tcPr marL="9525" marR="9525" marT="9525" marB="0" anchor="b"/>
+                </a:tc>
+                <a:tc>
+                  <a:txBody>
+                    <a:bodyPr/>
+                    <a:lstStyle/>
+                    <a:p>
+                      <a:pPr algn="r" fontAlgn="b"/>
+                      <a:r>
+                        <a:rPr lang="de-DE" sz="1600" u="none" strike="noStrike">
+                          <a:effectLst/>
+                        </a:rPr>
+                        <a:t>57,89%</a:t>
+                      </a:r>
+                      <a:endParaRPr lang="de-DE" sz="1600" b="0" i="0" u="none" strike="noStrike">
+                        <a:solidFill>
+                          <a:srgbClr val="000000"/>
+                        </a:solidFill>
+                        <a:effectLst/>
+                        <a:latin typeface="Calibri" panose="020F0502020204030204" pitchFamily="34" charset="0"/>
+                      </a:endParaRPr>
+                    </a:p>
+                  </a:txBody>
+                  <a:tcPr marL="9525" marR="9525" marT="9525" marB="0" anchor="b"/>
+                </a:tc>
+                <a:tc>
+                  <a:txBody>
+                    <a:bodyPr/>
+                    <a:lstStyle/>
+                    <a:p>
+                      <a:pPr algn="r" fontAlgn="b"/>
+                      <a:r>
+                        <a:rPr lang="de-DE" sz="1600" u="none" strike="noStrike">
+                          <a:effectLst/>
+                        </a:rPr>
+                        <a:t>2484</a:t>
+                      </a:r>
+                      <a:endParaRPr lang="de-DE" sz="1600" b="0" i="0" u="none" strike="noStrike">
+                        <a:solidFill>
+                          <a:srgbClr val="000000"/>
+                        </a:solidFill>
+                        <a:effectLst/>
+                        <a:latin typeface="Calibri" panose="020F0502020204030204" pitchFamily="34" charset="0"/>
+                      </a:endParaRPr>
+                    </a:p>
+                  </a:txBody>
+                  <a:tcPr marL="9525" marR="9525" marT="9525" marB="0" anchor="b"/>
+                </a:tc>
+              </a:tr>
+              <a:tr h="190500">
+                <a:tc>
+                  <a:txBody>
+                    <a:bodyPr/>
+                    <a:lstStyle/>
+                    <a:p>
+                      <a:pPr algn="r" fontAlgn="b"/>
+                      <a:r>
+                        <a:rPr lang="de-DE" sz="1600" u="none" strike="noStrike" dirty="0">
+                          <a:effectLst/>
+                        </a:rPr>
+                        <a:t>9</a:t>
+                      </a:r>
+                      <a:endParaRPr lang="de-DE" sz="1600" b="0" i="0" u="none" strike="noStrike" dirty="0">
+                        <a:solidFill>
+                          <a:srgbClr val="000000"/>
+                        </a:solidFill>
+                        <a:effectLst/>
+                        <a:latin typeface="Calibri" panose="020F0502020204030204" pitchFamily="34" charset="0"/>
+                      </a:endParaRPr>
+                    </a:p>
+                  </a:txBody>
+                  <a:tcPr marL="9525" marR="9525" marT="9525" marB="0" anchor="b">
+                    <a:lnR w="12700" cap="flat" cmpd="sng" algn="ctr">
+                      <a:solidFill>
+                        <a:schemeClr val="tx1"/>
+                      </a:solidFill>
+                      <a:prstDash val="solid"/>
+                      <a:round/>
+                      <a:headEnd type="none" w="med" len="med"/>
+                      <a:tailEnd type="none" w="med" len="med"/>
+                    </a:lnR>
+                  </a:tcPr>
+                </a:tc>
+                <a:tc>
+                  <a:txBody>
+                    <a:bodyPr/>
+                    <a:lstStyle/>
+                    <a:p>
+                      <a:pPr algn="r" fontAlgn="b"/>
+                      <a:r>
+                        <a:rPr lang="de-DE" sz="1600" u="none" strike="noStrike">
+                          <a:effectLst/>
+                        </a:rPr>
+                        <a:t>8</a:t>
+                      </a:r>
+                      <a:endParaRPr lang="de-DE" sz="1600" b="0" i="0" u="none" strike="noStrike">
+                        <a:solidFill>
+                          <a:srgbClr val="000000"/>
+                        </a:solidFill>
+                        <a:effectLst/>
+                        <a:latin typeface="Calibri" panose="020F0502020204030204" pitchFamily="34" charset="0"/>
+                      </a:endParaRPr>
+                    </a:p>
+                  </a:txBody>
+                  <a:tcPr marL="9525" marR="9525" marT="9525" marB="0" anchor="b">
+                    <a:lnL w="12700" cap="flat" cmpd="sng" algn="ctr">
+                      <a:solidFill>
+                        <a:schemeClr val="tx1"/>
+                      </a:solidFill>
+                      <a:prstDash val="solid"/>
+                      <a:round/>
+                      <a:headEnd type="none" w="med" len="med"/>
+                      <a:tailEnd type="none" w="med" len="med"/>
+                    </a:lnL>
+                  </a:tcPr>
+                </a:tc>
+                <a:tc>
+                  <a:txBody>
+                    <a:bodyPr/>
+                    <a:lstStyle/>
+                    <a:p>
+                      <a:pPr algn="r" fontAlgn="b"/>
+                      <a:r>
+                        <a:rPr lang="de-DE" sz="1600" u="none" strike="noStrike" dirty="0">
+                          <a:effectLst/>
+                        </a:rPr>
+                        <a:t>0</a:t>
+                      </a:r>
+                      <a:endParaRPr lang="de-DE" sz="1600" b="0" i="0" u="none" strike="noStrike" dirty="0">
+                        <a:solidFill>
+                          <a:srgbClr val="000000"/>
+                        </a:solidFill>
+                        <a:effectLst/>
+                        <a:latin typeface="Calibri" panose="020F0502020204030204" pitchFamily="34" charset="0"/>
+                      </a:endParaRPr>
+                    </a:p>
+                  </a:txBody>
+                  <a:tcPr marL="9525" marR="9525" marT="9525" marB="0" anchor="b"/>
+                </a:tc>
+                <a:tc>
+                  <a:txBody>
+                    <a:bodyPr/>
+                    <a:lstStyle/>
+                    <a:p>
+                      <a:pPr algn="r" fontAlgn="b"/>
+                      <a:r>
+                        <a:rPr lang="de-DE" sz="1600" u="none" strike="noStrike" dirty="0">
+                          <a:effectLst/>
+                        </a:rPr>
+                        <a:t>1</a:t>
+                      </a:r>
+                      <a:endParaRPr lang="de-DE" sz="1600" b="0" i="0" u="none" strike="noStrike" dirty="0">
+                        <a:solidFill>
+                          <a:srgbClr val="000000"/>
+                        </a:solidFill>
+                        <a:effectLst/>
+                        <a:latin typeface="Calibri" panose="020F0502020204030204" pitchFamily="34" charset="0"/>
+                      </a:endParaRPr>
+                    </a:p>
+                  </a:txBody>
+                  <a:tcPr marL="9525" marR="9525" marT="9525" marB="0" anchor="b"/>
+                </a:tc>
+                <a:tc>
+                  <a:txBody>
+                    <a:bodyPr/>
+                    <a:lstStyle/>
+                    <a:p>
+                      <a:pPr algn="r" fontAlgn="b"/>
+                      <a:r>
+                        <a:rPr lang="de-DE" sz="1600" u="none" strike="noStrike">
+                          <a:effectLst/>
+                        </a:rPr>
+                        <a:t>88,89%</a:t>
+                      </a:r>
+                      <a:endParaRPr lang="de-DE" sz="1600" b="0" i="0" u="none" strike="noStrike">
+                        <a:solidFill>
+                          <a:srgbClr val="000000"/>
+                        </a:solidFill>
+                        <a:effectLst/>
+                        <a:latin typeface="Calibri" panose="020F0502020204030204" pitchFamily="34" charset="0"/>
+                      </a:endParaRPr>
+                    </a:p>
+                  </a:txBody>
+                  <a:tcPr marL="9525" marR="9525" marT="9525" marB="0" anchor="b"/>
+                </a:tc>
+                <a:tc>
+                  <a:txBody>
+                    <a:bodyPr/>
+                    <a:lstStyle/>
+                    <a:p>
+                      <a:pPr algn="r" fontAlgn="b"/>
+                      <a:r>
+                        <a:rPr lang="de-DE" sz="1600" u="none" strike="noStrike">
+                          <a:effectLst/>
+                        </a:rPr>
+                        <a:t>3074</a:t>
+                      </a:r>
+                      <a:endParaRPr lang="de-DE" sz="1600" b="0" i="0" u="none" strike="noStrike">
+                        <a:solidFill>
+                          <a:srgbClr val="000000"/>
+                        </a:solidFill>
+                        <a:effectLst/>
+                        <a:latin typeface="Calibri" panose="020F0502020204030204" pitchFamily="34" charset="0"/>
+                      </a:endParaRPr>
+                    </a:p>
+                  </a:txBody>
+                  <a:tcPr marL="9525" marR="9525" marT="9525" marB="0" anchor="b"/>
+                </a:tc>
+              </a:tr>
+              <a:tr h="190500">
+                <a:tc>
+                  <a:txBody>
+                    <a:bodyPr/>
+                    <a:lstStyle/>
+                    <a:p>
+                      <a:pPr algn="r" fontAlgn="b"/>
+                      <a:r>
+                        <a:rPr lang="de-DE" sz="1600" u="none" strike="noStrike" dirty="0">
+                          <a:effectLst/>
+                        </a:rPr>
+                        <a:t>10</a:t>
+                      </a:r>
+                      <a:endParaRPr lang="de-DE" sz="1600" b="0" i="0" u="none" strike="noStrike" dirty="0">
+                        <a:solidFill>
+                          <a:srgbClr val="000000"/>
+                        </a:solidFill>
+                        <a:effectLst/>
+                        <a:latin typeface="Calibri" panose="020F0502020204030204" pitchFamily="34" charset="0"/>
+                      </a:endParaRPr>
+                    </a:p>
+                  </a:txBody>
+                  <a:tcPr marL="9525" marR="9525" marT="9525" marB="0" anchor="b">
+                    <a:lnR w="12700" cap="flat" cmpd="sng" algn="ctr">
+                      <a:solidFill>
+                        <a:schemeClr val="tx1"/>
+                      </a:solidFill>
+                      <a:prstDash val="solid"/>
+                      <a:round/>
+                      <a:headEnd type="none" w="med" len="med"/>
+                      <a:tailEnd type="none" w="med" len="med"/>
+                    </a:lnR>
+                  </a:tcPr>
+                </a:tc>
+                <a:tc>
+                  <a:txBody>
+                    <a:bodyPr/>
+                    <a:lstStyle/>
+                    <a:p>
+                      <a:pPr algn="r" fontAlgn="b"/>
+                      <a:r>
+                        <a:rPr lang="de-DE" sz="1600" u="none" strike="noStrike">
+                          <a:effectLst/>
+                        </a:rPr>
+                        <a:t>17</a:t>
+                      </a:r>
+                      <a:endParaRPr lang="de-DE" sz="1600" b="0" i="0" u="none" strike="noStrike">
+                        <a:solidFill>
+                          <a:srgbClr val="000000"/>
+                        </a:solidFill>
+                        <a:effectLst/>
+                        <a:latin typeface="Calibri" panose="020F0502020204030204" pitchFamily="34" charset="0"/>
+                      </a:endParaRPr>
+                    </a:p>
+                  </a:txBody>
+                  <a:tcPr marL="9525" marR="9525" marT="9525" marB="0" anchor="b">
+                    <a:lnL w="12700" cap="flat" cmpd="sng" algn="ctr">
+                      <a:solidFill>
+                        <a:schemeClr val="tx1"/>
+                      </a:solidFill>
+                      <a:prstDash val="solid"/>
+                      <a:round/>
+                      <a:headEnd type="none" w="med" len="med"/>
+                      <a:tailEnd type="none" w="med" len="med"/>
+                    </a:lnL>
+                  </a:tcPr>
+                </a:tc>
+                <a:tc>
+                  <a:txBody>
+                    <a:bodyPr/>
+                    <a:lstStyle/>
+                    <a:p>
+                      <a:pPr algn="r" fontAlgn="b"/>
+                      <a:r>
+                        <a:rPr lang="de-DE" sz="1600" u="none" strike="noStrike">
+                          <a:effectLst/>
+                        </a:rPr>
+                        <a:t>0</a:t>
+                      </a:r>
+                      <a:endParaRPr lang="de-DE" sz="1600" b="0" i="0" u="none" strike="noStrike">
+                        <a:solidFill>
+                          <a:srgbClr val="000000"/>
+                        </a:solidFill>
+                        <a:effectLst/>
+                        <a:latin typeface="Calibri" panose="020F0502020204030204" pitchFamily="34" charset="0"/>
+                      </a:endParaRPr>
+                    </a:p>
+                  </a:txBody>
+                  <a:tcPr marL="9525" marR="9525" marT="9525" marB="0" anchor="b"/>
+                </a:tc>
+                <a:tc>
+                  <a:txBody>
+                    <a:bodyPr/>
+                    <a:lstStyle/>
+                    <a:p>
+                      <a:pPr algn="r" fontAlgn="b"/>
+                      <a:r>
+                        <a:rPr lang="de-DE" sz="1600" u="none" strike="noStrike" dirty="0">
+                          <a:effectLst/>
+                        </a:rPr>
+                        <a:t>3</a:t>
+                      </a:r>
+                      <a:endParaRPr lang="de-DE" sz="1600" b="0" i="0" u="none" strike="noStrike" dirty="0">
+                        <a:solidFill>
+                          <a:srgbClr val="000000"/>
+                        </a:solidFill>
+                        <a:effectLst/>
+                        <a:latin typeface="Calibri" panose="020F0502020204030204" pitchFamily="34" charset="0"/>
+                      </a:endParaRPr>
+                    </a:p>
+                  </a:txBody>
+                  <a:tcPr marL="9525" marR="9525" marT="9525" marB="0" anchor="b"/>
+                </a:tc>
+                <a:tc>
+                  <a:txBody>
+                    <a:bodyPr/>
+                    <a:lstStyle/>
+                    <a:p>
+                      <a:pPr algn="r" fontAlgn="b"/>
+                      <a:r>
+                        <a:rPr lang="de-DE" sz="1600" u="none" strike="noStrike">
+                          <a:effectLst/>
+                        </a:rPr>
+                        <a:t>85,00%</a:t>
+                      </a:r>
+                      <a:endParaRPr lang="de-DE" sz="1600" b="0" i="0" u="none" strike="noStrike">
+                        <a:solidFill>
+                          <a:srgbClr val="000000"/>
+                        </a:solidFill>
+                        <a:effectLst/>
+                        <a:latin typeface="Calibri" panose="020F0502020204030204" pitchFamily="34" charset="0"/>
+                      </a:endParaRPr>
+                    </a:p>
+                  </a:txBody>
+                  <a:tcPr marL="9525" marR="9525" marT="9525" marB="0" anchor="b"/>
+                </a:tc>
+                <a:tc>
+                  <a:txBody>
+                    <a:bodyPr/>
+                    <a:lstStyle/>
+                    <a:p>
+                      <a:pPr algn="r" fontAlgn="b"/>
+                      <a:r>
+                        <a:rPr lang="de-DE" sz="1600" u="none" strike="noStrike">
+                          <a:effectLst/>
+                        </a:rPr>
+                        <a:t>3072</a:t>
+                      </a:r>
+                      <a:endParaRPr lang="de-DE" sz="1600" b="0" i="0" u="none" strike="noStrike">
+                        <a:solidFill>
+                          <a:srgbClr val="000000"/>
+                        </a:solidFill>
+                        <a:effectLst/>
+                        <a:latin typeface="Calibri" panose="020F0502020204030204" pitchFamily="34" charset="0"/>
+                      </a:endParaRPr>
+                    </a:p>
+                  </a:txBody>
+                  <a:tcPr marL="9525" marR="9525" marT="9525" marB="0" anchor="b"/>
+                </a:tc>
+              </a:tr>
+              <a:tr h="190500">
+                <a:tc>
+                  <a:txBody>
+                    <a:bodyPr/>
+                    <a:lstStyle/>
+                    <a:p>
+                      <a:pPr algn="r" fontAlgn="b"/>
+                      <a:r>
+                        <a:rPr lang="de-DE" sz="1600" u="none" strike="noStrike" dirty="0">
+                          <a:effectLst/>
+                        </a:rPr>
+                        <a:t>11</a:t>
+                      </a:r>
+                      <a:endParaRPr lang="de-DE" sz="1600" b="0" i="0" u="none" strike="noStrike" dirty="0">
+                        <a:solidFill>
+                          <a:srgbClr val="000000"/>
+                        </a:solidFill>
+                        <a:effectLst/>
+                        <a:latin typeface="Calibri" panose="020F0502020204030204" pitchFamily="34" charset="0"/>
+                      </a:endParaRPr>
+                    </a:p>
+                  </a:txBody>
+                  <a:tcPr marL="9525" marR="9525" marT="9525" marB="0" anchor="b">
+                    <a:lnR w="12700" cap="flat" cmpd="sng" algn="ctr">
+                      <a:solidFill>
+                        <a:schemeClr val="tx1"/>
+                      </a:solidFill>
+                      <a:prstDash val="solid"/>
+                      <a:round/>
+                      <a:headEnd type="none" w="med" len="med"/>
+                      <a:tailEnd type="none" w="med" len="med"/>
+                    </a:lnR>
+                  </a:tcPr>
+                </a:tc>
+                <a:tc>
+                  <a:txBody>
+                    <a:bodyPr/>
+                    <a:lstStyle/>
+                    <a:p>
+                      <a:pPr algn="r" fontAlgn="b"/>
+                      <a:r>
+                        <a:rPr lang="de-DE" sz="1600" u="none" strike="noStrike">
+                          <a:effectLst/>
+                        </a:rPr>
+                        <a:t>10</a:t>
+                      </a:r>
+                      <a:endParaRPr lang="de-DE" sz="1600" b="0" i="0" u="none" strike="noStrike">
+                        <a:solidFill>
+                          <a:srgbClr val="000000"/>
+                        </a:solidFill>
+                        <a:effectLst/>
+                        <a:latin typeface="Calibri" panose="020F0502020204030204" pitchFamily="34" charset="0"/>
+                      </a:endParaRPr>
+                    </a:p>
+                  </a:txBody>
+                  <a:tcPr marL="9525" marR="9525" marT="9525" marB="0" anchor="b">
+                    <a:lnL w="12700" cap="flat" cmpd="sng" algn="ctr">
+                      <a:solidFill>
+                        <a:schemeClr val="tx1"/>
+                      </a:solidFill>
+                      <a:prstDash val="solid"/>
+                      <a:round/>
+                      <a:headEnd type="none" w="med" len="med"/>
+                      <a:tailEnd type="none" w="med" len="med"/>
+                    </a:lnL>
+                  </a:tcPr>
+                </a:tc>
+                <a:tc>
+                  <a:txBody>
+                    <a:bodyPr/>
+                    <a:lstStyle/>
+                    <a:p>
+                      <a:pPr algn="r" fontAlgn="b"/>
+                      <a:r>
+                        <a:rPr lang="de-DE" sz="1600" u="none" strike="noStrike">
+                          <a:effectLst/>
+                        </a:rPr>
+                        <a:t>0</a:t>
+                      </a:r>
+                      <a:endParaRPr lang="de-DE" sz="1600" b="0" i="0" u="none" strike="noStrike">
+                        <a:solidFill>
+                          <a:srgbClr val="000000"/>
+                        </a:solidFill>
+                        <a:effectLst/>
+                        <a:latin typeface="Calibri" panose="020F0502020204030204" pitchFamily="34" charset="0"/>
+                      </a:endParaRPr>
+                    </a:p>
+                  </a:txBody>
+                  <a:tcPr marL="9525" marR="9525" marT="9525" marB="0" anchor="b"/>
+                </a:tc>
+                <a:tc>
+                  <a:txBody>
+                    <a:bodyPr/>
+                    <a:lstStyle/>
+                    <a:p>
+                      <a:pPr algn="r" fontAlgn="b"/>
+                      <a:r>
+                        <a:rPr lang="de-DE" sz="1600" u="none" strike="noStrike" dirty="0">
+                          <a:effectLst/>
+                        </a:rPr>
+                        <a:t>3</a:t>
+                      </a:r>
+                      <a:endParaRPr lang="de-DE" sz="1600" b="0" i="0" u="none" strike="noStrike" dirty="0">
+                        <a:solidFill>
+                          <a:srgbClr val="000000"/>
+                        </a:solidFill>
+                        <a:effectLst/>
+                        <a:latin typeface="Calibri" panose="020F0502020204030204" pitchFamily="34" charset="0"/>
+                      </a:endParaRPr>
+                    </a:p>
+                  </a:txBody>
+                  <a:tcPr marL="9525" marR="9525" marT="9525" marB="0" anchor="b"/>
+                </a:tc>
+                <a:tc>
+                  <a:txBody>
+                    <a:bodyPr/>
+                    <a:lstStyle/>
+                    <a:p>
+                      <a:pPr algn="r" fontAlgn="b"/>
+                      <a:r>
+                        <a:rPr lang="de-DE" sz="1600" u="none" strike="noStrike" dirty="0">
+                          <a:effectLst/>
+                        </a:rPr>
+                        <a:t>76,92%</a:t>
+                      </a:r>
+                      <a:endParaRPr lang="de-DE" sz="1600" b="0" i="0" u="none" strike="noStrike" dirty="0">
+                        <a:solidFill>
+                          <a:srgbClr val="000000"/>
+                        </a:solidFill>
+                        <a:effectLst/>
+                        <a:latin typeface="Calibri" panose="020F0502020204030204" pitchFamily="34" charset="0"/>
+                      </a:endParaRPr>
+                    </a:p>
+                  </a:txBody>
+                  <a:tcPr marL="9525" marR="9525" marT="9525" marB="0" anchor="b"/>
+                </a:tc>
+                <a:tc>
+                  <a:txBody>
+                    <a:bodyPr/>
+                    <a:lstStyle/>
+                    <a:p>
+                      <a:pPr algn="r" fontAlgn="b"/>
+                      <a:r>
+                        <a:rPr lang="de-DE" sz="1600" u="none" strike="noStrike">
+                          <a:effectLst/>
+                        </a:rPr>
+                        <a:t>2662</a:t>
+                      </a:r>
+                      <a:endParaRPr lang="de-DE" sz="1600" b="0" i="0" u="none" strike="noStrike">
+                        <a:solidFill>
+                          <a:srgbClr val="000000"/>
+                        </a:solidFill>
+                        <a:effectLst/>
+                        <a:latin typeface="Calibri" panose="020F0502020204030204" pitchFamily="34" charset="0"/>
+                      </a:endParaRPr>
+                    </a:p>
+                  </a:txBody>
+                  <a:tcPr marL="9525" marR="9525" marT="9525" marB="0" anchor="b"/>
+                </a:tc>
+              </a:tr>
+              <a:tr h="190500">
+                <a:tc>
+                  <a:txBody>
+                    <a:bodyPr/>
+                    <a:lstStyle/>
+                    <a:p>
+                      <a:pPr algn="r" fontAlgn="b"/>
+                      <a:r>
+                        <a:rPr lang="de-DE" sz="1600" u="none" strike="noStrike" dirty="0">
+                          <a:effectLst/>
+                        </a:rPr>
+                        <a:t>12</a:t>
+                      </a:r>
+                      <a:endParaRPr lang="de-DE" sz="1600" b="0" i="0" u="none" strike="noStrike" dirty="0">
+                        <a:solidFill>
+                          <a:srgbClr val="000000"/>
+                        </a:solidFill>
+                        <a:effectLst/>
+                        <a:latin typeface="Calibri" panose="020F0502020204030204" pitchFamily="34" charset="0"/>
+                      </a:endParaRPr>
+                    </a:p>
+                  </a:txBody>
+                  <a:tcPr marL="9525" marR="9525" marT="9525" marB="0" anchor="b">
+                    <a:lnR w="12700" cap="flat" cmpd="sng" algn="ctr">
+                      <a:solidFill>
+                        <a:schemeClr val="tx1"/>
+                      </a:solidFill>
+                      <a:prstDash val="solid"/>
+                      <a:round/>
+                      <a:headEnd type="none" w="med" len="med"/>
+                      <a:tailEnd type="none" w="med" len="med"/>
+                    </a:lnR>
+                  </a:tcPr>
+                </a:tc>
+                <a:tc>
+                  <a:txBody>
+                    <a:bodyPr/>
+                    <a:lstStyle/>
+                    <a:p>
+                      <a:pPr algn="r" fontAlgn="b"/>
+                      <a:r>
+                        <a:rPr lang="de-DE" sz="1600" u="none" strike="noStrike">
+                          <a:effectLst/>
+                        </a:rPr>
+                        <a:t>8</a:t>
+                      </a:r>
+                      <a:endParaRPr lang="de-DE" sz="1600" b="0" i="0" u="none" strike="noStrike">
+                        <a:solidFill>
+                          <a:srgbClr val="000000"/>
+                        </a:solidFill>
+                        <a:effectLst/>
+                        <a:latin typeface="Calibri" panose="020F0502020204030204" pitchFamily="34" charset="0"/>
+                      </a:endParaRPr>
+                    </a:p>
+                  </a:txBody>
+                  <a:tcPr marL="9525" marR="9525" marT="9525" marB="0" anchor="b">
+                    <a:lnL w="12700" cap="flat" cmpd="sng" algn="ctr">
+                      <a:solidFill>
+                        <a:schemeClr val="tx1"/>
+                      </a:solidFill>
+                      <a:prstDash val="solid"/>
+                      <a:round/>
+                      <a:headEnd type="none" w="med" len="med"/>
+                      <a:tailEnd type="none" w="med" len="med"/>
+                    </a:lnL>
+                  </a:tcPr>
+                </a:tc>
+                <a:tc>
+                  <a:txBody>
+                    <a:bodyPr/>
+                    <a:lstStyle/>
+                    <a:p>
+                      <a:pPr algn="r" fontAlgn="b"/>
+                      <a:r>
+                        <a:rPr lang="de-DE" sz="1600" u="none" strike="noStrike">
+                          <a:effectLst/>
+                        </a:rPr>
+                        <a:t>0</a:t>
+                      </a:r>
+                      <a:endParaRPr lang="de-DE" sz="1600" b="0" i="0" u="none" strike="noStrike">
+                        <a:solidFill>
+                          <a:srgbClr val="000000"/>
+                        </a:solidFill>
+                        <a:effectLst/>
+                        <a:latin typeface="Calibri" panose="020F0502020204030204" pitchFamily="34" charset="0"/>
+                      </a:endParaRPr>
+                    </a:p>
+                  </a:txBody>
+                  <a:tcPr marL="9525" marR="9525" marT="9525" marB="0" anchor="b"/>
+                </a:tc>
+                <a:tc>
+                  <a:txBody>
+                    <a:bodyPr/>
+                    <a:lstStyle/>
+                    <a:p>
+                      <a:pPr algn="r" fontAlgn="b"/>
+                      <a:r>
+                        <a:rPr lang="de-DE" sz="1600" u="none" strike="noStrike">
+                          <a:effectLst/>
+                        </a:rPr>
+                        <a:t>5</a:t>
+                      </a:r>
+                      <a:endParaRPr lang="de-DE" sz="1600" b="0" i="0" u="none" strike="noStrike">
+                        <a:solidFill>
+                          <a:srgbClr val="000000"/>
+                        </a:solidFill>
+                        <a:effectLst/>
+                        <a:latin typeface="Calibri" panose="020F0502020204030204" pitchFamily="34" charset="0"/>
+                      </a:endParaRPr>
+                    </a:p>
+                  </a:txBody>
+                  <a:tcPr marL="9525" marR="9525" marT="9525" marB="0" anchor="b"/>
+                </a:tc>
+                <a:tc>
+                  <a:txBody>
+                    <a:bodyPr/>
+                    <a:lstStyle/>
+                    <a:p>
+                      <a:pPr algn="r" fontAlgn="b"/>
+                      <a:r>
+                        <a:rPr lang="de-DE" sz="1600" u="none" strike="noStrike" dirty="0">
+                          <a:effectLst/>
+                        </a:rPr>
+                        <a:t>61,54%</a:t>
+                      </a:r>
+                      <a:endParaRPr lang="de-DE" sz="1600" b="0" i="0" u="none" strike="noStrike" dirty="0">
+                        <a:solidFill>
+                          <a:srgbClr val="000000"/>
+                        </a:solidFill>
+                        <a:effectLst/>
+                        <a:latin typeface="Calibri" panose="020F0502020204030204" pitchFamily="34" charset="0"/>
+                      </a:endParaRPr>
+                    </a:p>
+                  </a:txBody>
+                  <a:tcPr marL="9525" marR="9525" marT="9525" marB="0" anchor="b"/>
+                </a:tc>
+                <a:tc>
+                  <a:txBody>
+                    <a:bodyPr/>
+                    <a:lstStyle/>
+                    <a:p>
+                      <a:pPr algn="r" fontAlgn="b"/>
+                      <a:r>
+                        <a:rPr lang="de-DE" sz="1600" u="none" strike="noStrike">
+                          <a:effectLst/>
+                        </a:rPr>
+                        <a:t>2835</a:t>
+                      </a:r>
+                      <a:endParaRPr lang="de-DE" sz="1600" b="0" i="0" u="none" strike="noStrike">
+                        <a:solidFill>
+                          <a:srgbClr val="000000"/>
+                        </a:solidFill>
+                        <a:effectLst/>
+                        <a:latin typeface="Calibri" panose="020F0502020204030204" pitchFamily="34" charset="0"/>
+                      </a:endParaRPr>
+                    </a:p>
+                  </a:txBody>
+                  <a:tcPr marL="9525" marR="9525" marT="9525" marB="0" anchor="b"/>
+                </a:tc>
+              </a:tr>
+              <a:tr h="190500">
+                <a:tc>
+                  <a:txBody>
+                    <a:bodyPr/>
+                    <a:lstStyle/>
+                    <a:p>
+                      <a:pPr algn="r" fontAlgn="b"/>
+                      <a:r>
+                        <a:rPr lang="de-DE" sz="1600" u="none" strike="noStrike" dirty="0">
+                          <a:effectLst/>
+                        </a:rPr>
+                        <a:t>13</a:t>
+                      </a:r>
+                      <a:endParaRPr lang="de-DE" sz="1600" b="0" i="0" u="none" strike="noStrike" dirty="0">
+                        <a:solidFill>
+                          <a:srgbClr val="000000"/>
+                        </a:solidFill>
+                        <a:effectLst/>
+                        <a:latin typeface="Calibri" panose="020F0502020204030204" pitchFamily="34" charset="0"/>
+                      </a:endParaRPr>
+                    </a:p>
+                  </a:txBody>
+                  <a:tcPr marL="9525" marR="9525" marT="9525" marB="0" anchor="b">
+                    <a:lnR w="12700" cap="flat" cmpd="sng" algn="ctr">
+                      <a:solidFill>
+                        <a:schemeClr val="tx1"/>
+                      </a:solidFill>
+                      <a:prstDash val="solid"/>
+                      <a:round/>
+                      <a:headEnd type="none" w="med" len="med"/>
+                      <a:tailEnd type="none" w="med" len="med"/>
+                    </a:lnR>
+                  </a:tcPr>
+                </a:tc>
+                <a:tc>
+                  <a:txBody>
+                    <a:bodyPr/>
+                    <a:lstStyle/>
+                    <a:p>
+                      <a:pPr algn="r" fontAlgn="b"/>
+                      <a:r>
+                        <a:rPr lang="de-DE" sz="1600" u="none" strike="noStrike">
+                          <a:effectLst/>
+                        </a:rPr>
+                        <a:t>6</a:t>
+                      </a:r>
+                      <a:endParaRPr lang="de-DE" sz="1600" b="0" i="0" u="none" strike="noStrike">
+                        <a:solidFill>
+                          <a:srgbClr val="000000"/>
+                        </a:solidFill>
+                        <a:effectLst/>
+                        <a:latin typeface="Calibri" panose="020F0502020204030204" pitchFamily="34" charset="0"/>
+                      </a:endParaRPr>
+                    </a:p>
+                  </a:txBody>
+                  <a:tcPr marL="9525" marR="9525" marT="9525" marB="0" anchor="b">
+                    <a:lnL w="12700" cap="flat" cmpd="sng" algn="ctr">
+                      <a:solidFill>
+                        <a:schemeClr val="tx1"/>
+                      </a:solidFill>
+                      <a:prstDash val="solid"/>
+                      <a:round/>
+                      <a:headEnd type="none" w="med" len="med"/>
+                      <a:tailEnd type="none" w="med" len="med"/>
+                    </a:lnL>
+                  </a:tcPr>
+                </a:tc>
+                <a:tc>
+                  <a:txBody>
+                    <a:bodyPr/>
+                    <a:lstStyle/>
+                    <a:p>
+                      <a:pPr algn="r" fontAlgn="b"/>
+                      <a:r>
+                        <a:rPr lang="de-DE" sz="1600" u="none" strike="noStrike">
+                          <a:effectLst/>
+                        </a:rPr>
+                        <a:t>0</a:t>
+                      </a:r>
+                      <a:endParaRPr lang="de-DE" sz="1600" b="0" i="0" u="none" strike="noStrike">
+                        <a:solidFill>
+                          <a:srgbClr val="000000"/>
+                        </a:solidFill>
+                        <a:effectLst/>
+                        <a:latin typeface="Calibri" panose="020F0502020204030204" pitchFamily="34" charset="0"/>
+                      </a:endParaRPr>
+                    </a:p>
+                  </a:txBody>
+                  <a:tcPr marL="9525" marR="9525" marT="9525" marB="0" anchor="b"/>
+                </a:tc>
+                <a:tc>
+                  <a:txBody>
+                    <a:bodyPr/>
+                    <a:lstStyle/>
+                    <a:p>
+                      <a:pPr algn="r" fontAlgn="b"/>
+                      <a:r>
+                        <a:rPr lang="de-DE" sz="1600" u="none" strike="noStrike">
+                          <a:effectLst/>
+                        </a:rPr>
+                        <a:t>2</a:t>
+                      </a:r>
+                      <a:endParaRPr lang="de-DE" sz="1600" b="0" i="0" u="none" strike="noStrike">
+                        <a:solidFill>
+                          <a:srgbClr val="000000"/>
+                        </a:solidFill>
+                        <a:effectLst/>
+                        <a:latin typeface="Calibri" panose="020F0502020204030204" pitchFamily="34" charset="0"/>
+                      </a:endParaRPr>
+                    </a:p>
+                  </a:txBody>
+                  <a:tcPr marL="9525" marR="9525" marT="9525" marB="0" anchor="b"/>
+                </a:tc>
+                <a:tc>
+                  <a:txBody>
+                    <a:bodyPr/>
+                    <a:lstStyle/>
+                    <a:p>
+                      <a:pPr algn="r" fontAlgn="b"/>
+                      <a:r>
+                        <a:rPr lang="de-DE" sz="1600" u="none" strike="noStrike" dirty="0">
+                          <a:effectLst/>
+                        </a:rPr>
+                        <a:t>75,00%</a:t>
+                      </a:r>
+                      <a:endParaRPr lang="de-DE" sz="1600" b="0" i="0" u="none" strike="noStrike" dirty="0">
+                        <a:solidFill>
+                          <a:srgbClr val="000000"/>
+                        </a:solidFill>
+                        <a:effectLst/>
+                        <a:latin typeface="Calibri" panose="020F0502020204030204" pitchFamily="34" charset="0"/>
+                      </a:endParaRPr>
+                    </a:p>
+                  </a:txBody>
+                  <a:tcPr marL="9525" marR="9525" marT="9525" marB="0" anchor="b"/>
+                </a:tc>
+                <a:tc>
+                  <a:txBody>
+                    <a:bodyPr/>
+                    <a:lstStyle/>
+                    <a:p>
+                      <a:pPr algn="r" fontAlgn="b"/>
+                      <a:r>
+                        <a:rPr lang="de-DE" sz="1600" u="none" strike="noStrike" dirty="0">
+                          <a:effectLst/>
+                        </a:rPr>
+                        <a:t>2220</a:t>
+                      </a:r>
+                      <a:endParaRPr lang="de-DE" sz="1600" b="0" i="0" u="none" strike="noStrike" dirty="0">
+                        <a:solidFill>
+                          <a:srgbClr val="000000"/>
+                        </a:solidFill>
+                        <a:effectLst/>
+                        <a:latin typeface="Calibri" panose="020F0502020204030204" pitchFamily="34" charset="0"/>
+                      </a:endParaRPr>
+                    </a:p>
+                  </a:txBody>
+                  <a:tcPr marL="9525" marR="9525" marT="9525" marB="0" anchor="b"/>
+                </a:tc>
+              </a:tr>
+              <a:tr h="190500">
+                <a:tc>
+                  <a:txBody>
+                    <a:bodyPr/>
+                    <a:lstStyle/>
+                    <a:p>
+                      <a:pPr algn="r" fontAlgn="b"/>
+                      <a:r>
+                        <a:rPr lang="de-DE" sz="1600" u="none" strike="noStrike" dirty="0">
+                          <a:effectLst/>
+                        </a:rPr>
+                        <a:t>14</a:t>
+                      </a:r>
+                      <a:endParaRPr lang="de-DE" sz="1600" b="0" i="0" u="none" strike="noStrike" dirty="0">
+                        <a:solidFill>
+                          <a:srgbClr val="000000"/>
+                        </a:solidFill>
+                        <a:effectLst/>
+                        <a:latin typeface="Calibri" panose="020F0502020204030204" pitchFamily="34" charset="0"/>
+                      </a:endParaRPr>
+                    </a:p>
+                  </a:txBody>
+                  <a:tcPr marL="9525" marR="9525" marT="9525" marB="0" anchor="b">
+                    <a:lnR w="12700" cap="flat" cmpd="sng" algn="ctr">
+                      <a:solidFill>
+                        <a:schemeClr val="tx1"/>
+                      </a:solidFill>
+                      <a:prstDash val="solid"/>
+                      <a:round/>
+                      <a:headEnd type="none" w="med" len="med"/>
+                      <a:tailEnd type="none" w="med" len="med"/>
+                    </a:lnR>
+                  </a:tcPr>
+                </a:tc>
+                <a:tc>
+                  <a:txBody>
+                    <a:bodyPr/>
+                    <a:lstStyle/>
+                    <a:p>
+                      <a:pPr algn="r" fontAlgn="b"/>
+                      <a:r>
+                        <a:rPr lang="de-DE" sz="1600" u="none" strike="noStrike">
+                          <a:effectLst/>
+                        </a:rPr>
+                        <a:t>14</a:t>
+                      </a:r>
+                      <a:endParaRPr lang="de-DE" sz="1600" b="0" i="0" u="none" strike="noStrike">
+                        <a:solidFill>
+                          <a:srgbClr val="000000"/>
+                        </a:solidFill>
+                        <a:effectLst/>
+                        <a:latin typeface="Calibri" panose="020F0502020204030204" pitchFamily="34" charset="0"/>
+                      </a:endParaRPr>
+                    </a:p>
+                  </a:txBody>
+                  <a:tcPr marL="9525" marR="9525" marT="9525" marB="0" anchor="b">
+                    <a:lnL w="12700" cap="flat" cmpd="sng" algn="ctr">
+                      <a:solidFill>
+                        <a:schemeClr val="tx1"/>
+                      </a:solidFill>
+                      <a:prstDash val="solid"/>
+                      <a:round/>
+                      <a:headEnd type="none" w="med" len="med"/>
+                      <a:tailEnd type="none" w="med" len="med"/>
+                    </a:lnL>
+                  </a:tcPr>
+                </a:tc>
+                <a:tc>
+                  <a:txBody>
+                    <a:bodyPr/>
+                    <a:lstStyle/>
+                    <a:p>
+                      <a:pPr algn="r" fontAlgn="b"/>
+                      <a:r>
+                        <a:rPr lang="de-DE" sz="1600" u="none" strike="noStrike">
+                          <a:effectLst/>
+                        </a:rPr>
+                        <a:t>1</a:t>
+                      </a:r>
+                      <a:endParaRPr lang="de-DE" sz="1600" b="0" i="0" u="none" strike="noStrike">
+                        <a:solidFill>
+                          <a:srgbClr val="000000"/>
+                        </a:solidFill>
+                        <a:effectLst/>
+                        <a:latin typeface="Calibri" panose="020F0502020204030204" pitchFamily="34" charset="0"/>
+                      </a:endParaRPr>
+                    </a:p>
+                  </a:txBody>
+                  <a:tcPr marL="9525" marR="9525" marT="9525" marB="0" anchor="b"/>
+                </a:tc>
+                <a:tc>
+                  <a:txBody>
+                    <a:bodyPr/>
+                    <a:lstStyle/>
+                    <a:p>
+                      <a:pPr algn="r" fontAlgn="b"/>
+                      <a:r>
+                        <a:rPr lang="de-DE" sz="1600" u="none" strike="noStrike">
+                          <a:effectLst/>
+                        </a:rPr>
+                        <a:t>3</a:t>
+                      </a:r>
+                      <a:endParaRPr lang="de-DE" sz="1600" b="0" i="0" u="none" strike="noStrike">
+                        <a:solidFill>
+                          <a:srgbClr val="000000"/>
+                        </a:solidFill>
+                        <a:effectLst/>
+                        <a:latin typeface="Calibri" panose="020F0502020204030204" pitchFamily="34" charset="0"/>
+                      </a:endParaRPr>
+                    </a:p>
+                  </a:txBody>
+                  <a:tcPr marL="9525" marR="9525" marT="9525" marB="0" anchor="b"/>
+                </a:tc>
+                <a:tc>
+                  <a:txBody>
+                    <a:bodyPr/>
+                    <a:lstStyle/>
+                    <a:p>
+                      <a:pPr algn="r" fontAlgn="b"/>
+                      <a:r>
+                        <a:rPr lang="de-DE" sz="1600" u="none" strike="noStrike">
+                          <a:effectLst/>
+                        </a:rPr>
+                        <a:t>81,25%</a:t>
+                      </a:r>
+                      <a:endParaRPr lang="de-DE" sz="1600" b="0" i="0" u="none" strike="noStrike">
+                        <a:solidFill>
+                          <a:srgbClr val="000000"/>
+                        </a:solidFill>
+                        <a:effectLst/>
+                        <a:latin typeface="Calibri" panose="020F0502020204030204" pitchFamily="34" charset="0"/>
+                      </a:endParaRPr>
+                    </a:p>
+                  </a:txBody>
+                  <a:tcPr marL="9525" marR="9525" marT="9525" marB="0" anchor="b"/>
+                </a:tc>
+                <a:tc>
+                  <a:txBody>
+                    <a:bodyPr/>
+                    <a:lstStyle/>
+                    <a:p>
+                      <a:pPr algn="r" fontAlgn="b"/>
+                      <a:r>
+                        <a:rPr lang="de-DE" sz="1600" u="none" strike="noStrike" dirty="0">
+                          <a:effectLst/>
+                        </a:rPr>
+                        <a:t>2551</a:t>
+                      </a:r>
+                      <a:endParaRPr lang="de-DE" sz="1600" b="0" i="0" u="none" strike="noStrike" dirty="0">
+                        <a:solidFill>
+                          <a:srgbClr val="000000"/>
+                        </a:solidFill>
+                        <a:effectLst/>
+                        <a:latin typeface="Calibri" panose="020F0502020204030204" pitchFamily="34" charset="0"/>
+                      </a:endParaRPr>
+                    </a:p>
+                  </a:txBody>
+                  <a:tcPr marL="9525" marR="9525" marT="9525" marB="0" anchor="b"/>
+                </a:tc>
+              </a:tr>
+              <a:tr h="190500">
+                <a:tc>
+                  <a:txBody>
+                    <a:bodyPr/>
+                    <a:lstStyle/>
+                    <a:p>
+                      <a:pPr algn="r" fontAlgn="b"/>
+                      <a:r>
+                        <a:rPr lang="de-DE" sz="1600" u="none" strike="noStrike" dirty="0">
+                          <a:effectLst/>
+                        </a:rPr>
+                        <a:t>15</a:t>
+                      </a:r>
+                      <a:endParaRPr lang="de-DE" sz="1600" b="0" i="0" u="none" strike="noStrike" dirty="0">
+                        <a:solidFill>
+                          <a:srgbClr val="000000"/>
+                        </a:solidFill>
+                        <a:effectLst/>
+                        <a:latin typeface="Calibri" panose="020F0502020204030204" pitchFamily="34" charset="0"/>
+                      </a:endParaRPr>
+                    </a:p>
+                  </a:txBody>
+                  <a:tcPr marL="9525" marR="9525" marT="9525" marB="0" anchor="b">
+                    <a:lnR w="12700" cap="flat" cmpd="sng" algn="ctr">
+                      <a:solidFill>
+                        <a:schemeClr val="tx1"/>
+                      </a:solidFill>
+                      <a:prstDash val="solid"/>
+                      <a:round/>
+                      <a:headEnd type="none" w="med" len="med"/>
+                      <a:tailEnd type="none" w="med" len="med"/>
+                    </a:lnR>
+                    <a:lnB w="12700" cap="flat" cmpd="sng" algn="ctr">
+                      <a:solidFill>
+                        <a:schemeClr val="tx1"/>
+                      </a:solidFill>
+                      <a:prstDash val="solid"/>
+                      <a:round/>
+                      <a:headEnd type="none" w="med" len="med"/>
+                      <a:tailEnd type="none" w="med" len="med"/>
+                    </a:lnB>
+                  </a:tcPr>
+                </a:tc>
+                <a:tc>
+                  <a:txBody>
+                    <a:bodyPr/>
+                    <a:lstStyle/>
+                    <a:p>
+                      <a:pPr algn="r" fontAlgn="b"/>
+                      <a:r>
+                        <a:rPr lang="de-DE" sz="1600" u="none" strike="noStrike" dirty="0">
+                          <a:effectLst/>
+                        </a:rPr>
+                        <a:t>10</a:t>
+                      </a:r>
+                      <a:endParaRPr lang="de-DE" sz="1600" b="0" i="0" u="none" strike="noStrike" dirty="0">
+                        <a:solidFill>
+                          <a:srgbClr val="000000"/>
+                        </a:solidFill>
+                        <a:effectLst/>
+                        <a:latin typeface="Calibri" panose="020F0502020204030204" pitchFamily="34" charset="0"/>
+                      </a:endParaRPr>
+                    </a:p>
+                  </a:txBody>
+                  <a:tcPr marL="9525" marR="9525" marT="9525" marB="0" anchor="b">
+                    <a:lnL w="12700" cap="flat" cmpd="sng" algn="ctr">
+                      <a:solidFill>
+                        <a:schemeClr val="tx1"/>
+                      </a:solidFill>
+                      <a:prstDash val="solid"/>
+                      <a:round/>
+                      <a:headEnd type="none" w="med" len="med"/>
+                      <a:tailEnd type="none" w="med" len="med"/>
+                    </a:lnL>
+                    <a:lnB w="12700" cap="flat" cmpd="sng" algn="ctr">
+                      <a:solidFill>
+                        <a:schemeClr val="tx1"/>
+                      </a:solidFill>
+                      <a:prstDash val="solid"/>
+                      <a:round/>
+                      <a:headEnd type="none" w="med" len="med"/>
+                      <a:tailEnd type="none" w="med" len="med"/>
+                    </a:lnB>
+                  </a:tcPr>
+                </a:tc>
+                <a:tc>
+                  <a:txBody>
+                    <a:bodyPr/>
+                    <a:lstStyle/>
+                    <a:p>
+                      <a:pPr algn="r" fontAlgn="b"/>
+                      <a:r>
+                        <a:rPr lang="de-DE" sz="1600" u="none" strike="noStrike">
+                          <a:effectLst/>
+                        </a:rPr>
+                        <a:t>1</a:t>
+                      </a:r>
+                      <a:endParaRPr lang="de-DE" sz="1600" b="0" i="0" u="none" strike="noStrike">
+                        <a:solidFill>
+                          <a:srgbClr val="000000"/>
+                        </a:solidFill>
+                        <a:effectLst/>
+                        <a:latin typeface="Calibri" panose="020F0502020204030204" pitchFamily="34" charset="0"/>
+                      </a:endParaRPr>
+                    </a:p>
+                  </a:txBody>
+                  <a:tcPr marL="9525" marR="9525" marT="9525" marB="0" anchor="b">
+                    <a:lnB w="12700" cap="flat" cmpd="sng" algn="ctr">
+                      <a:solidFill>
+                        <a:schemeClr val="tx1"/>
+                      </a:solidFill>
+                      <a:prstDash val="solid"/>
+                      <a:round/>
+                      <a:headEnd type="none" w="med" len="med"/>
+                      <a:tailEnd type="none" w="med" len="med"/>
+                    </a:lnB>
+                  </a:tcPr>
+                </a:tc>
+                <a:tc>
+                  <a:txBody>
+                    <a:bodyPr/>
+                    <a:lstStyle/>
+                    <a:p>
+                      <a:pPr algn="r" fontAlgn="b"/>
+                      <a:r>
+                        <a:rPr lang="de-DE" sz="1600" u="none" strike="noStrike">
+                          <a:effectLst/>
+                        </a:rPr>
+                        <a:t>2</a:t>
+                      </a:r>
+                      <a:endParaRPr lang="de-DE" sz="1600" b="0" i="0" u="none" strike="noStrike">
+                        <a:solidFill>
+                          <a:srgbClr val="000000"/>
+                        </a:solidFill>
+                        <a:effectLst/>
+                        <a:latin typeface="Calibri" panose="020F0502020204030204" pitchFamily="34" charset="0"/>
+                      </a:endParaRPr>
+                    </a:p>
+                  </a:txBody>
+                  <a:tcPr marL="9525" marR="9525" marT="9525" marB="0" anchor="b">
+                    <a:lnB w="12700" cap="flat" cmpd="sng" algn="ctr">
+                      <a:solidFill>
+                        <a:schemeClr val="tx1"/>
+                      </a:solidFill>
+                      <a:prstDash val="solid"/>
+                      <a:round/>
+                      <a:headEnd type="none" w="med" len="med"/>
+                      <a:tailEnd type="none" w="med" len="med"/>
+                    </a:lnB>
+                  </a:tcPr>
+                </a:tc>
+                <a:tc>
+                  <a:txBody>
+                    <a:bodyPr/>
+                    <a:lstStyle/>
+                    <a:p>
+                      <a:pPr algn="r" fontAlgn="b"/>
+                      <a:r>
+                        <a:rPr lang="de-DE" sz="1600" u="none" strike="noStrike">
+                          <a:effectLst/>
+                        </a:rPr>
+                        <a:t>81,82%</a:t>
+                      </a:r>
+                      <a:endParaRPr lang="de-DE" sz="1600" b="0" i="0" u="none" strike="noStrike">
+                        <a:solidFill>
+                          <a:srgbClr val="000000"/>
+                        </a:solidFill>
+                        <a:effectLst/>
+                        <a:latin typeface="Calibri" panose="020F0502020204030204" pitchFamily="34" charset="0"/>
+                      </a:endParaRPr>
+                    </a:p>
+                  </a:txBody>
+                  <a:tcPr marL="9525" marR="9525" marT="9525" marB="0" anchor="b">
+                    <a:lnB w="12700" cap="flat" cmpd="sng" algn="ctr">
+                      <a:solidFill>
+                        <a:schemeClr val="tx1"/>
+                      </a:solidFill>
+                      <a:prstDash val="solid"/>
+                      <a:round/>
+                      <a:headEnd type="none" w="med" len="med"/>
+                      <a:tailEnd type="none" w="med" len="med"/>
+                    </a:lnB>
+                  </a:tcPr>
+                </a:tc>
+                <a:tc>
+                  <a:txBody>
+                    <a:bodyPr/>
+                    <a:lstStyle/>
+                    <a:p>
+                      <a:pPr algn="r" fontAlgn="b"/>
+                      <a:r>
+                        <a:rPr lang="de-DE" sz="1600" u="none" strike="noStrike" dirty="0">
+                          <a:effectLst/>
+                        </a:rPr>
+                        <a:t>2746</a:t>
+                      </a:r>
+                      <a:endParaRPr lang="de-DE" sz="1600" b="0" i="0" u="none" strike="noStrike" dirty="0">
+                        <a:solidFill>
+                          <a:srgbClr val="000000"/>
+                        </a:solidFill>
+                        <a:effectLst/>
+                        <a:latin typeface="Calibri" panose="020F0502020204030204" pitchFamily="34" charset="0"/>
+                      </a:endParaRPr>
+                    </a:p>
+                  </a:txBody>
+                  <a:tcPr marL="9525" marR="9525" marT="9525" marB="0" anchor="b">
+                    <a:lnB w="12700" cap="flat" cmpd="sng" algn="ctr">
+                      <a:solidFill>
+                        <a:schemeClr val="tx1"/>
+                      </a:solidFill>
+                      <a:prstDash val="solid"/>
+                      <a:round/>
+                      <a:headEnd type="none" w="med" len="med"/>
+                      <a:tailEnd type="none" w="med" len="med"/>
+                    </a:lnB>
+                  </a:tcPr>
+                </a:tc>
+              </a:tr>
+              <a:tr h="190500">
+                <a:tc>
+                  <a:txBody>
+                    <a:bodyPr/>
+                    <a:lstStyle/>
+                    <a:p>
+                      <a:pPr algn="ctr" fontAlgn="b"/>
+                      <a:r>
+                        <a:rPr lang="de-DE" sz="1600" u="none" strike="noStrike" dirty="0" smtClean="0">
+                          <a:effectLst/>
+                        </a:rPr>
+                        <a:t>Mittelwert:</a:t>
+                      </a:r>
+                      <a:endParaRPr lang="de-DE" sz="1600" b="0" i="0" u="none" strike="noStrike" dirty="0">
+                        <a:solidFill>
+                          <a:srgbClr val="000000"/>
+                        </a:solidFill>
+                        <a:effectLst/>
+                        <a:latin typeface="Calibri" panose="020F0502020204030204" pitchFamily="34" charset="0"/>
+                      </a:endParaRPr>
+                    </a:p>
+                  </a:txBody>
+                  <a:tcPr marL="9525" marR="9525" marT="9525" marB="0" anchor="b">
+                    <a:lnR w="12700" cap="flat" cmpd="sng" algn="ctr">
+                      <a:solidFill>
+                        <a:schemeClr val="tx1"/>
+                      </a:solidFill>
+                      <a:prstDash val="solid"/>
+                      <a:round/>
+                      <a:headEnd type="none" w="med" len="med"/>
+                      <a:tailEnd type="none" w="med" len="med"/>
+                    </a:lnR>
+                    <a:lnT w="12700" cap="flat" cmpd="sng" algn="ctr">
+                      <a:solidFill>
+                        <a:schemeClr val="tx1"/>
+                      </a:solidFill>
+                      <a:prstDash val="solid"/>
+                      <a:round/>
+                      <a:headEnd type="none" w="med" len="med"/>
+                      <a:tailEnd type="none" w="med" len="med"/>
+                    </a:lnT>
+                  </a:tcPr>
+                </a:tc>
+                <a:tc>
+                  <a:txBody>
+                    <a:bodyPr/>
+                    <a:lstStyle/>
+                    <a:p>
+                      <a:pPr algn="r" fontAlgn="b"/>
+                      <a:r>
+                        <a:rPr lang="de-DE" sz="1600" u="none" strike="noStrike" dirty="0">
+                          <a:effectLst/>
+                        </a:rPr>
+                        <a:t>11,00</a:t>
+                      </a:r>
+                      <a:endParaRPr lang="de-DE" sz="1600" b="0" i="0" u="none" strike="noStrike" dirty="0">
+                        <a:solidFill>
+                          <a:srgbClr val="000000"/>
+                        </a:solidFill>
+                        <a:effectLst/>
+                        <a:latin typeface="Calibri" panose="020F0502020204030204" pitchFamily="34" charset="0"/>
+                      </a:endParaRPr>
+                    </a:p>
+                  </a:txBody>
+                  <a:tcPr marL="9525" marR="9525" marT="9525" marB="0" anchor="b">
+                    <a:lnL w="12700" cap="flat" cmpd="sng" algn="ctr">
+                      <a:solidFill>
+                        <a:schemeClr val="tx1"/>
+                      </a:solidFill>
+                      <a:prstDash val="solid"/>
+                      <a:round/>
+                      <a:headEnd type="none" w="med" len="med"/>
+                      <a:tailEnd type="none" w="med" len="med"/>
+                    </a:lnL>
+                    <a:lnT w="12700" cap="flat" cmpd="sng" algn="ctr">
+                      <a:solidFill>
+                        <a:schemeClr val="tx1"/>
+                      </a:solidFill>
+                      <a:prstDash val="solid"/>
+                      <a:round/>
+                      <a:headEnd type="none" w="med" len="med"/>
+                      <a:tailEnd type="none" w="med" len="med"/>
+                    </a:lnT>
+                  </a:tcPr>
+                </a:tc>
+                <a:tc>
+                  <a:txBody>
+                    <a:bodyPr/>
+                    <a:lstStyle/>
+                    <a:p>
+                      <a:pPr algn="r" fontAlgn="b"/>
+                      <a:r>
+                        <a:rPr lang="de-DE" sz="1600" u="none" strike="noStrike" dirty="0">
+                          <a:effectLst/>
+                        </a:rPr>
+                        <a:t>0,33</a:t>
+                      </a:r>
+                      <a:endParaRPr lang="de-DE" sz="1600" b="0" i="0" u="none" strike="noStrike" dirty="0">
+                        <a:solidFill>
+                          <a:srgbClr val="000000"/>
+                        </a:solidFill>
+                        <a:effectLst/>
+                        <a:latin typeface="Calibri" panose="020F0502020204030204" pitchFamily="34" charset="0"/>
+                      </a:endParaRPr>
+                    </a:p>
+                  </a:txBody>
+                  <a:tcPr marL="9525" marR="9525" marT="9525" marB="0" anchor="b">
+                    <a:lnT w="12700" cap="flat" cmpd="sng" algn="ctr">
+                      <a:solidFill>
+                        <a:schemeClr val="tx1"/>
+                      </a:solidFill>
+                      <a:prstDash val="solid"/>
+                      <a:round/>
+                      <a:headEnd type="none" w="med" len="med"/>
+                      <a:tailEnd type="none" w="med" len="med"/>
+                    </a:lnT>
+                  </a:tcPr>
+                </a:tc>
+                <a:tc>
+                  <a:txBody>
+                    <a:bodyPr/>
+                    <a:lstStyle/>
+                    <a:p>
+                      <a:pPr algn="r" fontAlgn="b"/>
+                      <a:r>
+                        <a:rPr lang="de-DE" sz="1600" u="none" strike="noStrike" dirty="0">
+                          <a:effectLst/>
+                        </a:rPr>
+                        <a:t>2,80</a:t>
+                      </a:r>
+                      <a:endParaRPr lang="de-DE" sz="1600" b="0" i="0" u="none" strike="noStrike" dirty="0">
+                        <a:solidFill>
+                          <a:srgbClr val="000000"/>
+                        </a:solidFill>
+                        <a:effectLst/>
+                        <a:latin typeface="Calibri" panose="020F0502020204030204" pitchFamily="34" charset="0"/>
+                      </a:endParaRPr>
+                    </a:p>
+                  </a:txBody>
+                  <a:tcPr marL="9525" marR="9525" marT="9525" marB="0" anchor="b">
+                    <a:lnT w="12700" cap="flat" cmpd="sng" algn="ctr">
+                      <a:solidFill>
+                        <a:schemeClr val="tx1"/>
+                      </a:solidFill>
+                      <a:prstDash val="solid"/>
+                      <a:round/>
+                      <a:headEnd type="none" w="med" len="med"/>
+                      <a:tailEnd type="none" w="med" len="med"/>
+                    </a:lnT>
+                  </a:tcPr>
+                </a:tc>
+                <a:tc>
+                  <a:txBody>
+                    <a:bodyPr/>
+                    <a:lstStyle/>
+                    <a:p>
+                      <a:pPr algn="r" fontAlgn="b"/>
+                      <a:r>
+                        <a:rPr lang="de-DE" sz="1600" u="none" strike="noStrike" dirty="0">
+                          <a:effectLst/>
+                        </a:rPr>
+                        <a:t>79,61%</a:t>
+                      </a:r>
+                      <a:endParaRPr lang="de-DE" sz="1600" b="0" i="0" u="none" strike="noStrike" dirty="0">
+                        <a:solidFill>
+                          <a:srgbClr val="000000"/>
+                        </a:solidFill>
+                        <a:effectLst/>
+                        <a:latin typeface="Calibri" panose="020F0502020204030204" pitchFamily="34" charset="0"/>
+                      </a:endParaRPr>
+                    </a:p>
+                  </a:txBody>
+                  <a:tcPr marL="9525" marR="9525" marT="9525" marB="0" anchor="b">
+                    <a:lnT w="12700" cap="flat" cmpd="sng" algn="ctr">
+                      <a:solidFill>
+                        <a:schemeClr val="tx1"/>
+                      </a:solidFill>
+                      <a:prstDash val="solid"/>
+                      <a:round/>
+                      <a:headEnd type="none" w="med" len="med"/>
+                      <a:tailEnd type="none" w="med" len="med"/>
+                    </a:lnT>
+                  </a:tcPr>
+                </a:tc>
+                <a:tc>
+                  <a:txBody>
+                    <a:bodyPr/>
+                    <a:lstStyle/>
+                    <a:p>
+                      <a:pPr algn="r" fontAlgn="b"/>
+                      <a:r>
+                        <a:rPr lang="de-DE" sz="1600" u="none" strike="noStrike" dirty="0">
+                          <a:effectLst/>
+                        </a:rPr>
+                        <a:t>2848,73</a:t>
+                      </a:r>
+                      <a:endParaRPr lang="de-DE" sz="1600" b="0" i="0" u="none" strike="noStrike" dirty="0">
+                        <a:solidFill>
+                          <a:srgbClr val="000000"/>
+                        </a:solidFill>
+                        <a:effectLst/>
+                        <a:latin typeface="Calibri" panose="020F0502020204030204" pitchFamily="34" charset="0"/>
+                      </a:endParaRPr>
+                    </a:p>
+                  </a:txBody>
+                  <a:tcPr marL="9525" marR="9525" marT="9525" marB="0" anchor="b">
+                    <a:lnT w="12700" cap="flat" cmpd="sng" algn="ctr">
+                      <a:solidFill>
+                        <a:schemeClr val="tx1"/>
+                      </a:solidFill>
+                      <a:prstDash val="solid"/>
+                      <a:round/>
+                      <a:headEnd type="none" w="med" len="med"/>
+                      <a:tailEnd type="none" w="med" len="med"/>
+                    </a:lnT>
+                  </a:tcPr>
+                </a:tc>
+              </a:tr>
+            </a:tbl>
+          </a:graphicData>
+        </a:graphic>
+      </p:graphicFrame>
+    </p:spTree>
+    <p:extLst>
+      <p:ext uri="{BB962C8B-B14F-4D97-AF65-F5344CB8AC3E}">
+        <p14:creationId xmlns:p14="http://schemas.microsoft.com/office/powerpoint/2010/main" val="580323035"/>
+      </p:ext>
+    </p:extLst>
+  </p:cSld>
+  <p:clrMapOvr>
+    <a:masterClrMapping/>
+  </p:clrMapOvr>
+  <p:transition>
+    <p:fade/>
+  </p:transition>
+  <p:timing>
+    <p:tnLst>
+      <p:par>
+        <p:cTn id="1" dur="indefinite" restart="never" nodeType="tmRoot"/>
+      </p:par>
+    </p:tnLst>
+  </p:timing>
+</p:sld>
+</file>
+
+<file path=ppt/slides/slide36.xml><?xml version="1.0" encoding="utf-8"?>
+<p:sld xmlns:a="http://schemas.openxmlformats.org/drawingml/2006/main" xmlns:r="http://schemas.openxmlformats.org/officeDocument/2006/relationships" xmlns:p="http://schemas.openxmlformats.org/presentationml/2006/main">
+  <p:cSld>
+    <p:spTree>
+      <p:nvGrpSpPr>
+        <p:cNvPr id="1" name=""/>
+        <p:cNvGrpSpPr/>
+        <p:nvPr/>
+      </p:nvGrpSpPr>
+      <p:grpSpPr>
+        <a:xfrm>
+          <a:off x="0" y="0"/>
+          <a:ext cx="0" cy="0"/>
+          <a:chOff x="0" y="0"/>
+          <a:chExt cx="0" cy="0"/>
+        </a:xfrm>
+      </p:grpSpPr>
+      <p:sp>
+        <p:nvSpPr>
+          <p:cNvPr id="3" name="Inhaltsplatzhalter 2"/>
+          <p:cNvSpPr>
+            <a:spLocks noGrp="1"/>
+          </p:cNvSpPr>
+          <p:nvPr>
+            <p:ph idx="1"/>
+          </p:nvPr>
+        </p:nvSpPr>
+        <p:spPr/>
+        <p:txBody>
+          <a:bodyPr>
+            <a:normAutofit/>
+          </a:bodyPr>
+          <a:lstStyle/>
+          <a:p>
+            <a:pPr indent="0">
+              <a:lnSpc>
+                <a:spcPct val="110000"/>
+              </a:lnSpc>
+              <a:spcBef>
+                <a:spcPts val="0"/>
+              </a:spcBef>
+              <a:buNone/>
+            </a:pPr>
+            <a:r>
+              <a:rPr lang="de-DE" dirty="0" smtClean="0"/>
+              <a:t>In Worten</a:t>
+            </a:r>
+          </a:p>
+          <a:p>
+            <a:pPr indent="0">
+              <a:lnSpc>
+                <a:spcPct val="150000"/>
+              </a:lnSpc>
+              <a:spcBef>
+                <a:spcPts val="0"/>
+              </a:spcBef>
+              <a:buNone/>
+            </a:pPr>
+            <a:endParaRPr lang="de-DE" sz="1200" dirty="0"/>
+          </a:p>
+          <a:p>
+            <a:pPr lvl="1">
+              <a:lnSpc>
+                <a:spcPct val="150000"/>
+              </a:lnSpc>
+              <a:buFont typeface="Arial" pitchFamily="34" charset="0"/>
+              <a:buChar char="•"/>
+            </a:pPr>
+            <a:r>
+              <a:rPr lang="de-DE" sz="2400" dirty="0" smtClean="0"/>
+              <a:t>Erfolgsrate beim Erkennen von Nucleoli:  ~80%</a:t>
+            </a:r>
+          </a:p>
+          <a:p>
+            <a:pPr lvl="2">
+              <a:lnSpc>
+                <a:spcPct val="150000"/>
+              </a:lnSpc>
+              <a:buFont typeface="Wingdings" panose="05000000000000000000" pitchFamily="2" charset="2"/>
+              <a:buChar char=""/>
+            </a:pPr>
+            <a:r>
+              <a:rPr lang="de-DE" sz="2000" dirty="0"/>
+              <a:t> </a:t>
+            </a:r>
+            <a:r>
+              <a:rPr lang="de-DE" sz="2000" dirty="0" smtClean="0"/>
+              <a:t>Vergleichbar mit </a:t>
+            </a:r>
+            <a:r>
+              <a:rPr lang="de-DE" sz="2000" dirty="0" err="1" smtClean="0"/>
+              <a:t>CellProfiler</a:t>
+            </a:r>
+            <a:endParaRPr lang="de-DE" sz="2000" dirty="0" smtClean="0"/>
+          </a:p>
+          <a:p>
+            <a:pPr lvl="1">
+              <a:lnSpc>
+                <a:spcPct val="150000"/>
+              </a:lnSpc>
+              <a:buFont typeface="Arial" pitchFamily="34" charset="0"/>
+              <a:buChar char="•"/>
+            </a:pPr>
+            <a:r>
+              <a:rPr lang="de-DE" sz="2400" dirty="0" smtClean="0"/>
+              <a:t>Für Analyse benötigte Zeit: &lt; 3 Sekunden</a:t>
+            </a:r>
+          </a:p>
+          <a:p>
+            <a:pPr lvl="2">
+              <a:lnSpc>
+                <a:spcPct val="150000"/>
+              </a:lnSpc>
+              <a:buFont typeface="Wingdings" panose="05000000000000000000" pitchFamily="2" charset="2"/>
+              <a:buChar char="è"/>
+            </a:pPr>
+            <a:r>
+              <a:rPr lang="de-DE" sz="2000" dirty="0" smtClean="0"/>
+              <a:t> Geschwindigkeitssteigerung um Faktor 15</a:t>
+            </a:r>
+          </a:p>
+          <a:p>
+            <a:pPr lvl="1">
+              <a:lnSpc>
+                <a:spcPct val="150000"/>
+              </a:lnSpc>
+              <a:buFont typeface="Arial" panose="020B0604020202020204" pitchFamily="34" charset="0"/>
+              <a:buChar char="•"/>
+            </a:pPr>
+            <a:r>
+              <a:rPr lang="de-DE" sz="2400" dirty="0" smtClean="0"/>
+              <a:t>Vergleichbare Ergebnisse über zahlreiche Bilder</a:t>
+            </a:r>
+          </a:p>
+          <a:p>
+            <a:pPr lvl="2">
+              <a:lnSpc>
+                <a:spcPct val="150000"/>
+              </a:lnSpc>
+              <a:buFont typeface="Wingdings" panose="05000000000000000000" pitchFamily="2" charset="2"/>
+              <a:buChar char="è"/>
+            </a:pPr>
+            <a:r>
+              <a:rPr lang="de-DE" sz="2000" dirty="0"/>
+              <a:t> </a:t>
+            </a:r>
+            <a:r>
+              <a:rPr lang="de-DE" sz="2000" dirty="0" smtClean="0"/>
+              <a:t>Stabiles Verfahren</a:t>
+            </a:r>
+            <a:endParaRPr lang="de-DE" sz="2000" dirty="0"/>
+          </a:p>
+        </p:txBody>
+      </p:sp>
+      <p:sp>
+        <p:nvSpPr>
+          <p:cNvPr id="2" name="Titel 1"/>
+          <p:cNvSpPr>
+            <a:spLocks noGrp="1"/>
+          </p:cNvSpPr>
+          <p:nvPr>
+            <p:ph type="title"/>
+          </p:nvPr>
+        </p:nvSpPr>
+        <p:spPr/>
+        <p:txBody>
+          <a:bodyPr>
+            <a:normAutofit/>
+          </a:bodyPr>
+          <a:lstStyle/>
+          <a:p>
+            <a:r>
+              <a:rPr lang="de-DE" dirty="0" smtClean="0"/>
+              <a:t>Fazit &amp; Ausblick – Fazit II</a:t>
+            </a:r>
+            <a:endParaRPr lang="de-DE" dirty="0"/>
+          </a:p>
+        </p:txBody>
+      </p:sp>
+      <p:sp>
+        <p:nvSpPr>
+          <p:cNvPr id="4" name="Datumsplatzhalter 3"/>
+          <p:cNvSpPr>
+            <a:spLocks noGrp="1"/>
+          </p:cNvSpPr>
+          <p:nvPr>
+            <p:ph type="dt" sz="half" idx="10"/>
+          </p:nvPr>
+        </p:nvSpPr>
+        <p:spPr/>
+        <p:txBody>
+          <a:bodyPr/>
+          <a:lstStyle/>
+          <a:p>
+            <a:fld id="{5EF832D8-AAC1-4B74-8AAA-E367E2E248BB}" type="datetime1">
+              <a:rPr lang="de-DE" smtClean="0"/>
+              <a:t>27.11.2014</a:t>
+            </a:fld>
+            <a:endParaRPr lang="de-DE"/>
+          </a:p>
+        </p:txBody>
+      </p:sp>
+      <p:sp>
+        <p:nvSpPr>
+          <p:cNvPr id="5" name="Fußzeilenplatzhalter 4"/>
+          <p:cNvSpPr>
+            <a:spLocks noGrp="1"/>
+          </p:cNvSpPr>
+          <p:nvPr>
+            <p:ph type="ftr" sz="quarter" idx="11"/>
+          </p:nvPr>
+        </p:nvSpPr>
+        <p:spPr/>
+        <p:txBody>
+          <a:bodyPr/>
+          <a:lstStyle/>
+          <a:p>
+            <a:r>
+              <a:rPr lang="de-DE" dirty="0" err="1"/>
+              <a:t>NuFi</a:t>
+            </a:r>
+            <a:r>
+              <a:rPr lang="de-DE" dirty="0"/>
+              <a:t> - </a:t>
+            </a:r>
+            <a:r>
+              <a:rPr lang="de-DE" dirty="0" smtClean="0"/>
+              <a:t>Nico Hochberger</a:t>
+            </a:r>
+            <a:endParaRPr lang="de-DE" dirty="0"/>
+          </a:p>
+        </p:txBody>
+      </p:sp>
+      <p:sp>
+        <p:nvSpPr>
+          <p:cNvPr id="6" name="Foliennummernplatzhalter 5"/>
+          <p:cNvSpPr>
+            <a:spLocks noGrp="1"/>
+          </p:cNvSpPr>
+          <p:nvPr>
+            <p:ph type="sldNum" sz="quarter" idx="12"/>
+          </p:nvPr>
+        </p:nvSpPr>
+        <p:spPr/>
+        <p:txBody>
+          <a:bodyPr/>
+          <a:lstStyle/>
+          <a:p>
+            <a:fld id="{7B5D8AC1-C9A5-4804-AF36-173C8CE7FD45}" type="slidenum">
+              <a:rPr lang="de-DE" smtClean="0"/>
+              <a:pPr/>
+              <a:t>36</a:t>
+            </a:fld>
+            <a:endParaRPr lang="de-DE"/>
+          </a:p>
+        </p:txBody>
+      </p:sp>
+    </p:spTree>
+    <p:extLst>
+      <p:ext uri="{BB962C8B-B14F-4D97-AF65-F5344CB8AC3E}">
+        <p14:creationId xmlns:p14="http://schemas.microsoft.com/office/powerpoint/2010/main" val="866710940"/>
+      </p:ext>
+    </p:extLst>
+  </p:cSld>
+  <p:clrMapOvr>
+    <a:masterClrMapping/>
+  </p:clrMapOvr>
+  <p:transition>
+    <p:fade/>
+  </p:transition>
+  <p:timing>
+    <p:tnLst>
+      <p:par>
+        <p:cTn id="1" dur="indefinite" restart="never" nodeType="tmRoot"/>
+      </p:par>
+    </p:tnLst>
+  </p:timing>
+</p:sld>
+</file>
+
+<file path=ppt/slides/slide37.xml><?xml version="1.0" encoding="utf-8"?>
+<p:sld xmlns:a="http://schemas.openxmlformats.org/drawingml/2006/main" xmlns:r="http://schemas.openxmlformats.org/officeDocument/2006/relationships" xmlns:p="http://schemas.openxmlformats.org/presentationml/2006/main">
+  <p:cSld>
+    <p:spTree>
+      <p:nvGrpSpPr>
+        <p:cNvPr id="1" name=""/>
+        <p:cNvGrpSpPr/>
+        <p:nvPr/>
+      </p:nvGrpSpPr>
+      <p:grpSpPr>
+        <a:xfrm>
+          <a:off x="0" y="0"/>
+          <a:ext cx="0" cy="0"/>
+          <a:chOff x="0" y="0"/>
+          <a:chExt cx="0" cy="0"/>
+        </a:xfrm>
+      </p:grpSpPr>
+      <p:sp>
+        <p:nvSpPr>
+          <p:cNvPr id="3" name="Inhaltsplatzhalter 2"/>
+          <p:cNvSpPr>
+            <a:spLocks noGrp="1"/>
+          </p:cNvSpPr>
+          <p:nvPr>
+            <p:ph idx="1"/>
+          </p:nvPr>
+        </p:nvSpPr>
+        <p:spPr/>
+        <p:txBody>
+          <a:bodyPr>
+            <a:normAutofit/>
+          </a:bodyPr>
+          <a:lstStyle/>
+          <a:p>
+            <a:pPr indent="0">
+              <a:lnSpc>
+                <a:spcPct val="110000"/>
+              </a:lnSpc>
+              <a:spcBef>
+                <a:spcPts val="0"/>
+              </a:spcBef>
+              <a:buNone/>
+            </a:pPr>
+            <a:r>
+              <a:rPr lang="de-DE" dirty="0" smtClean="0"/>
+              <a:t>Mögliche Weiterentwicklungen</a:t>
+            </a:r>
+          </a:p>
+          <a:p>
+            <a:pPr indent="0">
+              <a:lnSpc>
+                <a:spcPct val="150000"/>
+              </a:lnSpc>
+              <a:spcBef>
+                <a:spcPts val="0"/>
+              </a:spcBef>
+              <a:buNone/>
+            </a:pPr>
+            <a:endParaRPr lang="de-DE" sz="1200" dirty="0"/>
+          </a:p>
+          <a:p>
+            <a:pPr indent="0">
+              <a:lnSpc>
+                <a:spcPct val="150000"/>
+              </a:lnSpc>
+              <a:buNone/>
+            </a:pPr>
+            <a:r>
+              <a:rPr lang="de-DE" sz="2800" dirty="0" smtClean="0"/>
+              <a:t>Angedacht:</a:t>
+            </a:r>
+            <a:endParaRPr lang="de-DE" sz="2800" dirty="0"/>
+          </a:p>
+          <a:p>
+            <a:pPr lvl="1">
+              <a:lnSpc>
+                <a:spcPct val="150000"/>
+              </a:lnSpc>
+              <a:buFont typeface="Arial" pitchFamily="34" charset="0"/>
+              <a:buChar char="•"/>
+            </a:pPr>
+            <a:r>
+              <a:rPr lang="de-DE" sz="2400" dirty="0" smtClean="0"/>
+              <a:t>Implementierung weiterer Verfahren zur Zielerkennung</a:t>
+            </a:r>
+          </a:p>
+          <a:p>
+            <a:pPr lvl="1">
+              <a:lnSpc>
+                <a:spcPct val="150000"/>
+              </a:lnSpc>
+              <a:buFont typeface="Arial" pitchFamily="34" charset="0"/>
+              <a:buChar char="•"/>
+            </a:pPr>
+            <a:r>
+              <a:rPr lang="de-DE" sz="2400" dirty="0" smtClean="0"/>
+              <a:t>Statistikfunktion weiter ausbauen</a:t>
+            </a:r>
+          </a:p>
+          <a:p>
+            <a:pPr lvl="1">
+              <a:lnSpc>
+                <a:spcPct val="150000"/>
+              </a:lnSpc>
+              <a:buFont typeface="Arial" pitchFamily="34" charset="0"/>
+              <a:buChar char="•"/>
+            </a:pPr>
+            <a:r>
+              <a:rPr lang="de-DE" sz="2400" dirty="0" smtClean="0"/>
+              <a:t>Analyse bisher nicht beachteter Bereiche</a:t>
+            </a:r>
+          </a:p>
+          <a:p>
+            <a:pPr lvl="1">
+              <a:lnSpc>
+                <a:spcPct val="150000"/>
+              </a:lnSpc>
+              <a:buFont typeface="Arial" pitchFamily="34" charset="0"/>
+              <a:buChar char="•"/>
+            </a:pPr>
+            <a:r>
+              <a:rPr lang="de-DE" sz="2400" dirty="0" smtClean="0"/>
+              <a:t>ImageJ2 einbinden (erscheint im ersten Halbjahr 2015)</a:t>
+            </a:r>
+          </a:p>
+        </p:txBody>
+      </p:sp>
+      <p:sp>
+        <p:nvSpPr>
+          <p:cNvPr id="2" name="Titel 1"/>
+          <p:cNvSpPr>
+            <a:spLocks noGrp="1"/>
+          </p:cNvSpPr>
+          <p:nvPr>
+            <p:ph type="title"/>
+          </p:nvPr>
+        </p:nvSpPr>
+        <p:spPr/>
+        <p:txBody>
+          <a:bodyPr>
+            <a:normAutofit/>
+          </a:bodyPr>
+          <a:lstStyle/>
+          <a:p>
+            <a:r>
+              <a:rPr lang="de-DE" dirty="0" smtClean="0"/>
+              <a:t>Fazit &amp; Ausblick – Ausblick</a:t>
+            </a:r>
+            <a:endParaRPr lang="de-DE" dirty="0"/>
+          </a:p>
+        </p:txBody>
+      </p:sp>
+      <p:sp>
+        <p:nvSpPr>
+          <p:cNvPr id="4" name="Datumsplatzhalter 3"/>
+          <p:cNvSpPr>
+            <a:spLocks noGrp="1"/>
+          </p:cNvSpPr>
+          <p:nvPr>
+            <p:ph type="dt" sz="half" idx="10"/>
+          </p:nvPr>
+        </p:nvSpPr>
+        <p:spPr/>
+        <p:txBody>
+          <a:bodyPr/>
+          <a:lstStyle/>
+          <a:p>
+            <a:fld id="{5EF832D8-AAC1-4B74-8AAA-E367E2E248BB}" type="datetime1">
+              <a:rPr lang="de-DE" smtClean="0"/>
+              <a:t>27.11.2014</a:t>
+            </a:fld>
+            <a:endParaRPr lang="de-DE"/>
+          </a:p>
+        </p:txBody>
+      </p:sp>
+      <p:sp>
+        <p:nvSpPr>
+          <p:cNvPr id="5" name="Fußzeilenplatzhalter 4"/>
+          <p:cNvSpPr>
+            <a:spLocks noGrp="1"/>
+          </p:cNvSpPr>
+          <p:nvPr>
+            <p:ph type="ftr" sz="quarter" idx="11"/>
+          </p:nvPr>
+        </p:nvSpPr>
+        <p:spPr/>
+        <p:txBody>
+          <a:bodyPr/>
+          <a:lstStyle/>
+          <a:p>
+            <a:r>
+              <a:rPr lang="de-DE" dirty="0" err="1"/>
+              <a:t>NuFi</a:t>
+            </a:r>
+            <a:r>
+              <a:rPr lang="de-DE" dirty="0"/>
+              <a:t> - </a:t>
+            </a:r>
+            <a:r>
+              <a:rPr lang="de-DE" dirty="0" smtClean="0"/>
+              <a:t>Nico Hochberger</a:t>
+            </a:r>
+            <a:endParaRPr lang="de-DE" dirty="0"/>
+          </a:p>
+        </p:txBody>
+      </p:sp>
+      <p:sp>
+        <p:nvSpPr>
+          <p:cNvPr id="6" name="Foliennummernplatzhalter 5"/>
+          <p:cNvSpPr>
+            <a:spLocks noGrp="1"/>
+          </p:cNvSpPr>
+          <p:nvPr>
+            <p:ph type="sldNum" sz="quarter" idx="12"/>
+          </p:nvPr>
+        </p:nvSpPr>
+        <p:spPr/>
+        <p:txBody>
+          <a:bodyPr/>
+          <a:lstStyle/>
+          <a:p>
+            <a:fld id="{7B5D8AC1-C9A5-4804-AF36-173C8CE7FD45}" type="slidenum">
+              <a:rPr lang="de-DE" smtClean="0"/>
+              <a:pPr/>
+              <a:t>37</a:t>
+            </a:fld>
+            <a:endParaRPr lang="de-DE"/>
+          </a:p>
+        </p:txBody>
+      </p:sp>
+    </p:spTree>
+    <p:extLst>
+      <p:ext uri="{BB962C8B-B14F-4D97-AF65-F5344CB8AC3E}">
+        <p14:creationId xmlns:p14="http://schemas.microsoft.com/office/powerpoint/2010/main" val="792496727"/>
+      </p:ext>
+    </p:extLst>
+  </p:cSld>
+  <p:clrMapOvr>
+    <a:masterClrMapping/>
+  </p:clrMapOvr>
+  <p:transition>
+    <p:fade/>
+  </p:transition>
+  <p:timing>
+    <p:tnLst>
+      <p:par>
+        <p:cTn id="1" dur="indefinite" restart="never" nodeType="tmRoot"/>
+      </p:par>
+    </p:tnLst>
+  </p:timing>
+</p:sld>
+</file>
+
+<file path=ppt/slides/slide38.xml><?xml version="1.0" encoding="utf-8"?>
+<p:sld xmlns:a="http://schemas.openxmlformats.org/drawingml/2006/main" xmlns:r="http://schemas.openxmlformats.org/officeDocument/2006/relationships" xmlns:p="http://schemas.openxmlformats.org/presentationml/2006/main">
+  <p:cSld>
+    <p:spTree>
+      <p:nvGrpSpPr>
+        <p:cNvPr id="1" name=""/>
+        <p:cNvGrpSpPr/>
+        <p:nvPr/>
+      </p:nvGrpSpPr>
+      <p:grpSpPr>
+        <a:xfrm>
+          <a:off x="0" y="0"/>
+          <a:ext cx="0" cy="0"/>
+          <a:chOff x="0" y="0"/>
+          <a:chExt cx="0" cy="0"/>
+        </a:xfrm>
+      </p:grpSpPr>
+      <p:sp>
+        <p:nvSpPr>
           <p:cNvPr id="2" name="Titel 1"/>
           <p:cNvSpPr>
             <a:spLocks noGrp="1"/>
@@ -18869,6 +24877,171 @@
           </a:bodyPr>
           <a:lstStyle/>
           <a:p>
+            <a:pPr marL="0" indent="0" algn="ctr">
+              <a:buNone/>
+            </a:pPr>
+            <a:r>
+              <a:rPr lang="de-DE" sz="4800" dirty="0" smtClean="0"/>
+              <a:t>Vielen Dank für die Aufmerksamkeit.</a:t>
+            </a:r>
+            <a:endParaRPr lang="de-DE" sz="4800" dirty="0"/>
+          </a:p>
+        </p:txBody>
+      </p:sp>
+      <p:sp>
+        <p:nvSpPr>
+          <p:cNvPr id="4" name="Datumsplatzhalter 3"/>
+          <p:cNvSpPr>
+            <a:spLocks noGrp="1"/>
+          </p:cNvSpPr>
+          <p:nvPr>
+            <p:ph type="dt" sz="half" idx="10"/>
+          </p:nvPr>
+        </p:nvSpPr>
+        <p:spPr/>
+        <p:txBody>
+          <a:bodyPr/>
+          <a:lstStyle/>
+          <a:p>
+            <a:fld id="{66690F48-87A2-4AB1-B702-764A68417DA3}" type="datetime1">
+              <a:rPr lang="de-DE" smtClean="0"/>
+              <a:t>27.11.2014</a:t>
+            </a:fld>
+            <a:endParaRPr lang="de-DE"/>
+          </a:p>
+        </p:txBody>
+      </p:sp>
+      <p:sp>
+        <p:nvSpPr>
+          <p:cNvPr id="5" name="Fußzeilenplatzhalter 4"/>
+          <p:cNvSpPr>
+            <a:spLocks noGrp="1"/>
+          </p:cNvSpPr>
+          <p:nvPr>
+            <p:ph type="ftr" sz="quarter" idx="11"/>
+          </p:nvPr>
+        </p:nvSpPr>
+        <p:spPr/>
+        <p:txBody>
+          <a:bodyPr/>
+          <a:lstStyle/>
+          <a:p>
+            <a:r>
+              <a:rPr lang="de-DE" dirty="0" err="1"/>
+              <a:t>NuFi</a:t>
+            </a:r>
+            <a:r>
+              <a:rPr lang="de-DE" dirty="0"/>
+              <a:t> - </a:t>
+            </a:r>
+            <a:r>
+              <a:rPr lang="de-DE" dirty="0" smtClean="0"/>
+              <a:t>Nico Hochberger</a:t>
+            </a:r>
+            <a:endParaRPr lang="de-DE" dirty="0"/>
+          </a:p>
+        </p:txBody>
+      </p:sp>
+      <p:sp>
+        <p:nvSpPr>
+          <p:cNvPr id="6" name="Foliennummernplatzhalter 5"/>
+          <p:cNvSpPr>
+            <a:spLocks noGrp="1"/>
+          </p:cNvSpPr>
+          <p:nvPr>
+            <p:ph type="sldNum" sz="quarter" idx="12"/>
+          </p:nvPr>
+        </p:nvSpPr>
+        <p:spPr/>
+        <p:txBody>
+          <a:bodyPr/>
+          <a:lstStyle/>
+          <a:p>
+            <a:fld id="{7B5D8AC1-C9A5-4804-AF36-173C8CE7FD45}" type="slidenum">
+              <a:rPr lang="de-DE" smtClean="0"/>
+              <a:pPr/>
+              <a:t>38</a:t>
+            </a:fld>
+            <a:endParaRPr lang="de-DE"/>
+          </a:p>
+        </p:txBody>
+      </p:sp>
+    </p:spTree>
+  </p:cSld>
+  <p:clrMapOvr>
+    <a:masterClrMapping/>
+  </p:clrMapOvr>
+  <p:transition>
+    <p:fade/>
+  </p:transition>
+  <p:timing>
+    <p:tnLst>
+      <p:par>
+        <p:cTn id="1" dur="indefinite" restart="never" nodeType="tmRoot"/>
+      </p:par>
+    </p:tnLst>
+  </p:timing>
+</p:sld>
+</file>
+
+<file path=ppt/slides/slide39.xml><?xml version="1.0" encoding="utf-8"?>
+<p:sld xmlns:a="http://schemas.openxmlformats.org/drawingml/2006/main" xmlns:r="http://schemas.openxmlformats.org/officeDocument/2006/relationships" xmlns:p="http://schemas.openxmlformats.org/presentationml/2006/main">
+  <p:cSld>
+    <p:spTree>
+      <p:nvGrpSpPr>
+        <p:cNvPr id="1" name=""/>
+        <p:cNvGrpSpPr/>
+        <p:nvPr/>
+      </p:nvGrpSpPr>
+      <p:grpSpPr>
+        <a:xfrm>
+          <a:off x="0" y="0"/>
+          <a:ext cx="0" cy="0"/>
+          <a:chOff x="0" y="0"/>
+          <a:chExt cx="0" cy="0"/>
+        </a:xfrm>
+      </p:grpSpPr>
+      <p:sp>
+        <p:nvSpPr>
+          <p:cNvPr id="2" name="Titel 1"/>
+          <p:cNvSpPr>
+            <a:spLocks noGrp="1"/>
+          </p:cNvSpPr>
+          <p:nvPr>
+            <p:ph type="title"/>
+          </p:nvPr>
+        </p:nvSpPr>
+        <p:spPr/>
+        <p:txBody>
+          <a:bodyPr/>
+          <a:lstStyle/>
+          <a:p>
+            <a:endParaRPr lang="de-DE"/>
+          </a:p>
+        </p:txBody>
+      </p:sp>
+      <p:sp>
+        <p:nvSpPr>
+          <p:cNvPr id="3" name="Inhaltsplatzhalter 2"/>
+          <p:cNvSpPr>
+            <a:spLocks noGrp="1"/>
+          </p:cNvSpPr>
+          <p:nvPr>
+            <p:ph idx="1"/>
+          </p:nvPr>
+        </p:nvSpPr>
+        <p:spPr>
+          <a:xfrm>
+            <a:off x="457200" y="1000108"/>
+            <a:ext cx="8229600" cy="4929222"/>
+          </a:xfrm>
+        </p:spPr>
+        <p:txBody>
+          <a:bodyPr anchor="ctr">
+            <a:normAutofit/>
+          </a:bodyPr>
+          <a:lstStyle/>
+          <a:p>
             <a:pPr algn="ctr">
               <a:buNone/>
             </a:pPr>
@@ -18952,7 +25125,7 @@
             <a:fld id="{7B5D8AC1-C9A5-4804-AF36-173C8CE7FD45}" type="slidenum">
               <a:rPr lang="de-DE" smtClean="0"/>
               <a:pPr/>
-              <a:t>32</a:t>
+              <a:t>39</a:t>
             </a:fld>
             <a:endParaRPr lang="de-DE"/>
           </a:p>
@@ -21387,7 +27560,7 @@
             </a:pPr>
             <a:r>
               <a:rPr lang="de-DE" dirty="0" smtClean="0"/>
-              <a:t>Wie wird das bisher bewerkstelligt?</a:t>
+              <a:t>Was soll sich ändern?</a:t>
             </a:r>
             <a:endParaRPr lang="de-DE" dirty="0" smtClean="0"/>
           </a:p>
@@ -21412,16 +27585,9 @@
             </a:pPr>
             <a:r>
               <a:rPr lang="de-DE" sz="2800" dirty="0" smtClean="0"/>
-              <a:t>Mit </a:t>
-            </a:r>
-            <a:r>
-              <a:rPr lang="de-DE" sz="2800" dirty="0" err="1" smtClean="0"/>
-              <a:t>CellProfiler</a:t>
-            </a:r>
-            <a:r>
-              <a:rPr lang="de-DE" sz="2800" dirty="0" smtClean="0"/>
-              <a:t>, aber:</a:t>
-            </a:r>
+              <a:t>Neue Lösung:</a:t>
+            </a:r>
+            <a:endParaRPr lang="de-DE" sz="2800" dirty="0"/>
           </a:p>
           <a:p>
             <a:pPr lvl="1">
@@ -21433,8 +27599,9 @@
             </a:pPr>
             <a:r>
               <a:rPr lang="de-DE" sz="2400" dirty="0" smtClean="0"/>
-              <a:t>Braucht lange: Bis zu 45 Sekunden pro Bild</a:t>
-            </a:r>
+              <a:t>Maßgeschneidert</a:t>
+            </a:r>
+            <a:endParaRPr lang="de-DE" sz="2400" dirty="0"/>
           </a:p>
           <a:p>
             <a:pPr lvl="1">
@@ -21446,21 +27613,8 @@
             </a:pPr>
             <a:r>
               <a:rPr lang="de-DE" sz="2400" dirty="0" smtClean="0"/>
-              <a:t>Nur begrenzt anpassbar</a:t>
-            </a:r>
-          </a:p>
-          <a:p>
-            <a:pPr indent="0">
-              <a:lnSpc>
-                <a:spcPct val="150000"/>
-              </a:lnSpc>
-              <a:buNone/>
-            </a:pPr>
-            <a:r>
-              <a:rPr lang="de-DE" sz="2800" dirty="0" smtClean="0"/>
-              <a:t>Neue Lösung:</a:t>
-            </a:r>
-            <a:endParaRPr lang="de-DE" sz="2800" dirty="0"/>
+              <a:t>Schneller: Etwa 5 Sekunden pro Bild</a:t>
+            </a:r>
           </a:p>
           <a:p>
             <a:pPr lvl="1">
@@ -21472,21 +27626,7 @@
             </a:pPr>
             <a:r>
               <a:rPr lang="de-DE" sz="2400" dirty="0" smtClean="0"/>
-              <a:t>Maßgeschneidert</a:t>
-            </a:r>
-            <a:endParaRPr lang="de-DE" sz="2400" dirty="0"/>
-          </a:p>
-          <a:p>
-            <a:pPr lvl="1">
-              <a:lnSpc>
-                <a:spcPct val="150000"/>
-              </a:lnSpc>
-              <a:buFont typeface="Arial" pitchFamily="34" charset="0"/>
-              <a:buChar char="•"/>
-            </a:pPr>
-            <a:r>
-              <a:rPr lang="de-DE" sz="2400" dirty="0" smtClean="0"/>
-              <a:t>Schneller: Etwa 5 Sekunden pro Bild</a:t>
+              <a:t>Einfach anpassbar</a:t>
             </a:r>
             <a:endParaRPr lang="de-DE" sz="2400" dirty="0"/>
           </a:p>
@@ -21755,33 +27895,15 @@
                                   </p:childTnLst>
                                 </p:cTn>
                               </p:par>
-                            </p:childTnLst>
-                          </p:cTn>
-                        </p:par>
-                      </p:childTnLst>
-                    </p:cTn>
-                  </p:par>
-                  <p:par>
-                    <p:cTn id="14" fill="hold">
-                      <p:stCondLst>
-                        <p:cond delay="indefinite"/>
-                      </p:stCondLst>
-                      <p:childTnLst>
-                        <p:par>
-                          <p:cTn id="15" fill="hold">
-                            <p:stCondLst>
-                              <p:cond delay="0"/>
-                            </p:stCondLst>
-                            <p:childTnLst>
                               <p:par>
-                                <p:cTn id="16" presetID="10" presetClass="entr" presetSubtype="0" fill="hold" nodeType="clickEffect">
+                                <p:cTn id="14" presetID="10" presetClass="entr" presetSubtype="0" fill="hold" nodeType="withEffect">
                                   <p:stCondLst>
                                     <p:cond delay="0"/>
                                   </p:stCondLst>
                                   <p:childTnLst>
                                     <p:set>
                                       <p:cBhvr>
-                                        <p:cTn id="17" dur="1" fill="hold">
+                                        <p:cTn id="15" dur="1" fill="hold">
                                           <p:stCondLst>
                                             <p:cond delay="0"/>
                                           </p:stCondLst>
@@ -21803,97 +27925,11 @@
                                     </p:set>
                                     <p:animEffect transition="in" filter="fade">
                                       <p:cBhvr>
-                                        <p:cTn id="18" dur="500"/>
+                                        <p:cTn id="16" dur="500"/>
                                         <p:tgtEl>
                                           <p:spTgt spid="3">
                                             <p:txEl>
                                               <p:pRg st="5" end="5"/>
-                                            </p:txEl>
-                                          </p:spTgt>
-                                        </p:tgtEl>
-                                      </p:cBhvr>
-                                    </p:animEffect>
-                                  </p:childTnLst>
-                                </p:cTn>
-                              </p:par>
-                              <p:par>
-                                <p:cTn id="19" presetID="10" presetClass="entr" presetSubtype="0" fill="hold" nodeType="withEffect">
-                                  <p:stCondLst>
-                                    <p:cond delay="0"/>
-                                  </p:stCondLst>
-                                  <p:childTnLst>
-                                    <p:set>
-                                      <p:cBhvr>
-                                        <p:cTn id="20" dur="1" fill="hold">
-                                          <p:stCondLst>
-                                            <p:cond delay="0"/>
-                                          </p:stCondLst>
-                                        </p:cTn>
-                                        <p:tgtEl>
-                                          <p:spTgt spid="3">
-                                            <p:txEl>
-                                              <p:pRg st="6" end="6"/>
-                                            </p:txEl>
-                                          </p:spTgt>
-                                        </p:tgtEl>
-                                        <p:attrNameLst>
-                                          <p:attrName>style.visibility</p:attrName>
-                                        </p:attrNameLst>
-                                      </p:cBhvr>
-                                      <p:to>
-                                        <p:strVal val="visible"/>
-                                      </p:to>
-                                    </p:set>
-                                    <p:animEffect transition="in" filter="fade">
-                                      <p:cBhvr>
-                                        <p:cTn id="21" dur="500"/>
-                                        <p:tgtEl>
-                                          <p:spTgt spid="3">
-                                            <p:txEl>
-                                              <p:pRg st="6" end="6"/>
-                                            </p:txEl>
-                                          </p:spTgt>
-                                        </p:tgtEl>
-                                      </p:cBhvr>
-                                    </p:animEffect>
-                                  </p:childTnLst>
-                                </p:cTn>
-                              </p:par>
-                              <p:par>
-                                <p:cTn id="22" presetID="10" presetClass="entr" presetSubtype="0" fill="hold" nodeType="withEffect">
-                                  <p:stCondLst>
-                                    <p:cond delay="0"/>
-                                  </p:stCondLst>
-                                  <p:childTnLst>
-                                    <p:set>
-                                      <p:cBhvr>
-                                        <p:cTn id="23" dur="1" fill="hold">
-                                          <p:stCondLst>
-                                            <p:cond delay="0"/>
-                                          </p:stCondLst>
-                                        </p:cTn>
-                                        <p:tgtEl>
-                                          <p:spTgt spid="3">
-                                            <p:txEl>
-                                              <p:pRg st="7" end="7"/>
-                                            </p:txEl>
-                                          </p:spTgt>
-                                        </p:tgtEl>
-                                        <p:attrNameLst>
-                                          <p:attrName>style.visibility</p:attrName>
-                                        </p:attrNameLst>
-                                      </p:cBhvr>
-                                      <p:to>
-                                        <p:strVal val="visible"/>
-                                      </p:to>
-                                    </p:set>
-                                    <p:animEffect transition="in" filter="fade">
-                                      <p:cBhvr>
-                                        <p:cTn id="24" dur="500"/>
-                                        <p:tgtEl>
-                                          <p:spTgt spid="3">
-                                            <p:txEl>
-                                              <p:pRg st="7" end="7"/>
                                             </p:txEl>
                                           </p:spTgt>
                                         </p:tgtEl>
